--- a/presentation/vortrag_qual_gis.pptx
+++ b/presentation/vortrag_qual_gis.pptx
@@ -5,7 +5,7 @@
     <p:sldMasterId id="2147483648" r:id="rId1"/>
   </p:sldMasterIdLst>
   <p:notesMasterIdLst>
-    <p:notesMasterId r:id="rId23"/>
+    <p:notesMasterId r:id="rId26"/>
   </p:notesMasterIdLst>
   <p:sldIdLst>
     <p:sldId id="256" r:id="rId2"/>
@@ -14,21 +14,24 @@
     <p:sldId id="265" r:id="rId5"/>
     <p:sldId id="266" r:id="rId6"/>
     <p:sldId id="275" r:id="rId7"/>
-    <p:sldId id="258" r:id="rId8"/>
-    <p:sldId id="261" r:id="rId9"/>
-    <p:sldId id="260" r:id="rId10"/>
-    <p:sldId id="274" r:id="rId11"/>
-    <p:sldId id="262" r:id="rId12"/>
-    <p:sldId id="277" r:id="rId13"/>
-    <p:sldId id="271" r:id="rId14"/>
-    <p:sldId id="270" r:id="rId15"/>
-    <p:sldId id="263" r:id="rId16"/>
-    <p:sldId id="267" r:id="rId17"/>
-    <p:sldId id="268" r:id="rId18"/>
-    <p:sldId id="269" r:id="rId19"/>
-    <p:sldId id="272" r:id="rId20"/>
-    <p:sldId id="264" r:id="rId21"/>
-    <p:sldId id="273" r:id="rId22"/>
+    <p:sldId id="261" r:id="rId8"/>
+    <p:sldId id="260" r:id="rId9"/>
+    <p:sldId id="274" r:id="rId10"/>
+    <p:sldId id="281" r:id="rId11"/>
+    <p:sldId id="278" r:id="rId12"/>
+    <p:sldId id="262" r:id="rId13"/>
+    <p:sldId id="279" r:id="rId14"/>
+    <p:sldId id="271" r:id="rId15"/>
+    <p:sldId id="282" r:id="rId16"/>
+    <p:sldId id="270" r:id="rId17"/>
+    <p:sldId id="283" r:id="rId18"/>
+    <p:sldId id="263" r:id="rId19"/>
+    <p:sldId id="267" r:id="rId20"/>
+    <p:sldId id="268" r:id="rId21"/>
+    <p:sldId id="269" r:id="rId22"/>
+    <p:sldId id="272" r:id="rId23"/>
+    <p:sldId id="264" r:id="rId24"/>
+    <p:sldId id="273" r:id="rId25"/>
   </p:sldIdLst>
   <p:sldSz cx="12192000" cy="6858000"/>
   <p:notesSz cx="6858000" cy="9144000"/>
@@ -2866,7 +2869,7 @@
           <a:p>
             <a:fld id="{5DCA5DAD-3342-4B4E-BBD5-2091A736E669}" type="datetimeFigureOut">
               <a:rPr lang="de-DE" smtClean="0"/>
-              <a:t>21.11.2017</a:t>
+              <a:t>22.11.2017</a:t>
             </a:fld>
             <a:endParaRPr lang="de-DE"/>
           </a:p>
@@ -3262,88 +3265,37 @@
           <a:lstStyle/>
           <a:p>
             <a:r>
+              <a:rPr lang="en-GB" sz="1200" kern="1200" dirty="0">
+                <a:solidFill>
+                  <a:schemeClr val="tx1"/>
+                </a:solidFill>
+                <a:effectLst/>
+                <a:latin typeface="+mn-lt"/>
+                <a:ea typeface="+mn-ea"/>
+                <a:cs typeface="+mn-cs"/>
+              </a:rPr>
+              <a:t>468 matches. We dismissed 87 publications</a:t>
+            </a:r>
+          </a:p>
+          <a:p>
+            <a:endParaRPr lang="de-DE" dirty="0"/>
+          </a:p>
+          <a:p>
+            <a:endParaRPr lang="de-DE" dirty="0"/>
+          </a:p>
+          <a:p>
+            <a:r>
               <a:rPr lang="de-DE" dirty="0"/>
-              <a:t>Wie kommt man dahin </a:t>
-            </a:r>
-            <a:r>
-              <a:rPr lang="de-DE" dirty="0">
-                <a:sym typeface="Wingdings" panose="05000000000000000000" pitchFamily="2" charset="2"/>
-              </a:rPr>
-              <a:t> Word </a:t>
-            </a:r>
-            <a:r>
-              <a:rPr lang="de-DE" dirty="0" err="1">
-                <a:sym typeface="Wingdings" panose="05000000000000000000" pitchFamily="2" charset="2"/>
-              </a:rPr>
-              <a:t>preperation</a:t>
-            </a:r>
-            <a:r>
-              <a:rPr lang="de-DE" dirty="0">
-                <a:sym typeface="Wingdings" panose="05000000000000000000" pitchFamily="2" charset="2"/>
-              </a:rPr>
-              <a:t>: </a:t>
-            </a:r>
-            <a:r>
-              <a:rPr lang="de-DE" dirty="0" err="1">
-                <a:sym typeface="Wingdings" panose="05000000000000000000" pitchFamily="2" charset="2"/>
-              </a:rPr>
-              <a:t>cleaning</a:t>
-            </a:r>
-            <a:r>
-              <a:rPr lang="de-DE" dirty="0">
-                <a:sym typeface="Wingdings" panose="05000000000000000000" pitchFamily="2" charset="2"/>
-              </a:rPr>
-              <a:t> (</a:t>
-            </a:r>
-            <a:r>
-              <a:rPr lang="de-DE" dirty="0" err="1">
-                <a:sym typeface="Wingdings" panose="05000000000000000000" pitchFamily="2" charset="2"/>
-              </a:rPr>
-              <a:t>no</a:t>
-            </a:r>
-            <a:r>
-              <a:rPr lang="de-DE" dirty="0">
-                <a:sym typeface="Wingdings" panose="05000000000000000000" pitchFamily="2" charset="2"/>
-              </a:rPr>
-              <a:t> </a:t>
-            </a:r>
-            <a:r>
-              <a:rPr lang="de-DE" dirty="0" err="1">
-                <a:sym typeface="Wingdings" panose="05000000000000000000" pitchFamily="2" charset="2"/>
-              </a:rPr>
-              <a:t>stopwords</a:t>
-            </a:r>
-            <a:r>
-              <a:rPr lang="de-DE" dirty="0">
-                <a:sym typeface="Wingdings" panose="05000000000000000000" pitchFamily="2" charset="2"/>
-              </a:rPr>
-              <a:t>, and </a:t>
-            </a:r>
-            <a:r>
-              <a:rPr lang="de-DE" dirty="0" err="1">
-                <a:sym typeface="Wingdings" panose="05000000000000000000" pitchFamily="2" charset="2"/>
-              </a:rPr>
-              <a:t>special</a:t>
-            </a:r>
-            <a:r>
-              <a:rPr lang="de-DE" dirty="0">
-                <a:sym typeface="Wingdings" panose="05000000000000000000" pitchFamily="2" charset="2"/>
-              </a:rPr>
-              <a:t> </a:t>
-            </a:r>
-            <a:r>
-              <a:rPr lang="de-DE" dirty="0" err="1">
-                <a:sym typeface="Wingdings" panose="05000000000000000000" pitchFamily="2" charset="2"/>
-              </a:rPr>
-              <a:t>char</a:t>
-            </a:r>
-            <a:r>
-              <a:rPr lang="de-DE" dirty="0">
-                <a:sym typeface="Wingdings" panose="05000000000000000000" pitchFamily="2" charset="2"/>
-              </a:rPr>
-              <a:t>) </a:t>
-            </a:r>
-            <a:endParaRPr lang="en-GB" dirty="0"/>
+              <a:t>R</a:t>
+            </a:r>
+            <a:r>
+              <a:rPr lang="en-GB" dirty="0" err="1"/>
+              <a:t>etrieved</a:t>
+            </a:r>
+            <a:r>
+              <a:rPr lang="en-GB" dirty="0"/>
+              <a:t> 14 var. Location, qual. Data, Analysis method, Software</a:t>
+            </a:r>
           </a:p>
         </p:txBody>
       </p:sp>
@@ -3364,7 +3316,7 @@
           <a:p>
             <a:fld id="{06421E1D-4275-499E-B0D8-364853585D3F}" type="slidenum">
               <a:rPr lang="de-DE" smtClean="0"/>
-              <a:t>12</a:t>
+              <a:t>11</a:t>
             </a:fld>
             <a:endParaRPr lang="de-DE"/>
           </a:p>
@@ -3373,7 +3325,3621 @@
     </p:spTree>
     <p:extLst>
       <p:ext uri="{BB962C8B-B14F-4D97-AF65-F5344CB8AC3E}">
-        <p14:creationId xmlns:p14="http://schemas.microsoft.com/office/powerpoint/2010/main" val="483683110"/>
+        <p14:creationId xmlns:p14="http://schemas.microsoft.com/office/powerpoint/2010/main" val="3121857486"/>
+      </p:ext>
+    </p:extLst>
+  </p:cSld>
+  <p:clrMapOvr>
+    <a:masterClrMapping/>
+  </p:clrMapOvr>
+</p:notes>
+</file>
+
+<file path=ppt/notesSlides/notesSlide11.xml><?xml version="1.0" encoding="utf-8"?>
+<p:notes xmlns:a="http://schemas.openxmlformats.org/drawingml/2006/main" xmlns:r="http://schemas.openxmlformats.org/officeDocument/2006/relationships" xmlns:p="http://schemas.openxmlformats.org/presentationml/2006/main">
+  <p:cSld>
+    <p:spTree>
+      <p:nvGrpSpPr>
+        <p:cNvPr id="1" name=""/>
+        <p:cNvGrpSpPr/>
+        <p:nvPr/>
+      </p:nvGrpSpPr>
+      <p:grpSpPr>
+        <a:xfrm>
+          <a:off x="0" y="0"/>
+          <a:ext cx="0" cy="0"/>
+          <a:chOff x="0" y="0"/>
+          <a:chExt cx="0" cy="0"/>
+        </a:xfrm>
+      </p:grpSpPr>
+      <p:sp>
+        <p:nvSpPr>
+          <p:cNvPr id="2" name="Folienbildplatzhalter 1"/>
+          <p:cNvSpPr>
+            <a:spLocks noGrp="1" noRot="1" noChangeAspect="1"/>
+          </p:cNvSpPr>
+          <p:nvPr>
+            <p:ph type="sldImg"/>
+          </p:nvPr>
+        </p:nvSpPr>
+        <p:spPr/>
+      </p:sp>
+      <p:sp>
+        <p:nvSpPr>
+          <p:cNvPr id="3" name="Notizenplatzhalter 2"/>
+          <p:cNvSpPr>
+            <a:spLocks noGrp="1"/>
+          </p:cNvSpPr>
+          <p:nvPr>
+            <p:ph type="body" idx="1"/>
+          </p:nvPr>
+        </p:nvSpPr>
+        <p:spPr/>
+        <p:txBody>
+          <a:bodyPr/>
+          <a:lstStyle/>
+          <a:p>
+            <a:r>
+              <a:rPr lang="de-DE" dirty="0">
+                <a:sym typeface="Wingdings" panose="05000000000000000000" pitchFamily="2" charset="2"/>
+              </a:rPr>
+              <a:t>Word </a:t>
+            </a:r>
+            <a:r>
+              <a:rPr lang="de-DE" dirty="0" err="1">
+                <a:sym typeface="Wingdings" panose="05000000000000000000" pitchFamily="2" charset="2"/>
+              </a:rPr>
+              <a:t>preperation</a:t>
+            </a:r>
+            <a:r>
+              <a:rPr lang="de-DE" dirty="0">
+                <a:sym typeface="Wingdings" panose="05000000000000000000" pitchFamily="2" charset="2"/>
+              </a:rPr>
+              <a:t>: </a:t>
+            </a:r>
+            <a:r>
+              <a:rPr lang="de-DE" dirty="0" err="1">
+                <a:sym typeface="Wingdings" panose="05000000000000000000" pitchFamily="2" charset="2"/>
+              </a:rPr>
+              <a:t>cleaning</a:t>
+            </a:r>
+            <a:r>
+              <a:rPr lang="de-DE" dirty="0">
+                <a:sym typeface="Wingdings" panose="05000000000000000000" pitchFamily="2" charset="2"/>
+              </a:rPr>
+              <a:t> (</a:t>
+            </a:r>
+            <a:r>
+              <a:rPr lang="de-DE" dirty="0" err="1">
+                <a:sym typeface="Wingdings" panose="05000000000000000000" pitchFamily="2" charset="2"/>
+              </a:rPr>
+              <a:t>no</a:t>
+            </a:r>
+            <a:r>
+              <a:rPr lang="de-DE" dirty="0">
+                <a:sym typeface="Wingdings" panose="05000000000000000000" pitchFamily="2" charset="2"/>
+              </a:rPr>
+              <a:t> </a:t>
+            </a:r>
+            <a:r>
+              <a:rPr lang="de-DE" dirty="0" err="1">
+                <a:sym typeface="Wingdings" panose="05000000000000000000" pitchFamily="2" charset="2"/>
+              </a:rPr>
+              <a:t>stopwords</a:t>
+            </a:r>
+            <a:r>
+              <a:rPr lang="de-DE" dirty="0">
+                <a:sym typeface="Wingdings" panose="05000000000000000000" pitchFamily="2" charset="2"/>
+              </a:rPr>
+              <a:t>, and </a:t>
+            </a:r>
+            <a:r>
+              <a:rPr lang="de-DE" dirty="0" err="1">
+                <a:sym typeface="Wingdings" panose="05000000000000000000" pitchFamily="2" charset="2"/>
+              </a:rPr>
+              <a:t>special</a:t>
+            </a:r>
+            <a:r>
+              <a:rPr lang="de-DE" dirty="0">
+                <a:sym typeface="Wingdings" panose="05000000000000000000" pitchFamily="2" charset="2"/>
+              </a:rPr>
+              <a:t> </a:t>
+            </a:r>
+            <a:r>
+              <a:rPr lang="de-DE" dirty="0" err="1">
+                <a:sym typeface="Wingdings" panose="05000000000000000000" pitchFamily="2" charset="2"/>
+              </a:rPr>
+              <a:t>char</a:t>
+            </a:r>
+            <a:r>
+              <a:rPr lang="de-DE" dirty="0">
+                <a:sym typeface="Wingdings" panose="05000000000000000000" pitchFamily="2" charset="2"/>
+              </a:rPr>
+              <a:t>)  </a:t>
+            </a:r>
+            <a:r>
+              <a:rPr lang="de-DE" dirty="0" err="1">
+                <a:sym typeface="Wingdings" panose="05000000000000000000" pitchFamily="2" charset="2"/>
+              </a:rPr>
+              <a:t>word</a:t>
+            </a:r>
+            <a:r>
+              <a:rPr lang="de-DE" dirty="0">
+                <a:sym typeface="Wingdings" panose="05000000000000000000" pitchFamily="2" charset="2"/>
+              </a:rPr>
+              <a:t> </a:t>
+            </a:r>
+            <a:r>
+              <a:rPr lang="de-DE" dirty="0" err="1">
+                <a:sym typeface="Wingdings" panose="05000000000000000000" pitchFamily="2" charset="2"/>
+              </a:rPr>
+              <a:t>stemming</a:t>
+            </a:r>
+            <a:endParaRPr lang="de-DE" dirty="0">
+              <a:sym typeface="Wingdings" panose="05000000000000000000" pitchFamily="2" charset="2"/>
+            </a:endParaRPr>
+          </a:p>
+          <a:p>
+            <a:endParaRPr lang="de-DE" dirty="0">
+              <a:sym typeface="Wingdings" panose="05000000000000000000" pitchFamily="2" charset="2"/>
+            </a:endParaRPr>
+          </a:p>
+          <a:p>
+            <a:r>
+              <a:rPr lang="de-DE" dirty="0">
+                <a:sym typeface="Wingdings" panose="05000000000000000000" pitchFamily="2" charset="2"/>
+              </a:rPr>
+              <a:t>Matrix 440 x 4800 Wörtern </a:t>
+            </a:r>
+            <a:endParaRPr lang="en-GB" dirty="0"/>
+          </a:p>
+        </p:txBody>
+      </p:sp>
+      <p:sp>
+        <p:nvSpPr>
+          <p:cNvPr id="4" name="Foliennummernplatzhalter 3"/>
+          <p:cNvSpPr>
+            <a:spLocks noGrp="1"/>
+          </p:cNvSpPr>
+          <p:nvPr>
+            <p:ph type="sldNum" sz="quarter" idx="10"/>
+          </p:nvPr>
+        </p:nvSpPr>
+        <p:spPr/>
+        <p:txBody>
+          <a:bodyPr/>
+          <a:lstStyle/>
+          <a:p>
+            <a:fld id="{06421E1D-4275-499E-B0D8-364853585D3F}" type="slidenum">
+              <a:rPr lang="de-DE" smtClean="0"/>
+              <a:t>12</a:t>
+            </a:fld>
+            <a:endParaRPr lang="de-DE"/>
+          </a:p>
+        </p:txBody>
+      </p:sp>
+    </p:spTree>
+    <p:extLst>
+      <p:ext uri="{BB962C8B-B14F-4D97-AF65-F5344CB8AC3E}">
+        <p14:creationId xmlns:p14="http://schemas.microsoft.com/office/powerpoint/2010/main" val="3240983434"/>
+      </p:ext>
+    </p:extLst>
+  </p:cSld>
+  <p:clrMapOvr>
+    <a:masterClrMapping/>
+  </p:clrMapOvr>
+</p:notes>
+</file>
+
+<file path=ppt/notesSlides/notesSlide12.xml><?xml version="1.0" encoding="utf-8"?>
+<p:notes xmlns:a="http://schemas.openxmlformats.org/drawingml/2006/main" xmlns:r="http://schemas.openxmlformats.org/officeDocument/2006/relationships" xmlns:p="http://schemas.openxmlformats.org/presentationml/2006/main">
+  <p:cSld>
+    <p:spTree>
+      <p:nvGrpSpPr>
+        <p:cNvPr id="1" name=""/>
+        <p:cNvGrpSpPr/>
+        <p:nvPr/>
+      </p:nvGrpSpPr>
+      <p:grpSpPr>
+        <a:xfrm>
+          <a:off x="0" y="0"/>
+          <a:ext cx="0" cy="0"/>
+          <a:chOff x="0" y="0"/>
+          <a:chExt cx="0" cy="0"/>
+        </a:xfrm>
+      </p:grpSpPr>
+      <p:sp>
+        <p:nvSpPr>
+          <p:cNvPr id="2" name="Folienbildplatzhalter 1"/>
+          <p:cNvSpPr>
+            <a:spLocks noGrp="1" noRot="1" noChangeAspect="1"/>
+          </p:cNvSpPr>
+          <p:nvPr>
+            <p:ph type="sldImg"/>
+          </p:nvPr>
+        </p:nvSpPr>
+        <p:spPr/>
+      </p:sp>
+      <p:sp>
+        <p:nvSpPr>
+          <p:cNvPr id="3" name="Notizenplatzhalter 2"/>
+          <p:cNvSpPr>
+            <a:spLocks noGrp="1"/>
+          </p:cNvSpPr>
+          <p:nvPr>
+            <p:ph type="body" idx="1"/>
+          </p:nvPr>
+        </p:nvSpPr>
+        <p:spPr/>
+        <p:txBody>
+          <a:bodyPr/>
+          <a:lstStyle/>
+          <a:p>
+            <a:r>
+              <a:rPr lang="en-GB" sz="1200" kern="1200" dirty="0" err="1">
+                <a:solidFill>
+                  <a:schemeClr val="tx1"/>
+                </a:solidFill>
+                <a:effectLst/>
+                <a:latin typeface="+mn-lt"/>
+                <a:ea typeface="+mn-ea"/>
+                <a:cs typeface="+mn-cs"/>
+                <a:sym typeface="Wingdings" panose="05000000000000000000" pitchFamily="2" charset="2"/>
+              </a:rPr>
+              <a:t>Reduziert</a:t>
+            </a:r>
+            <a:r>
+              <a:rPr lang="en-GB" sz="1200" kern="1200" dirty="0">
+                <a:solidFill>
+                  <a:schemeClr val="tx1"/>
+                </a:solidFill>
+                <a:effectLst/>
+                <a:latin typeface="+mn-lt"/>
+                <a:ea typeface="+mn-ea"/>
+                <a:cs typeface="+mn-cs"/>
+                <a:sym typeface="Wingdings" panose="05000000000000000000" pitchFamily="2" charset="2"/>
+              </a:rPr>
+              <a:t> die </a:t>
+            </a:r>
+            <a:r>
+              <a:rPr lang="en-GB" sz="1200" kern="1200" dirty="0" err="1">
+                <a:solidFill>
+                  <a:schemeClr val="tx1"/>
+                </a:solidFill>
+                <a:effectLst/>
+                <a:latin typeface="+mn-lt"/>
+                <a:ea typeface="+mn-ea"/>
+                <a:cs typeface="+mn-cs"/>
+                <a:sym typeface="Wingdings" panose="05000000000000000000" pitchFamily="2" charset="2"/>
+              </a:rPr>
+              <a:t>Hochdimensionale</a:t>
+            </a:r>
+            <a:r>
+              <a:rPr lang="en-GB" sz="1200" kern="1200" dirty="0">
+                <a:solidFill>
+                  <a:schemeClr val="tx1"/>
+                </a:solidFill>
+                <a:effectLst/>
+                <a:latin typeface="+mn-lt"/>
+                <a:ea typeface="+mn-ea"/>
+                <a:cs typeface="+mn-cs"/>
+                <a:sym typeface="Wingdings" panose="05000000000000000000" pitchFamily="2" charset="2"/>
+              </a:rPr>
+              <a:t> representation der </a:t>
+            </a:r>
+            <a:r>
+              <a:rPr lang="en-GB" sz="1200" kern="1200" dirty="0" err="1">
+                <a:solidFill>
+                  <a:schemeClr val="tx1"/>
+                </a:solidFill>
+                <a:effectLst/>
+                <a:latin typeface="+mn-lt"/>
+                <a:ea typeface="+mn-ea"/>
+                <a:cs typeface="+mn-cs"/>
+                <a:sym typeface="Wingdings" panose="05000000000000000000" pitchFamily="2" charset="2"/>
+              </a:rPr>
+              <a:t>Daten</a:t>
+            </a:r>
+            <a:r>
+              <a:rPr lang="en-GB" sz="1200" kern="1200" dirty="0">
+                <a:solidFill>
+                  <a:schemeClr val="tx1"/>
+                </a:solidFill>
+                <a:effectLst/>
+                <a:latin typeface="+mn-lt"/>
+                <a:ea typeface="+mn-ea"/>
+                <a:cs typeface="+mn-cs"/>
+                <a:sym typeface="Wingdings" panose="05000000000000000000" pitchFamily="2" charset="2"/>
+              </a:rPr>
+              <a:t> in </a:t>
+            </a:r>
+            <a:r>
+              <a:rPr lang="en-GB" sz="1200" kern="1200" dirty="0" err="1">
+                <a:solidFill>
+                  <a:schemeClr val="tx1"/>
+                </a:solidFill>
+                <a:effectLst/>
+                <a:latin typeface="+mn-lt"/>
+                <a:ea typeface="+mn-ea"/>
+                <a:cs typeface="+mn-cs"/>
+                <a:sym typeface="Wingdings" panose="05000000000000000000" pitchFamily="2" charset="2"/>
+              </a:rPr>
+              <a:t>einen</a:t>
+            </a:r>
+            <a:r>
+              <a:rPr lang="en-GB" sz="1200" kern="1200" dirty="0">
+                <a:solidFill>
+                  <a:schemeClr val="tx1"/>
+                </a:solidFill>
+                <a:effectLst/>
+                <a:latin typeface="+mn-lt"/>
+                <a:ea typeface="+mn-ea"/>
+                <a:cs typeface="+mn-cs"/>
+                <a:sym typeface="Wingdings" panose="05000000000000000000" pitchFamily="2" charset="2"/>
+              </a:rPr>
+              <a:t> </a:t>
+            </a:r>
+            <a:r>
+              <a:rPr lang="en-GB" sz="1200" kern="1200" dirty="0" err="1">
+                <a:solidFill>
+                  <a:schemeClr val="tx1"/>
+                </a:solidFill>
+                <a:effectLst/>
+                <a:latin typeface="+mn-lt"/>
+                <a:ea typeface="+mn-ea"/>
+                <a:cs typeface="+mn-cs"/>
+                <a:sym typeface="Wingdings" panose="05000000000000000000" pitchFamily="2" charset="2"/>
+              </a:rPr>
+              <a:t>geringer</a:t>
+            </a:r>
+            <a:r>
+              <a:rPr lang="en-GB" sz="1200" kern="1200" dirty="0">
+                <a:solidFill>
+                  <a:schemeClr val="tx1"/>
+                </a:solidFill>
+                <a:effectLst/>
+                <a:latin typeface="+mn-lt"/>
+                <a:ea typeface="+mn-ea"/>
+                <a:cs typeface="+mn-cs"/>
+                <a:sym typeface="Wingdings" panose="05000000000000000000" pitchFamily="2" charset="2"/>
+              </a:rPr>
+              <a:t> </a:t>
+            </a:r>
+            <a:r>
+              <a:rPr lang="en-GB" sz="1200" kern="1200" dirty="0" err="1">
+                <a:solidFill>
+                  <a:schemeClr val="tx1"/>
+                </a:solidFill>
+                <a:effectLst/>
+                <a:latin typeface="+mn-lt"/>
+                <a:ea typeface="+mn-ea"/>
+                <a:cs typeface="+mn-cs"/>
+                <a:sym typeface="Wingdings" panose="05000000000000000000" pitchFamily="2" charset="2"/>
+              </a:rPr>
+              <a:t>dimensionalen</a:t>
+            </a:r>
+            <a:r>
+              <a:rPr lang="en-GB" sz="1200" kern="1200" dirty="0">
+                <a:solidFill>
+                  <a:schemeClr val="tx1"/>
+                </a:solidFill>
+                <a:effectLst/>
+                <a:latin typeface="+mn-lt"/>
+                <a:ea typeface="+mn-ea"/>
+                <a:cs typeface="+mn-cs"/>
+                <a:sym typeface="Wingdings" panose="05000000000000000000" pitchFamily="2" charset="2"/>
+              </a:rPr>
+              <a:t> </a:t>
+            </a:r>
+            <a:r>
+              <a:rPr lang="en-GB" sz="1200" kern="1200" dirty="0" err="1">
+                <a:solidFill>
+                  <a:schemeClr val="tx1"/>
+                </a:solidFill>
+                <a:effectLst/>
+                <a:latin typeface="+mn-lt"/>
+                <a:ea typeface="+mn-ea"/>
+                <a:cs typeface="+mn-cs"/>
+                <a:sym typeface="Wingdings" panose="05000000000000000000" pitchFamily="2" charset="2"/>
+              </a:rPr>
+              <a:t>raum</a:t>
+            </a:r>
+            <a:r>
+              <a:rPr lang="en-GB" sz="1200" kern="1200" dirty="0">
+                <a:solidFill>
+                  <a:schemeClr val="tx1"/>
+                </a:solidFill>
+                <a:effectLst/>
+                <a:latin typeface="+mn-lt"/>
+                <a:ea typeface="+mn-ea"/>
+                <a:cs typeface="+mn-cs"/>
+                <a:sym typeface="Wingdings" panose="05000000000000000000" pitchFamily="2" charset="2"/>
+              </a:rPr>
+              <a:t> (</a:t>
+            </a:r>
+            <a:r>
+              <a:rPr lang="en-GB" sz="1200" kern="1200" dirty="0" err="1">
+                <a:solidFill>
+                  <a:schemeClr val="tx1"/>
+                </a:solidFill>
+                <a:effectLst/>
+                <a:latin typeface="+mn-lt"/>
+                <a:ea typeface="+mn-ea"/>
+                <a:cs typeface="+mn-cs"/>
+                <a:sym typeface="Wingdings" panose="05000000000000000000" pitchFamily="2" charset="2"/>
+              </a:rPr>
+              <a:t>z.b</a:t>
+            </a:r>
+            <a:r>
+              <a:rPr lang="en-GB" sz="1200" kern="1200" dirty="0">
+                <a:solidFill>
+                  <a:schemeClr val="tx1"/>
+                </a:solidFill>
+                <a:effectLst/>
+                <a:latin typeface="+mn-lt"/>
+                <a:ea typeface="+mn-ea"/>
+                <a:cs typeface="+mn-cs"/>
+                <a:sym typeface="Wingdings" panose="05000000000000000000" pitchFamily="2" charset="2"/>
+              </a:rPr>
+              <a:t>. </a:t>
+            </a:r>
+            <a:r>
+              <a:rPr lang="en-GB" sz="1200" kern="1200" dirty="0" err="1">
+                <a:solidFill>
+                  <a:schemeClr val="tx1"/>
+                </a:solidFill>
+                <a:effectLst/>
+                <a:latin typeface="+mn-lt"/>
+                <a:ea typeface="+mn-ea"/>
+                <a:cs typeface="+mn-cs"/>
+                <a:sym typeface="Wingdings" panose="05000000000000000000" pitchFamily="2" charset="2"/>
+              </a:rPr>
+              <a:t>als</a:t>
+            </a:r>
+            <a:r>
+              <a:rPr lang="en-GB" sz="1200" kern="1200" dirty="0">
+                <a:solidFill>
+                  <a:schemeClr val="tx1"/>
+                </a:solidFill>
+                <a:effectLst/>
+                <a:latin typeface="+mn-lt"/>
+                <a:ea typeface="+mn-ea"/>
+                <a:cs typeface="+mn-cs"/>
+                <a:sym typeface="Wingdings" panose="05000000000000000000" pitchFamily="2" charset="2"/>
+              </a:rPr>
+              <a:t> </a:t>
+            </a:r>
+            <a:r>
+              <a:rPr lang="en-GB" sz="1200" kern="1200" dirty="0" err="1">
+                <a:solidFill>
+                  <a:schemeClr val="tx1"/>
+                </a:solidFill>
+                <a:effectLst/>
+                <a:latin typeface="+mn-lt"/>
+                <a:ea typeface="+mn-ea"/>
+                <a:cs typeface="+mn-cs"/>
+                <a:sym typeface="Wingdings" panose="05000000000000000000" pitchFamily="2" charset="2"/>
+              </a:rPr>
+              <a:t>Streudiagramm</a:t>
+            </a:r>
+            <a:r>
+              <a:rPr lang="en-GB" sz="1200" kern="1200" dirty="0">
+                <a:solidFill>
+                  <a:schemeClr val="tx1"/>
+                </a:solidFill>
+                <a:effectLst/>
+                <a:latin typeface="+mn-lt"/>
+                <a:ea typeface="+mn-ea"/>
+                <a:cs typeface="+mn-cs"/>
+                <a:sym typeface="Wingdings" panose="05000000000000000000" pitchFamily="2" charset="2"/>
+              </a:rPr>
+              <a:t> </a:t>
+            </a:r>
+            <a:r>
+              <a:rPr lang="en-GB" sz="1200" kern="1200" dirty="0" err="1">
+                <a:solidFill>
+                  <a:schemeClr val="tx1"/>
+                </a:solidFill>
+                <a:effectLst/>
+                <a:latin typeface="+mn-lt"/>
+                <a:ea typeface="+mn-ea"/>
+                <a:cs typeface="+mn-cs"/>
+                <a:sym typeface="Wingdings" panose="05000000000000000000" pitchFamily="2" charset="2"/>
+              </a:rPr>
+              <a:t>mit</a:t>
+            </a:r>
+            <a:r>
+              <a:rPr lang="en-GB" sz="1200" kern="1200" dirty="0">
+                <a:solidFill>
+                  <a:schemeClr val="tx1"/>
+                </a:solidFill>
+                <a:effectLst/>
+                <a:latin typeface="+mn-lt"/>
+                <a:ea typeface="+mn-ea"/>
+                <a:cs typeface="+mn-cs"/>
+                <a:sym typeface="Wingdings" panose="05000000000000000000" pitchFamily="2" charset="2"/>
+              </a:rPr>
+              <a:t> </a:t>
+            </a:r>
+            <a:r>
+              <a:rPr lang="en-GB" sz="1200" kern="1200" dirty="0" err="1">
+                <a:solidFill>
+                  <a:schemeClr val="tx1"/>
+                </a:solidFill>
+                <a:effectLst/>
+                <a:latin typeface="+mn-lt"/>
+                <a:ea typeface="+mn-ea"/>
+                <a:cs typeface="+mn-cs"/>
+                <a:sym typeface="Wingdings" panose="05000000000000000000" pitchFamily="2" charset="2"/>
+              </a:rPr>
+              <a:t>zwei</a:t>
+            </a:r>
+            <a:r>
+              <a:rPr lang="en-GB" sz="1200" kern="1200" dirty="0">
+                <a:solidFill>
+                  <a:schemeClr val="tx1"/>
+                </a:solidFill>
+                <a:effectLst/>
+                <a:latin typeface="+mn-lt"/>
+                <a:ea typeface="+mn-ea"/>
+                <a:cs typeface="+mn-cs"/>
+                <a:sym typeface="Wingdings" panose="05000000000000000000" pitchFamily="2" charset="2"/>
+              </a:rPr>
+              <a:t> </a:t>
+            </a:r>
+            <a:r>
+              <a:rPr lang="en-GB" sz="1200" kern="1200" dirty="0" err="1">
+                <a:solidFill>
+                  <a:schemeClr val="tx1"/>
+                </a:solidFill>
+                <a:effectLst/>
+                <a:latin typeface="+mn-lt"/>
+                <a:ea typeface="+mn-ea"/>
+                <a:cs typeface="+mn-cs"/>
+                <a:sym typeface="Wingdings" panose="05000000000000000000" pitchFamily="2" charset="2"/>
+              </a:rPr>
+              <a:t>Achsen</a:t>
+            </a:r>
+            <a:r>
+              <a:rPr lang="en-GB" sz="1200" kern="1200" dirty="0">
+                <a:solidFill>
+                  <a:schemeClr val="tx1"/>
+                </a:solidFill>
+                <a:effectLst/>
+                <a:latin typeface="+mn-lt"/>
+                <a:ea typeface="+mn-ea"/>
+                <a:cs typeface="+mn-cs"/>
+                <a:sym typeface="Wingdings" panose="05000000000000000000" pitchFamily="2" charset="2"/>
+              </a:rPr>
+              <a:t>) </a:t>
+            </a:r>
+            <a:r>
+              <a:rPr lang="en-GB" sz="1200" kern="1200" dirty="0" err="1">
+                <a:solidFill>
+                  <a:schemeClr val="tx1"/>
+                </a:solidFill>
+                <a:effectLst/>
+                <a:latin typeface="+mn-lt"/>
+                <a:ea typeface="+mn-ea"/>
+                <a:cs typeface="+mn-cs"/>
+                <a:sym typeface="Wingdings" panose="05000000000000000000" pitchFamily="2" charset="2"/>
+              </a:rPr>
+              <a:t>zu</a:t>
+            </a:r>
+            <a:r>
+              <a:rPr lang="en-GB" sz="1200" kern="1200" dirty="0">
+                <a:solidFill>
+                  <a:schemeClr val="tx1"/>
+                </a:solidFill>
+                <a:effectLst/>
+                <a:latin typeface="+mn-lt"/>
+                <a:ea typeface="+mn-ea"/>
+                <a:cs typeface="+mn-cs"/>
+                <a:sym typeface="Wingdings" panose="05000000000000000000" pitchFamily="2" charset="2"/>
+              </a:rPr>
+              <a:t> </a:t>
+            </a:r>
+            <a:r>
+              <a:rPr lang="en-GB" sz="1200" kern="1200" dirty="0" err="1">
+                <a:solidFill>
+                  <a:schemeClr val="tx1"/>
+                </a:solidFill>
+                <a:effectLst/>
+                <a:latin typeface="+mn-lt"/>
+                <a:ea typeface="+mn-ea"/>
+                <a:cs typeface="+mn-cs"/>
+                <a:sym typeface="Wingdings" panose="05000000000000000000" pitchFamily="2" charset="2"/>
+              </a:rPr>
+              <a:t>transformieren</a:t>
+            </a:r>
+            <a:r>
+              <a:rPr lang="en-GB" sz="1200" kern="1200" dirty="0">
+                <a:solidFill>
+                  <a:schemeClr val="tx1"/>
+                </a:solidFill>
+                <a:effectLst/>
+                <a:latin typeface="+mn-lt"/>
+                <a:ea typeface="+mn-ea"/>
+                <a:cs typeface="+mn-cs"/>
+                <a:sym typeface="Wingdings" panose="05000000000000000000" pitchFamily="2" charset="2"/>
+              </a:rPr>
+              <a:t> </a:t>
+            </a:r>
+            <a:r>
+              <a:rPr lang="en-GB" sz="1200" kern="1200" dirty="0" err="1">
+                <a:solidFill>
+                  <a:schemeClr val="tx1"/>
+                </a:solidFill>
+                <a:effectLst/>
+                <a:latin typeface="+mn-lt"/>
+                <a:ea typeface="+mn-ea"/>
+                <a:cs typeface="+mn-cs"/>
+                <a:sym typeface="Wingdings" panose="05000000000000000000" pitchFamily="2" charset="2"/>
+              </a:rPr>
+              <a:t>ohne</a:t>
+            </a:r>
+            <a:r>
+              <a:rPr lang="en-GB" sz="1200" kern="1200" dirty="0">
+                <a:solidFill>
+                  <a:schemeClr val="tx1"/>
+                </a:solidFill>
+                <a:effectLst/>
+                <a:latin typeface="+mn-lt"/>
+                <a:ea typeface="+mn-ea"/>
+                <a:cs typeface="+mn-cs"/>
+                <a:sym typeface="Wingdings" panose="05000000000000000000" pitchFamily="2" charset="2"/>
+              </a:rPr>
+              <a:t> </a:t>
+            </a:r>
+            <a:r>
+              <a:rPr lang="en-GB" sz="1200" kern="1200" dirty="0" err="1">
+                <a:solidFill>
+                  <a:schemeClr val="tx1"/>
+                </a:solidFill>
+                <a:effectLst/>
+                <a:latin typeface="+mn-lt"/>
+                <a:ea typeface="+mn-ea"/>
+                <a:cs typeface="+mn-cs"/>
+                <a:sym typeface="Wingdings" panose="05000000000000000000" pitchFamily="2" charset="2"/>
+              </a:rPr>
+              <a:t>dabei</a:t>
+            </a:r>
+            <a:r>
+              <a:rPr lang="en-GB" sz="1200" kern="1200" dirty="0">
+                <a:solidFill>
+                  <a:schemeClr val="tx1"/>
+                </a:solidFill>
+                <a:effectLst/>
+                <a:latin typeface="+mn-lt"/>
+                <a:ea typeface="+mn-ea"/>
+                <a:cs typeface="+mn-cs"/>
+                <a:sym typeface="Wingdings" panose="05000000000000000000" pitchFamily="2" charset="2"/>
+              </a:rPr>
+              <a:t> die </a:t>
+            </a:r>
+            <a:r>
+              <a:rPr lang="en-GB" sz="1200" kern="1200" dirty="0" err="1">
+                <a:solidFill>
+                  <a:schemeClr val="tx1"/>
+                </a:solidFill>
+                <a:effectLst/>
+                <a:latin typeface="+mn-lt"/>
+                <a:ea typeface="+mn-ea"/>
+                <a:cs typeface="+mn-cs"/>
+                <a:sym typeface="Wingdings" panose="05000000000000000000" pitchFamily="2" charset="2"/>
+              </a:rPr>
+              <a:t>orginalen</a:t>
+            </a:r>
+            <a:r>
+              <a:rPr lang="en-GB" sz="1200" kern="1200" dirty="0">
+                <a:solidFill>
+                  <a:schemeClr val="tx1"/>
+                </a:solidFill>
+                <a:effectLst/>
+                <a:latin typeface="+mn-lt"/>
+                <a:ea typeface="+mn-ea"/>
+                <a:cs typeface="+mn-cs"/>
+                <a:sym typeface="Wingdings" panose="05000000000000000000" pitchFamily="2" charset="2"/>
+              </a:rPr>
+              <a:t> </a:t>
+            </a:r>
+            <a:r>
+              <a:rPr lang="en-GB" sz="1200" kern="1200" dirty="0" err="1">
+                <a:solidFill>
+                  <a:schemeClr val="tx1"/>
+                </a:solidFill>
+                <a:effectLst/>
+                <a:latin typeface="+mn-lt"/>
+                <a:ea typeface="+mn-ea"/>
+                <a:cs typeface="+mn-cs"/>
+                <a:sym typeface="Wingdings" panose="05000000000000000000" pitchFamily="2" charset="2"/>
+              </a:rPr>
+              <a:t>Daten</a:t>
+            </a:r>
+            <a:r>
+              <a:rPr lang="en-GB" sz="1200" kern="1200" dirty="0">
+                <a:solidFill>
+                  <a:schemeClr val="tx1"/>
+                </a:solidFill>
+                <a:effectLst/>
+                <a:latin typeface="+mn-lt"/>
+                <a:ea typeface="+mn-ea"/>
+                <a:cs typeface="+mn-cs"/>
+                <a:sym typeface="Wingdings" panose="05000000000000000000" pitchFamily="2" charset="2"/>
+              </a:rPr>
+              <a:t> in </a:t>
+            </a:r>
+            <a:r>
+              <a:rPr lang="en-GB" sz="1200" kern="1200" dirty="0" err="1">
+                <a:solidFill>
+                  <a:schemeClr val="tx1"/>
+                </a:solidFill>
+                <a:effectLst/>
+                <a:latin typeface="+mn-lt"/>
+                <a:ea typeface="+mn-ea"/>
+                <a:cs typeface="+mn-cs"/>
+                <a:sym typeface="Wingdings" panose="05000000000000000000" pitchFamily="2" charset="2"/>
+              </a:rPr>
+              <a:t>ihrem</a:t>
+            </a:r>
+            <a:r>
+              <a:rPr lang="en-GB" sz="1200" kern="1200" dirty="0">
+                <a:solidFill>
+                  <a:schemeClr val="tx1"/>
+                </a:solidFill>
+                <a:effectLst/>
+                <a:latin typeface="+mn-lt"/>
+                <a:ea typeface="+mn-ea"/>
+                <a:cs typeface="+mn-cs"/>
+                <a:sym typeface="Wingdings" panose="05000000000000000000" pitchFamily="2" charset="2"/>
+              </a:rPr>
+              <a:t> </a:t>
+            </a:r>
+            <a:r>
+              <a:rPr lang="en-GB" sz="1200" kern="1200" dirty="0" err="1">
+                <a:solidFill>
+                  <a:schemeClr val="tx1"/>
+                </a:solidFill>
+                <a:effectLst/>
+                <a:latin typeface="+mn-lt"/>
+                <a:ea typeface="+mn-ea"/>
+                <a:cs typeface="+mn-cs"/>
+                <a:sym typeface="Wingdings" panose="05000000000000000000" pitchFamily="2" charset="2"/>
+              </a:rPr>
+              <a:t>Informationsgehalt</a:t>
+            </a:r>
+            <a:r>
+              <a:rPr lang="en-GB" sz="1200" kern="1200" dirty="0">
+                <a:solidFill>
+                  <a:schemeClr val="tx1"/>
+                </a:solidFill>
+                <a:effectLst/>
+                <a:latin typeface="+mn-lt"/>
+                <a:ea typeface="+mn-ea"/>
+                <a:cs typeface="+mn-cs"/>
+                <a:sym typeface="Wingdings" panose="05000000000000000000" pitchFamily="2" charset="2"/>
+              </a:rPr>
+              <a:t> </a:t>
+            </a:r>
+            <a:r>
+              <a:rPr lang="en-GB" sz="1200" kern="1200" dirty="0" err="1">
+                <a:solidFill>
+                  <a:schemeClr val="tx1"/>
+                </a:solidFill>
+                <a:effectLst/>
+                <a:latin typeface="+mn-lt"/>
+                <a:ea typeface="+mn-ea"/>
+                <a:cs typeface="+mn-cs"/>
+                <a:sym typeface="Wingdings" panose="05000000000000000000" pitchFamily="2" charset="2"/>
+              </a:rPr>
+              <a:t>zu</a:t>
+            </a:r>
+            <a:r>
+              <a:rPr lang="en-GB" sz="1200" kern="1200" dirty="0">
+                <a:solidFill>
+                  <a:schemeClr val="tx1"/>
+                </a:solidFill>
+                <a:effectLst/>
+                <a:latin typeface="+mn-lt"/>
+                <a:ea typeface="+mn-ea"/>
+                <a:cs typeface="+mn-cs"/>
+                <a:sym typeface="Wingdings" panose="05000000000000000000" pitchFamily="2" charset="2"/>
+              </a:rPr>
+              <a:t> </a:t>
+            </a:r>
+            <a:r>
+              <a:rPr lang="en-GB" sz="1200" kern="1200" dirty="0" err="1">
+                <a:solidFill>
+                  <a:schemeClr val="tx1"/>
+                </a:solidFill>
+                <a:effectLst/>
+                <a:latin typeface="+mn-lt"/>
+                <a:ea typeface="+mn-ea"/>
+                <a:cs typeface="+mn-cs"/>
+                <a:sym typeface="Wingdings" panose="05000000000000000000" pitchFamily="2" charset="2"/>
+              </a:rPr>
+              <a:t>verringern</a:t>
+            </a:r>
+            <a:r>
+              <a:rPr lang="en-GB" sz="1200" kern="1200" dirty="0">
+                <a:solidFill>
+                  <a:schemeClr val="tx1"/>
+                </a:solidFill>
+                <a:effectLst/>
+                <a:latin typeface="+mn-lt"/>
+                <a:ea typeface="+mn-ea"/>
+                <a:cs typeface="+mn-cs"/>
+                <a:sym typeface="Wingdings" panose="05000000000000000000" pitchFamily="2" charset="2"/>
+              </a:rPr>
+              <a:t> </a:t>
+            </a:r>
+          </a:p>
+          <a:p>
+            <a:endParaRPr lang="en-GB" sz="1200" kern="1200" dirty="0">
+              <a:solidFill>
+                <a:schemeClr val="tx1"/>
+              </a:solidFill>
+              <a:effectLst/>
+              <a:latin typeface="+mn-lt"/>
+              <a:ea typeface="+mn-ea"/>
+              <a:cs typeface="+mn-cs"/>
+              <a:sym typeface="Wingdings" panose="05000000000000000000" pitchFamily="2" charset="2"/>
+            </a:endParaRPr>
+          </a:p>
+          <a:p>
+            <a:r>
+              <a:rPr lang="en-GB" sz="1200" kern="1200" dirty="0" err="1">
+                <a:solidFill>
+                  <a:schemeClr val="tx1"/>
+                </a:solidFill>
+                <a:effectLst/>
+                <a:latin typeface="+mn-lt"/>
+                <a:ea typeface="+mn-ea"/>
+                <a:cs typeface="+mn-cs"/>
+                <a:sym typeface="Wingdings" panose="05000000000000000000" pitchFamily="2" charset="2"/>
+              </a:rPr>
+              <a:t>Bekannter</a:t>
+            </a:r>
+            <a:r>
+              <a:rPr lang="en-GB" sz="1200" kern="1200" dirty="0">
+                <a:solidFill>
+                  <a:schemeClr val="tx1"/>
+                </a:solidFill>
+                <a:effectLst/>
+                <a:latin typeface="+mn-lt"/>
+                <a:ea typeface="+mn-ea"/>
+                <a:cs typeface="+mn-cs"/>
+                <a:sym typeface="Wingdings" panose="05000000000000000000" pitchFamily="2" charset="2"/>
+              </a:rPr>
+              <a:t> </a:t>
+            </a:r>
+            <a:r>
+              <a:rPr lang="en-GB" sz="1200" kern="1200" dirty="0" err="1">
+                <a:solidFill>
+                  <a:schemeClr val="tx1"/>
+                </a:solidFill>
+                <a:effectLst/>
+                <a:latin typeface="+mn-lt"/>
+                <a:ea typeface="+mn-ea"/>
+                <a:cs typeface="+mn-cs"/>
+                <a:sym typeface="Wingdings" panose="05000000000000000000" pitchFamily="2" charset="2"/>
+              </a:rPr>
+              <a:t>ist</a:t>
+            </a:r>
+            <a:r>
+              <a:rPr lang="en-GB" sz="1200" kern="1200" dirty="0">
+                <a:solidFill>
+                  <a:schemeClr val="tx1"/>
+                </a:solidFill>
+                <a:effectLst/>
+                <a:latin typeface="+mn-lt"/>
+                <a:ea typeface="+mn-ea"/>
+                <a:cs typeface="+mn-cs"/>
+                <a:sym typeface="Wingdings" panose="05000000000000000000" pitchFamily="2" charset="2"/>
+              </a:rPr>
+              <a:t> PCA  </a:t>
+            </a:r>
+            <a:r>
+              <a:rPr lang="en-GB" sz="1200" kern="1200" dirty="0" err="1">
+                <a:solidFill>
+                  <a:schemeClr val="tx1"/>
+                </a:solidFill>
+                <a:effectLst/>
+                <a:latin typeface="+mn-lt"/>
+                <a:ea typeface="+mn-ea"/>
+                <a:cs typeface="+mn-cs"/>
+                <a:sym typeface="Wingdings" panose="05000000000000000000" pitchFamily="2" charset="2"/>
+              </a:rPr>
+              <a:t>jedoch</a:t>
+            </a:r>
+            <a:r>
+              <a:rPr lang="en-GB" sz="1200" kern="1200" dirty="0">
+                <a:solidFill>
+                  <a:schemeClr val="tx1"/>
+                </a:solidFill>
+                <a:effectLst/>
+                <a:latin typeface="+mn-lt"/>
+                <a:ea typeface="+mn-ea"/>
+                <a:cs typeface="+mn-cs"/>
+                <a:sym typeface="Wingdings" panose="05000000000000000000" pitchFamily="2" charset="2"/>
+              </a:rPr>
+              <a:t> </a:t>
+            </a:r>
+            <a:r>
+              <a:rPr lang="en-GB" sz="1200" kern="1200" dirty="0" err="1">
+                <a:solidFill>
+                  <a:schemeClr val="tx1"/>
+                </a:solidFill>
+                <a:effectLst/>
+                <a:latin typeface="+mn-lt"/>
+                <a:ea typeface="+mn-ea"/>
+                <a:cs typeface="+mn-cs"/>
+                <a:sym typeface="Wingdings" panose="05000000000000000000" pitchFamily="2" charset="2"/>
+              </a:rPr>
+              <a:t>nur</a:t>
+            </a:r>
+            <a:r>
+              <a:rPr lang="en-GB" sz="1200" kern="1200" dirty="0">
+                <a:solidFill>
+                  <a:schemeClr val="tx1"/>
+                </a:solidFill>
+                <a:effectLst/>
+                <a:latin typeface="+mn-lt"/>
+                <a:ea typeface="+mn-ea"/>
+                <a:cs typeface="+mn-cs"/>
+                <a:sym typeface="Wingdings" panose="05000000000000000000" pitchFamily="2" charset="2"/>
+              </a:rPr>
+              <a:t> </a:t>
+            </a:r>
+            <a:r>
+              <a:rPr lang="en-GB" sz="1200" kern="1200" dirty="0" err="1">
+                <a:solidFill>
+                  <a:schemeClr val="tx1"/>
+                </a:solidFill>
+                <a:effectLst/>
+                <a:latin typeface="+mn-lt"/>
+                <a:ea typeface="+mn-ea"/>
+                <a:cs typeface="+mn-cs"/>
+                <a:sym typeface="Wingdings" panose="05000000000000000000" pitchFamily="2" charset="2"/>
+              </a:rPr>
+              <a:t>für</a:t>
+            </a:r>
+            <a:r>
+              <a:rPr lang="en-GB" sz="1200" kern="1200" dirty="0">
+                <a:solidFill>
+                  <a:schemeClr val="tx1"/>
+                </a:solidFill>
+                <a:effectLst/>
+                <a:latin typeface="+mn-lt"/>
+                <a:ea typeface="+mn-ea"/>
+                <a:cs typeface="+mn-cs"/>
+                <a:sym typeface="Wingdings" panose="05000000000000000000" pitchFamily="2" charset="2"/>
+              </a:rPr>
+              <a:t> </a:t>
+            </a:r>
+            <a:r>
+              <a:rPr lang="en-GB" sz="1200" kern="1200" dirty="0" err="1">
+                <a:solidFill>
+                  <a:schemeClr val="tx1"/>
+                </a:solidFill>
+                <a:effectLst/>
+                <a:latin typeface="+mn-lt"/>
+                <a:ea typeface="+mn-ea"/>
+                <a:cs typeface="+mn-cs"/>
+                <a:sym typeface="Wingdings" panose="05000000000000000000" pitchFamily="2" charset="2"/>
+              </a:rPr>
+              <a:t>lineare</a:t>
+            </a:r>
+            <a:r>
+              <a:rPr lang="en-GB" sz="1200" kern="1200" dirty="0">
+                <a:solidFill>
+                  <a:schemeClr val="tx1"/>
+                </a:solidFill>
+                <a:effectLst/>
+                <a:latin typeface="+mn-lt"/>
+                <a:ea typeface="+mn-ea"/>
+                <a:cs typeface="+mn-cs"/>
+                <a:sym typeface="Wingdings" panose="05000000000000000000" pitchFamily="2" charset="2"/>
+              </a:rPr>
+              <a:t> </a:t>
+            </a:r>
+            <a:r>
+              <a:rPr lang="en-GB" sz="1200" kern="1200" dirty="0" err="1">
+                <a:solidFill>
+                  <a:schemeClr val="tx1"/>
+                </a:solidFill>
+                <a:effectLst/>
+                <a:latin typeface="+mn-lt"/>
+                <a:ea typeface="+mn-ea"/>
+                <a:cs typeface="+mn-cs"/>
+                <a:sym typeface="Wingdings" panose="05000000000000000000" pitchFamily="2" charset="2"/>
+              </a:rPr>
+              <a:t>Zusammenhänge</a:t>
+            </a:r>
+            <a:r>
+              <a:rPr lang="en-GB" sz="1200" kern="1200" dirty="0">
+                <a:solidFill>
+                  <a:schemeClr val="tx1"/>
+                </a:solidFill>
+                <a:effectLst/>
+                <a:latin typeface="+mn-lt"/>
+                <a:ea typeface="+mn-ea"/>
+                <a:cs typeface="+mn-cs"/>
+                <a:sym typeface="Wingdings" panose="05000000000000000000" pitchFamily="2" charset="2"/>
+              </a:rPr>
+              <a:t>   </a:t>
+            </a:r>
+            <a:r>
+              <a:rPr lang="en-GB" sz="1200" kern="1200" dirty="0" err="1">
+                <a:solidFill>
+                  <a:schemeClr val="tx1"/>
+                </a:solidFill>
+                <a:effectLst/>
+                <a:latin typeface="+mn-lt"/>
+                <a:ea typeface="+mn-ea"/>
+                <a:cs typeface="+mn-cs"/>
+                <a:sym typeface="Wingdings" panose="05000000000000000000" pitchFamily="2" charset="2"/>
+              </a:rPr>
+              <a:t>für</a:t>
+            </a:r>
+            <a:r>
+              <a:rPr lang="en-GB" sz="1200" kern="1200" dirty="0">
+                <a:solidFill>
+                  <a:schemeClr val="tx1"/>
+                </a:solidFill>
+                <a:effectLst/>
+                <a:latin typeface="+mn-lt"/>
+                <a:ea typeface="+mn-ea"/>
+                <a:cs typeface="+mn-cs"/>
+                <a:sym typeface="Wingdings" panose="05000000000000000000" pitchFamily="2" charset="2"/>
+              </a:rPr>
+              <a:t> </a:t>
+            </a:r>
+            <a:r>
+              <a:rPr lang="en-GB" sz="1200" kern="1200" dirty="0" err="1">
+                <a:solidFill>
+                  <a:schemeClr val="tx1"/>
+                </a:solidFill>
+                <a:effectLst/>
+                <a:latin typeface="+mn-lt"/>
+                <a:ea typeface="+mn-ea"/>
+                <a:cs typeface="+mn-cs"/>
+                <a:sym typeface="Wingdings" panose="05000000000000000000" pitchFamily="2" charset="2"/>
+              </a:rPr>
+              <a:t>diese</a:t>
+            </a:r>
+            <a:r>
+              <a:rPr lang="en-GB" sz="1200" kern="1200" dirty="0">
+                <a:solidFill>
+                  <a:schemeClr val="tx1"/>
+                </a:solidFill>
+                <a:effectLst/>
+                <a:latin typeface="+mn-lt"/>
+                <a:ea typeface="+mn-ea"/>
+                <a:cs typeface="+mn-cs"/>
+                <a:sym typeface="Wingdings" panose="05000000000000000000" pitchFamily="2" charset="2"/>
+              </a:rPr>
+              <a:t> Arbeit, </a:t>
+            </a:r>
+            <a:r>
+              <a:rPr lang="en-GB" sz="1200" kern="1200" dirty="0" err="1">
+                <a:solidFill>
+                  <a:schemeClr val="tx1"/>
+                </a:solidFill>
+                <a:effectLst/>
+                <a:latin typeface="+mn-lt"/>
+                <a:ea typeface="+mn-ea"/>
+                <a:cs typeface="+mn-cs"/>
+                <a:sym typeface="Wingdings" panose="05000000000000000000" pitchFamily="2" charset="2"/>
+              </a:rPr>
+              <a:t>erklärt</a:t>
+            </a:r>
+            <a:r>
+              <a:rPr lang="en-GB" sz="1200" kern="1200" dirty="0">
+                <a:solidFill>
+                  <a:schemeClr val="tx1"/>
+                </a:solidFill>
+                <a:effectLst/>
+                <a:latin typeface="+mn-lt"/>
+                <a:ea typeface="+mn-ea"/>
+                <a:cs typeface="+mn-cs"/>
+                <a:sym typeface="Wingdings" panose="05000000000000000000" pitchFamily="2" charset="2"/>
+              </a:rPr>
+              <a:t> </a:t>
+            </a:r>
+            <a:r>
+              <a:rPr lang="en-GB" sz="1200" kern="1200" dirty="0" err="1">
+                <a:solidFill>
+                  <a:schemeClr val="tx1"/>
+                </a:solidFill>
+                <a:effectLst/>
+                <a:latin typeface="+mn-lt"/>
+                <a:ea typeface="+mn-ea"/>
+                <a:cs typeface="+mn-cs"/>
+                <a:sym typeface="Wingdings" panose="05000000000000000000" pitchFamily="2" charset="2"/>
+              </a:rPr>
+              <a:t>eine</a:t>
+            </a:r>
+            <a:r>
+              <a:rPr lang="en-GB" sz="1200" kern="1200" dirty="0">
+                <a:solidFill>
+                  <a:schemeClr val="tx1"/>
+                </a:solidFill>
+                <a:effectLst/>
+                <a:latin typeface="+mn-lt"/>
+                <a:ea typeface="+mn-ea"/>
+                <a:cs typeface="+mn-cs"/>
+                <a:sym typeface="Wingdings" panose="05000000000000000000" pitchFamily="2" charset="2"/>
+              </a:rPr>
+              <a:t> PCA </a:t>
+            </a:r>
+            <a:r>
+              <a:rPr lang="en-GB" sz="1200" kern="1200" dirty="0" err="1">
+                <a:solidFill>
+                  <a:schemeClr val="tx1"/>
+                </a:solidFill>
+                <a:effectLst/>
+                <a:latin typeface="+mn-lt"/>
+                <a:ea typeface="+mn-ea"/>
+                <a:cs typeface="+mn-cs"/>
+                <a:sym typeface="Wingdings" panose="05000000000000000000" pitchFamily="2" charset="2"/>
+              </a:rPr>
+              <a:t>lediglich</a:t>
+            </a:r>
+            <a:r>
+              <a:rPr lang="en-GB" sz="1200" kern="1200" dirty="0">
+                <a:solidFill>
+                  <a:schemeClr val="tx1"/>
+                </a:solidFill>
+                <a:effectLst/>
+                <a:latin typeface="+mn-lt"/>
+                <a:ea typeface="+mn-ea"/>
+                <a:cs typeface="+mn-cs"/>
+                <a:sym typeface="Wingdings" panose="05000000000000000000" pitchFamily="2" charset="2"/>
+              </a:rPr>
+              <a:t> 5% der </a:t>
+            </a:r>
+            <a:r>
+              <a:rPr lang="en-GB" sz="1200" kern="1200" dirty="0" err="1">
+                <a:solidFill>
+                  <a:schemeClr val="tx1"/>
+                </a:solidFill>
+                <a:effectLst/>
+                <a:latin typeface="+mn-lt"/>
+                <a:ea typeface="+mn-ea"/>
+                <a:cs typeface="+mn-cs"/>
+                <a:sym typeface="Wingdings" panose="05000000000000000000" pitchFamily="2" charset="2"/>
+              </a:rPr>
+              <a:t>Varianz</a:t>
+            </a:r>
+            <a:r>
+              <a:rPr lang="en-GB" sz="1200" kern="1200" dirty="0">
+                <a:solidFill>
+                  <a:schemeClr val="tx1"/>
+                </a:solidFill>
+                <a:effectLst/>
+                <a:latin typeface="+mn-lt"/>
+                <a:ea typeface="+mn-ea"/>
+                <a:cs typeface="+mn-cs"/>
+                <a:sym typeface="Wingdings" panose="05000000000000000000" pitchFamily="2" charset="2"/>
+              </a:rPr>
+              <a:t>, </a:t>
+            </a:r>
+            <a:r>
+              <a:rPr lang="en-GB" sz="1200" kern="1200" dirty="0" err="1">
+                <a:solidFill>
+                  <a:schemeClr val="tx1"/>
+                </a:solidFill>
+                <a:effectLst/>
+                <a:latin typeface="+mn-lt"/>
+                <a:ea typeface="+mn-ea"/>
+                <a:cs typeface="+mn-cs"/>
+                <a:sym typeface="Wingdings" panose="05000000000000000000" pitchFamily="2" charset="2"/>
+              </a:rPr>
+              <a:t>deswegen</a:t>
+            </a:r>
+            <a:r>
+              <a:rPr lang="en-GB" sz="1200" kern="1200" dirty="0">
+                <a:solidFill>
+                  <a:schemeClr val="tx1"/>
+                </a:solidFill>
+                <a:effectLst/>
+                <a:latin typeface="+mn-lt"/>
+                <a:ea typeface="+mn-ea"/>
+                <a:cs typeface="+mn-cs"/>
+                <a:sym typeface="Wingdings" panose="05000000000000000000" pitchFamily="2" charset="2"/>
+              </a:rPr>
+              <a:t> </a:t>
+            </a:r>
+            <a:r>
+              <a:rPr lang="en-GB" sz="1200" kern="1200" dirty="0" err="1">
+                <a:solidFill>
+                  <a:schemeClr val="tx1"/>
+                </a:solidFill>
+                <a:effectLst/>
+                <a:latin typeface="+mn-lt"/>
+                <a:ea typeface="+mn-ea"/>
+                <a:cs typeface="+mn-cs"/>
+                <a:sym typeface="Wingdings" panose="05000000000000000000" pitchFamily="2" charset="2"/>
+              </a:rPr>
+              <a:t>schlecht</a:t>
+            </a:r>
+            <a:r>
+              <a:rPr lang="en-GB" sz="1200" kern="1200" dirty="0">
+                <a:solidFill>
+                  <a:schemeClr val="tx1"/>
+                </a:solidFill>
+                <a:effectLst/>
+                <a:latin typeface="+mn-lt"/>
+                <a:ea typeface="+mn-ea"/>
+                <a:cs typeface="+mn-cs"/>
+                <a:sym typeface="Wingdings" panose="05000000000000000000" pitchFamily="2" charset="2"/>
+              </a:rPr>
+              <a:t> und </a:t>
+            </a:r>
+            <a:r>
+              <a:rPr lang="en-GB" sz="1200" kern="1200" dirty="0" err="1">
+                <a:solidFill>
+                  <a:schemeClr val="tx1"/>
+                </a:solidFill>
+                <a:effectLst/>
+                <a:latin typeface="+mn-lt"/>
+                <a:ea typeface="+mn-ea"/>
+                <a:cs typeface="+mn-cs"/>
+                <a:sym typeface="Wingdings" panose="05000000000000000000" pitchFamily="2" charset="2"/>
+              </a:rPr>
+              <a:t>nicht</a:t>
+            </a:r>
+            <a:r>
+              <a:rPr lang="en-GB" sz="1200" kern="1200" dirty="0">
+                <a:solidFill>
+                  <a:schemeClr val="tx1"/>
+                </a:solidFill>
+                <a:effectLst/>
+                <a:latin typeface="+mn-lt"/>
+                <a:ea typeface="+mn-ea"/>
+                <a:cs typeface="+mn-cs"/>
+                <a:sym typeface="Wingdings" panose="05000000000000000000" pitchFamily="2" charset="2"/>
+              </a:rPr>
+              <a:t> linear</a:t>
+            </a:r>
+          </a:p>
+          <a:p>
+            <a:r>
+              <a:rPr lang="en-GB" sz="1200" kern="1200" dirty="0">
+                <a:solidFill>
+                  <a:schemeClr val="tx1"/>
+                </a:solidFill>
+                <a:effectLst/>
+                <a:latin typeface="+mn-lt"/>
+                <a:ea typeface="+mn-ea"/>
+                <a:cs typeface="+mn-cs"/>
+                <a:sym typeface="Wingdings" panose="05000000000000000000" pitchFamily="2" charset="2"/>
+              </a:rPr>
+              <a:t>DCA  </a:t>
+            </a:r>
+            <a:r>
+              <a:rPr lang="en-GB" sz="1200" kern="1200" dirty="0" err="1">
+                <a:solidFill>
+                  <a:schemeClr val="tx1"/>
+                </a:solidFill>
+                <a:effectLst/>
+                <a:latin typeface="+mn-lt"/>
+                <a:ea typeface="+mn-ea"/>
+                <a:cs typeface="+mn-cs"/>
+                <a:sym typeface="Wingdings" panose="05000000000000000000" pitchFamily="2" charset="2"/>
+              </a:rPr>
+              <a:t>nichtlineare</a:t>
+            </a:r>
+            <a:r>
+              <a:rPr lang="en-GB" sz="1200" kern="1200" dirty="0">
+                <a:solidFill>
+                  <a:schemeClr val="tx1"/>
+                </a:solidFill>
+                <a:effectLst/>
+                <a:latin typeface="+mn-lt"/>
+                <a:ea typeface="+mn-ea"/>
+                <a:cs typeface="+mn-cs"/>
+                <a:sym typeface="Wingdings" panose="05000000000000000000" pitchFamily="2" charset="2"/>
+              </a:rPr>
+              <a:t> </a:t>
+            </a:r>
+            <a:r>
+              <a:rPr lang="en-GB" sz="1200" kern="1200" dirty="0" err="1">
+                <a:solidFill>
+                  <a:schemeClr val="tx1"/>
+                </a:solidFill>
+                <a:effectLst/>
+                <a:latin typeface="+mn-lt"/>
+                <a:ea typeface="+mn-ea"/>
+                <a:cs typeface="+mn-cs"/>
+                <a:sym typeface="Wingdings" panose="05000000000000000000" pitchFamily="2" charset="2"/>
+              </a:rPr>
+              <a:t>zusammenhänge</a:t>
+            </a:r>
+            <a:r>
+              <a:rPr lang="en-GB" sz="1200" kern="1200" dirty="0">
+                <a:solidFill>
+                  <a:schemeClr val="tx1"/>
+                </a:solidFill>
+                <a:effectLst/>
+                <a:latin typeface="+mn-lt"/>
+                <a:ea typeface="+mn-ea"/>
+                <a:cs typeface="+mn-cs"/>
+                <a:sym typeface="Wingdings" panose="05000000000000000000" pitchFamily="2" charset="2"/>
+              </a:rPr>
+              <a:t> </a:t>
+            </a:r>
+          </a:p>
+          <a:p>
+            <a:endParaRPr lang="en-GB" sz="1200" kern="1200" dirty="0">
+              <a:solidFill>
+                <a:schemeClr val="tx1"/>
+              </a:solidFill>
+              <a:effectLst/>
+              <a:latin typeface="+mn-lt"/>
+              <a:ea typeface="+mn-ea"/>
+              <a:cs typeface="+mn-cs"/>
+              <a:sym typeface="Wingdings" panose="05000000000000000000" pitchFamily="2" charset="2"/>
+            </a:endParaRPr>
+          </a:p>
+          <a:p>
+            <a:endParaRPr lang="en-GB" sz="1200" kern="1200" dirty="0">
+              <a:solidFill>
+                <a:schemeClr val="tx1"/>
+              </a:solidFill>
+              <a:effectLst/>
+              <a:latin typeface="+mn-lt"/>
+              <a:ea typeface="+mn-ea"/>
+              <a:cs typeface="+mn-cs"/>
+              <a:sym typeface="Wingdings" panose="05000000000000000000" pitchFamily="2" charset="2"/>
+            </a:endParaRPr>
+          </a:p>
+          <a:p>
+            <a:r>
+              <a:rPr lang="en-GB" sz="1200" kern="1200" dirty="0" err="1">
+                <a:solidFill>
+                  <a:schemeClr val="tx1"/>
+                </a:solidFill>
+                <a:effectLst/>
+                <a:latin typeface="+mn-lt"/>
+                <a:ea typeface="+mn-ea"/>
+                <a:cs typeface="+mn-cs"/>
+                <a:sym typeface="Wingdings" panose="05000000000000000000" pitchFamily="2" charset="2"/>
+              </a:rPr>
+              <a:t>Zweck</a:t>
+            </a:r>
+            <a:r>
+              <a:rPr lang="en-GB" sz="1200" kern="1200" dirty="0">
+                <a:solidFill>
+                  <a:schemeClr val="tx1"/>
+                </a:solidFill>
+                <a:effectLst/>
+                <a:latin typeface="+mn-lt"/>
+                <a:ea typeface="+mn-ea"/>
+                <a:cs typeface="+mn-cs"/>
+                <a:sym typeface="Wingdings" panose="05000000000000000000" pitchFamily="2" charset="2"/>
+              </a:rPr>
+              <a:t> der Transformation </a:t>
+            </a:r>
+            <a:r>
+              <a:rPr lang="en-GB" sz="1200" kern="1200" dirty="0" err="1">
+                <a:solidFill>
+                  <a:schemeClr val="tx1"/>
+                </a:solidFill>
+                <a:effectLst/>
+                <a:latin typeface="+mn-lt"/>
+                <a:ea typeface="+mn-ea"/>
+                <a:cs typeface="+mn-cs"/>
+                <a:sym typeface="Wingdings" panose="05000000000000000000" pitchFamily="2" charset="2"/>
+              </a:rPr>
+              <a:t>ist</a:t>
+            </a:r>
+            <a:r>
+              <a:rPr lang="en-GB" sz="1200" kern="1200" dirty="0">
+                <a:solidFill>
+                  <a:schemeClr val="tx1"/>
+                </a:solidFill>
+                <a:effectLst/>
+                <a:latin typeface="+mn-lt"/>
+                <a:ea typeface="+mn-ea"/>
+                <a:cs typeface="+mn-cs"/>
+                <a:sym typeface="Wingdings" panose="05000000000000000000" pitchFamily="2" charset="2"/>
+              </a:rPr>
+              <a:t> die </a:t>
+            </a:r>
+            <a:r>
+              <a:rPr lang="en-GB" sz="1200" kern="1200" dirty="0" err="1">
+                <a:solidFill>
+                  <a:schemeClr val="tx1"/>
+                </a:solidFill>
+                <a:effectLst/>
+                <a:latin typeface="+mn-lt"/>
+                <a:ea typeface="+mn-ea"/>
+                <a:cs typeface="+mn-cs"/>
+                <a:sym typeface="Wingdings" panose="05000000000000000000" pitchFamily="2" charset="2"/>
+              </a:rPr>
+              <a:t>Dimensionsreduktion</a:t>
+            </a:r>
+            <a:r>
+              <a:rPr lang="en-GB" sz="1200" kern="1200" dirty="0">
+                <a:solidFill>
+                  <a:schemeClr val="tx1"/>
+                </a:solidFill>
+                <a:effectLst/>
+                <a:latin typeface="+mn-lt"/>
+                <a:ea typeface="+mn-ea"/>
+                <a:cs typeface="+mn-cs"/>
+                <a:sym typeface="Wingdings" panose="05000000000000000000" pitchFamily="2" charset="2"/>
+              </a:rPr>
+              <a:t> </a:t>
+            </a:r>
+            <a:r>
+              <a:rPr lang="en-GB" sz="1200" kern="1200" dirty="0" err="1">
+                <a:solidFill>
+                  <a:schemeClr val="tx1"/>
+                </a:solidFill>
+                <a:effectLst/>
+                <a:latin typeface="+mn-lt"/>
+                <a:ea typeface="+mn-ea"/>
+                <a:cs typeface="+mn-cs"/>
+                <a:sym typeface="Wingdings" panose="05000000000000000000" pitchFamily="2" charset="2"/>
+              </a:rPr>
+              <a:t>welche</a:t>
+            </a:r>
+            <a:r>
+              <a:rPr lang="en-GB" sz="1200" kern="1200" dirty="0">
+                <a:solidFill>
+                  <a:schemeClr val="tx1"/>
+                </a:solidFill>
+                <a:effectLst/>
+                <a:latin typeface="+mn-lt"/>
+                <a:ea typeface="+mn-ea"/>
+                <a:cs typeface="+mn-cs"/>
+                <a:sym typeface="Wingdings" panose="05000000000000000000" pitchFamily="2" charset="2"/>
+              </a:rPr>
+              <a:t> den </a:t>
+            </a:r>
+            <a:r>
+              <a:rPr lang="en-GB" sz="1200" kern="1200" dirty="0" err="1">
+                <a:solidFill>
+                  <a:schemeClr val="tx1"/>
+                </a:solidFill>
+                <a:effectLst/>
+                <a:latin typeface="+mn-lt"/>
+                <a:ea typeface="+mn-ea"/>
+                <a:cs typeface="+mn-cs"/>
+                <a:sym typeface="Wingdings" panose="05000000000000000000" pitchFamily="2" charset="2"/>
+              </a:rPr>
+              <a:t>großteil</a:t>
+            </a:r>
+            <a:r>
+              <a:rPr lang="en-GB" sz="1200" kern="1200" dirty="0">
+                <a:solidFill>
+                  <a:schemeClr val="tx1"/>
+                </a:solidFill>
+                <a:effectLst/>
+                <a:latin typeface="+mn-lt"/>
+                <a:ea typeface="+mn-ea"/>
+                <a:cs typeface="+mn-cs"/>
+                <a:sym typeface="Wingdings" panose="05000000000000000000" pitchFamily="2" charset="2"/>
+              </a:rPr>
+              <a:t> der </a:t>
+            </a:r>
+            <a:r>
+              <a:rPr lang="en-GB" sz="1200" kern="1200" dirty="0" err="1">
+                <a:solidFill>
+                  <a:schemeClr val="tx1"/>
+                </a:solidFill>
+                <a:effectLst/>
+                <a:latin typeface="+mn-lt"/>
+                <a:ea typeface="+mn-ea"/>
+                <a:cs typeface="+mn-cs"/>
+                <a:sym typeface="Wingdings" panose="05000000000000000000" pitchFamily="2" charset="2"/>
+              </a:rPr>
+              <a:t>Varianz</a:t>
+            </a:r>
+            <a:r>
+              <a:rPr lang="en-GB" sz="1200" kern="1200" dirty="0">
+                <a:solidFill>
+                  <a:schemeClr val="tx1"/>
+                </a:solidFill>
+                <a:effectLst/>
+                <a:latin typeface="+mn-lt"/>
+                <a:ea typeface="+mn-ea"/>
+                <a:cs typeface="+mn-cs"/>
+                <a:sym typeface="Wingdings" panose="05000000000000000000" pitchFamily="2" charset="2"/>
+              </a:rPr>
+              <a:t> (der </a:t>
+            </a:r>
+            <a:r>
+              <a:rPr lang="en-GB" sz="1200" kern="1200" dirty="0" err="1">
+                <a:solidFill>
+                  <a:schemeClr val="tx1"/>
+                </a:solidFill>
+                <a:effectLst/>
+                <a:latin typeface="+mn-lt"/>
+                <a:ea typeface="+mn-ea"/>
+                <a:cs typeface="+mn-cs"/>
+                <a:sym typeface="Wingdings" panose="05000000000000000000" pitchFamily="2" charset="2"/>
+              </a:rPr>
+              <a:t>Daten</a:t>
+            </a:r>
+            <a:r>
+              <a:rPr lang="en-GB" sz="1200" kern="1200" dirty="0">
+                <a:solidFill>
+                  <a:schemeClr val="tx1"/>
+                </a:solidFill>
+                <a:effectLst/>
+                <a:latin typeface="+mn-lt"/>
+                <a:ea typeface="+mn-ea"/>
+                <a:cs typeface="+mn-cs"/>
+                <a:sym typeface="Wingdings" panose="05000000000000000000" pitchFamily="2" charset="2"/>
+              </a:rPr>
+              <a:t>) </a:t>
+            </a:r>
+            <a:r>
+              <a:rPr lang="en-GB" sz="1200" kern="1200" dirty="0" err="1">
+                <a:solidFill>
+                  <a:schemeClr val="tx1"/>
+                </a:solidFill>
+                <a:effectLst/>
+                <a:latin typeface="+mn-lt"/>
+                <a:ea typeface="+mn-ea"/>
+                <a:cs typeface="+mn-cs"/>
+                <a:sym typeface="Wingdings" panose="05000000000000000000" pitchFamily="2" charset="2"/>
+              </a:rPr>
+              <a:t>erklärt</a:t>
+            </a:r>
+            <a:endParaRPr lang="en-GB" sz="1200" kern="1200" dirty="0">
+              <a:solidFill>
+                <a:schemeClr val="tx1"/>
+              </a:solidFill>
+              <a:effectLst/>
+              <a:latin typeface="+mn-lt"/>
+              <a:ea typeface="+mn-ea"/>
+              <a:cs typeface="+mn-cs"/>
+              <a:sym typeface="Wingdings" panose="05000000000000000000" pitchFamily="2" charset="2"/>
+            </a:endParaRPr>
+          </a:p>
+          <a:p>
+            <a:r>
+              <a:rPr lang="en-GB" sz="1200" kern="1200" dirty="0">
+                <a:solidFill>
+                  <a:schemeClr val="tx1"/>
+                </a:solidFill>
+                <a:effectLst/>
+                <a:latin typeface="+mn-lt"/>
+                <a:ea typeface="+mn-ea"/>
+                <a:cs typeface="+mn-cs"/>
+                <a:sym typeface="Wingdings" panose="05000000000000000000" pitchFamily="2" charset="2"/>
+              </a:rPr>
+              <a:t> </a:t>
+            </a:r>
+            <a:r>
+              <a:rPr lang="en-GB" sz="1200" kern="1200" dirty="0" err="1">
+                <a:solidFill>
+                  <a:schemeClr val="tx1"/>
+                </a:solidFill>
+                <a:effectLst/>
+                <a:latin typeface="+mn-lt"/>
+                <a:ea typeface="+mn-ea"/>
+                <a:cs typeface="+mn-cs"/>
+                <a:sym typeface="Wingdings" panose="05000000000000000000" pitchFamily="2" charset="2"/>
+              </a:rPr>
+              <a:t>Mit</a:t>
+            </a:r>
+            <a:r>
+              <a:rPr lang="en-GB" sz="1200" kern="1200" dirty="0">
+                <a:solidFill>
+                  <a:schemeClr val="tx1"/>
+                </a:solidFill>
+                <a:effectLst/>
+                <a:latin typeface="+mn-lt"/>
+                <a:ea typeface="+mn-ea"/>
+                <a:cs typeface="+mn-cs"/>
+                <a:sym typeface="Wingdings" panose="05000000000000000000" pitchFamily="2" charset="2"/>
+              </a:rPr>
+              <a:t> </a:t>
+            </a:r>
+            <a:r>
+              <a:rPr lang="en-GB" sz="1200" kern="1200" dirty="0" err="1">
+                <a:solidFill>
+                  <a:schemeClr val="tx1"/>
+                </a:solidFill>
+                <a:effectLst/>
+                <a:latin typeface="+mn-lt"/>
+                <a:ea typeface="+mn-ea"/>
+                <a:cs typeface="+mn-cs"/>
+                <a:sym typeface="Wingdings" panose="05000000000000000000" pitchFamily="2" charset="2"/>
+              </a:rPr>
+              <a:t>dem</a:t>
+            </a:r>
+            <a:r>
+              <a:rPr lang="en-GB" sz="1200" kern="1200" dirty="0">
+                <a:solidFill>
+                  <a:schemeClr val="tx1"/>
+                </a:solidFill>
+                <a:effectLst/>
+                <a:latin typeface="+mn-lt"/>
+                <a:ea typeface="+mn-ea"/>
+                <a:cs typeface="+mn-cs"/>
+                <a:sym typeface="Wingdings" panose="05000000000000000000" pitchFamily="2" charset="2"/>
+              </a:rPr>
+              <a:t> </a:t>
+            </a:r>
+            <a:r>
+              <a:rPr lang="en-GB" sz="1200" kern="1200" dirty="0" err="1">
+                <a:solidFill>
+                  <a:schemeClr val="tx1"/>
+                </a:solidFill>
+                <a:effectLst/>
+                <a:latin typeface="+mn-lt"/>
+                <a:ea typeface="+mn-ea"/>
+                <a:cs typeface="+mn-cs"/>
+                <a:sym typeface="Wingdings" panose="05000000000000000000" pitchFamily="2" charset="2"/>
+              </a:rPr>
+              <a:t>Ergebnis</a:t>
+            </a:r>
+            <a:r>
+              <a:rPr lang="en-GB" sz="1200" kern="1200" dirty="0">
+                <a:solidFill>
+                  <a:schemeClr val="tx1"/>
+                </a:solidFill>
+                <a:effectLst/>
+                <a:latin typeface="+mn-lt"/>
+                <a:ea typeface="+mn-ea"/>
+                <a:cs typeface="+mn-cs"/>
+                <a:sym typeface="Wingdings" panose="05000000000000000000" pitchFamily="2" charset="2"/>
+              </a:rPr>
+              <a:t> </a:t>
+            </a:r>
+            <a:r>
+              <a:rPr lang="en-GB" sz="1200" kern="1200" dirty="0" err="1">
+                <a:solidFill>
+                  <a:schemeClr val="tx1"/>
+                </a:solidFill>
+                <a:effectLst/>
+                <a:latin typeface="+mn-lt"/>
+                <a:ea typeface="+mn-ea"/>
+                <a:cs typeface="+mn-cs"/>
+                <a:sym typeface="Wingdings" panose="05000000000000000000" pitchFamily="2" charset="2"/>
+              </a:rPr>
+              <a:t>ist</a:t>
+            </a:r>
+            <a:r>
+              <a:rPr lang="en-GB" sz="1200" kern="1200" dirty="0">
+                <a:solidFill>
+                  <a:schemeClr val="tx1"/>
+                </a:solidFill>
+                <a:effectLst/>
+                <a:latin typeface="+mn-lt"/>
+                <a:ea typeface="+mn-ea"/>
+                <a:cs typeface="+mn-cs"/>
+                <a:sym typeface="Wingdings" panose="05000000000000000000" pitchFamily="2" charset="2"/>
+              </a:rPr>
+              <a:t> </a:t>
+            </a:r>
+            <a:r>
+              <a:rPr lang="en-GB" sz="1200" kern="1200" dirty="0" err="1">
+                <a:solidFill>
+                  <a:schemeClr val="tx1"/>
+                </a:solidFill>
+                <a:effectLst/>
+                <a:latin typeface="+mn-lt"/>
+                <a:ea typeface="+mn-ea"/>
+                <a:cs typeface="+mn-cs"/>
+                <a:sym typeface="Wingdings" panose="05000000000000000000" pitchFamily="2" charset="2"/>
+              </a:rPr>
+              <a:t>es</a:t>
+            </a:r>
+            <a:r>
+              <a:rPr lang="en-GB" sz="1200" kern="1200" dirty="0">
+                <a:solidFill>
+                  <a:schemeClr val="tx1"/>
+                </a:solidFill>
+                <a:effectLst/>
+                <a:latin typeface="+mn-lt"/>
+                <a:ea typeface="+mn-ea"/>
+                <a:cs typeface="+mn-cs"/>
+                <a:sym typeface="Wingdings" panose="05000000000000000000" pitchFamily="2" charset="2"/>
+              </a:rPr>
+              <a:t> </a:t>
+            </a:r>
+            <a:r>
+              <a:rPr lang="en-GB" sz="1200" kern="1200" dirty="0" err="1">
+                <a:solidFill>
+                  <a:schemeClr val="tx1"/>
+                </a:solidFill>
+                <a:effectLst/>
+                <a:latin typeface="+mn-lt"/>
+                <a:ea typeface="+mn-ea"/>
+                <a:cs typeface="+mn-cs"/>
+                <a:sym typeface="Wingdings" panose="05000000000000000000" pitchFamily="2" charset="2"/>
+              </a:rPr>
+              <a:t>möglich</a:t>
+            </a:r>
+            <a:r>
+              <a:rPr lang="en-GB" sz="1200" kern="1200" dirty="0">
+                <a:solidFill>
+                  <a:schemeClr val="tx1"/>
+                </a:solidFill>
+                <a:effectLst/>
+                <a:latin typeface="+mn-lt"/>
+                <a:ea typeface="+mn-ea"/>
+                <a:cs typeface="+mn-cs"/>
+                <a:sym typeface="Wingdings" panose="05000000000000000000" pitchFamily="2" charset="2"/>
+              </a:rPr>
+              <a:t> </a:t>
+            </a:r>
+            <a:r>
+              <a:rPr lang="en-GB" sz="1200" kern="1200" dirty="0" err="1">
+                <a:solidFill>
+                  <a:schemeClr val="tx1"/>
+                </a:solidFill>
+                <a:effectLst/>
+                <a:latin typeface="+mn-lt"/>
+                <a:ea typeface="+mn-ea"/>
+                <a:cs typeface="+mn-cs"/>
+                <a:sym typeface="Wingdings" panose="05000000000000000000" pitchFamily="2" charset="2"/>
+              </a:rPr>
+              <a:t>anhand</a:t>
+            </a:r>
+            <a:r>
+              <a:rPr lang="en-GB" sz="1200" kern="1200" dirty="0">
+                <a:solidFill>
+                  <a:schemeClr val="tx1"/>
+                </a:solidFill>
+                <a:effectLst/>
+                <a:latin typeface="+mn-lt"/>
+                <a:ea typeface="+mn-ea"/>
+                <a:cs typeface="+mn-cs"/>
+                <a:sym typeface="Wingdings" panose="05000000000000000000" pitchFamily="2" charset="2"/>
+              </a:rPr>
+              <a:t> von 2-3 </a:t>
+            </a:r>
+            <a:r>
+              <a:rPr lang="en-GB" sz="1200" kern="1200" dirty="0" err="1">
+                <a:solidFill>
+                  <a:schemeClr val="tx1"/>
+                </a:solidFill>
+                <a:effectLst/>
+                <a:latin typeface="+mn-lt"/>
+                <a:ea typeface="+mn-ea"/>
+                <a:cs typeface="+mn-cs"/>
+                <a:sym typeface="Wingdings" panose="05000000000000000000" pitchFamily="2" charset="2"/>
+              </a:rPr>
+              <a:t>Achsen</a:t>
+            </a:r>
+            <a:r>
+              <a:rPr lang="en-GB" sz="1200" kern="1200" dirty="0">
+                <a:solidFill>
+                  <a:schemeClr val="tx1"/>
+                </a:solidFill>
+                <a:effectLst/>
+                <a:latin typeface="+mn-lt"/>
+                <a:ea typeface="+mn-ea"/>
+                <a:cs typeface="+mn-cs"/>
+                <a:sym typeface="Wingdings" panose="05000000000000000000" pitchFamily="2" charset="2"/>
+              </a:rPr>
+              <a:t> (</a:t>
+            </a:r>
+            <a:r>
+              <a:rPr lang="en-GB" sz="1200" kern="1200" dirty="0" err="1">
+                <a:solidFill>
+                  <a:schemeClr val="tx1"/>
+                </a:solidFill>
+                <a:effectLst/>
+                <a:latin typeface="+mn-lt"/>
+                <a:ea typeface="+mn-ea"/>
+                <a:cs typeface="+mn-cs"/>
+                <a:sym typeface="Wingdings" panose="05000000000000000000" pitchFamily="2" charset="2"/>
+              </a:rPr>
+              <a:t>Gradienten</a:t>
+            </a:r>
+            <a:r>
+              <a:rPr lang="en-GB" sz="1200" kern="1200" dirty="0">
+                <a:solidFill>
+                  <a:schemeClr val="tx1"/>
+                </a:solidFill>
+                <a:effectLst/>
+                <a:latin typeface="+mn-lt"/>
+                <a:ea typeface="+mn-ea"/>
+                <a:cs typeface="+mn-cs"/>
+                <a:sym typeface="Wingdings" panose="05000000000000000000" pitchFamily="2" charset="2"/>
+              </a:rPr>
+              <a:t>) die </a:t>
+            </a:r>
+            <a:r>
+              <a:rPr lang="en-GB" sz="1200" kern="1200" dirty="0" err="1">
+                <a:solidFill>
+                  <a:schemeClr val="tx1"/>
+                </a:solidFill>
+                <a:effectLst/>
+                <a:latin typeface="+mn-lt"/>
+                <a:ea typeface="+mn-ea"/>
+                <a:cs typeface="+mn-cs"/>
+                <a:sym typeface="Wingdings" panose="05000000000000000000" pitchFamily="2" charset="2"/>
+              </a:rPr>
+              <a:t>Inhalte</a:t>
+            </a:r>
+            <a:r>
+              <a:rPr lang="en-GB" sz="1200" kern="1200" dirty="0">
+                <a:solidFill>
+                  <a:schemeClr val="tx1"/>
+                </a:solidFill>
+                <a:effectLst/>
+                <a:latin typeface="+mn-lt"/>
+                <a:ea typeface="+mn-ea"/>
+                <a:cs typeface="+mn-cs"/>
+                <a:sym typeface="Wingdings" panose="05000000000000000000" pitchFamily="2" charset="2"/>
+              </a:rPr>
+              <a:t> </a:t>
+            </a:r>
+            <a:r>
+              <a:rPr lang="en-GB" sz="1200" kern="1200" dirty="0" err="1">
+                <a:solidFill>
+                  <a:schemeClr val="tx1"/>
+                </a:solidFill>
+                <a:effectLst/>
+                <a:latin typeface="+mn-lt"/>
+                <a:ea typeface="+mn-ea"/>
+                <a:cs typeface="+mn-cs"/>
+                <a:sym typeface="Wingdings" panose="05000000000000000000" pitchFamily="2" charset="2"/>
+              </a:rPr>
+              <a:t>aller</a:t>
+            </a:r>
+            <a:r>
+              <a:rPr lang="en-GB" sz="1200" kern="1200" dirty="0">
+                <a:solidFill>
+                  <a:schemeClr val="tx1"/>
+                </a:solidFill>
+                <a:effectLst/>
+                <a:latin typeface="+mn-lt"/>
+                <a:ea typeface="+mn-ea"/>
+                <a:cs typeface="+mn-cs"/>
+                <a:sym typeface="Wingdings" panose="05000000000000000000" pitchFamily="2" charset="2"/>
+              </a:rPr>
+              <a:t> </a:t>
+            </a:r>
+            <a:r>
+              <a:rPr lang="en-GB" sz="1200" kern="1200" dirty="0" err="1">
+                <a:solidFill>
+                  <a:schemeClr val="tx1"/>
+                </a:solidFill>
+                <a:effectLst/>
+                <a:latin typeface="+mn-lt"/>
+                <a:ea typeface="+mn-ea"/>
+                <a:cs typeface="+mn-cs"/>
+                <a:sym typeface="Wingdings" panose="05000000000000000000" pitchFamily="2" charset="2"/>
+              </a:rPr>
+              <a:t>Publikationen</a:t>
+            </a:r>
+            <a:r>
+              <a:rPr lang="en-GB" sz="1200" kern="1200" dirty="0">
+                <a:solidFill>
+                  <a:schemeClr val="tx1"/>
+                </a:solidFill>
+                <a:effectLst/>
+                <a:latin typeface="+mn-lt"/>
+                <a:ea typeface="+mn-ea"/>
+                <a:cs typeface="+mn-cs"/>
+                <a:sym typeface="Wingdings" panose="05000000000000000000" pitchFamily="2" charset="2"/>
+              </a:rPr>
+              <a:t> </a:t>
+            </a:r>
+            <a:r>
+              <a:rPr lang="en-GB" sz="1200" kern="1200" dirty="0" err="1">
+                <a:solidFill>
+                  <a:schemeClr val="tx1"/>
+                </a:solidFill>
+                <a:effectLst/>
+                <a:latin typeface="+mn-lt"/>
+                <a:ea typeface="+mn-ea"/>
+                <a:cs typeface="+mn-cs"/>
+                <a:sym typeface="Wingdings" panose="05000000000000000000" pitchFamily="2" charset="2"/>
+              </a:rPr>
+              <a:t>thematische</a:t>
+            </a:r>
+            <a:r>
+              <a:rPr lang="en-GB" sz="1200" kern="1200" dirty="0">
+                <a:solidFill>
+                  <a:schemeClr val="tx1"/>
+                </a:solidFill>
+                <a:effectLst/>
+                <a:latin typeface="+mn-lt"/>
+                <a:ea typeface="+mn-ea"/>
+                <a:cs typeface="+mn-cs"/>
+                <a:sym typeface="Wingdings" panose="05000000000000000000" pitchFamily="2" charset="2"/>
+              </a:rPr>
+              <a:t> </a:t>
+            </a:r>
+            <a:r>
+              <a:rPr lang="en-GB" sz="1200" kern="1200" dirty="0" err="1">
+                <a:solidFill>
+                  <a:schemeClr val="tx1"/>
+                </a:solidFill>
+                <a:effectLst/>
+                <a:latin typeface="+mn-lt"/>
+                <a:ea typeface="+mn-ea"/>
+                <a:cs typeface="+mn-cs"/>
+                <a:sym typeface="Wingdings" panose="05000000000000000000" pitchFamily="2" charset="2"/>
+              </a:rPr>
+              <a:t>auszuwerten</a:t>
+            </a:r>
+            <a:r>
+              <a:rPr lang="en-GB" sz="1200" kern="1200" dirty="0">
+                <a:solidFill>
+                  <a:schemeClr val="tx1"/>
+                </a:solidFill>
+                <a:effectLst/>
+                <a:latin typeface="+mn-lt"/>
+                <a:ea typeface="+mn-ea"/>
+                <a:cs typeface="+mn-cs"/>
+                <a:sym typeface="Wingdings" panose="05000000000000000000" pitchFamily="2" charset="2"/>
+              </a:rPr>
+              <a:t> (und </a:t>
+            </a:r>
+            <a:r>
+              <a:rPr lang="en-GB" sz="1200" kern="1200" dirty="0" err="1">
+                <a:solidFill>
+                  <a:schemeClr val="tx1"/>
+                </a:solidFill>
+                <a:effectLst/>
+                <a:latin typeface="+mn-lt"/>
+                <a:ea typeface="+mn-ea"/>
+                <a:cs typeface="+mn-cs"/>
+                <a:sym typeface="Wingdings" panose="05000000000000000000" pitchFamily="2" charset="2"/>
+              </a:rPr>
+              <a:t>zu</a:t>
+            </a:r>
+            <a:r>
+              <a:rPr lang="en-GB" sz="1200" kern="1200" dirty="0">
+                <a:solidFill>
+                  <a:schemeClr val="tx1"/>
+                </a:solidFill>
+                <a:effectLst/>
+                <a:latin typeface="+mn-lt"/>
+                <a:ea typeface="+mn-ea"/>
+                <a:cs typeface="+mn-cs"/>
+                <a:sym typeface="Wingdings" panose="05000000000000000000" pitchFamily="2" charset="2"/>
+              </a:rPr>
+              <a:t> </a:t>
+            </a:r>
+            <a:r>
+              <a:rPr lang="en-GB" sz="1200" kern="1200" dirty="0" err="1">
+                <a:solidFill>
+                  <a:schemeClr val="tx1"/>
+                </a:solidFill>
+                <a:effectLst/>
+                <a:latin typeface="+mn-lt"/>
+                <a:ea typeface="+mn-ea"/>
+                <a:cs typeface="+mn-cs"/>
+                <a:sym typeface="Wingdings" panose="05000000000000000000" pitchFamily="2" charset="2"/>
+              </a:rPr>
+              <a:t>clustern</a:t>
+            </a:r>
+            <a:r>
+              <a:rPr lang="en-GB" sz="1200" kern="1200" dirty="0">
+                <a:solidFill>
+                  <a:schemeClr val="tx1"/>
+                </a:solidFill>
+                <a:effectLst/>
+                <a:latin typeface="+mn-lt"/>
+                <a:ea typeface="+mn-ea"/>
+                <a:cs typeface="+mn-cs"/>
+                <a:sym typeface="Wingdings" panose="05000000000000000000" pitchFamily="2" charset="2"/>
+              </a:rPr>
+              <a:t>)</a:t>
+            </a:r>
+          </a:p>
+          <a:p>
+            <a:endParaRPr lang="en-GB" sz="1200" kern="1200" dirty="0">
+              <a:solidFill>
+                <a:schemeClr val="tx1"/>
+              </a:solidFill>
+              <a:effectLst/>
+              <a:latin typeface="+mn-lt"/>
+              <a:ea typeface="+mn-ea"/>
+              <a:cs typeface="+mn-cs"/>
+              <a:sym typeface="Wingdings" panose="05000000000000000000" pitchFamily="2" charset="2"/>
+            </a:endParaRPr>
+          </a:p>
+          <a:p>
+            <a:r>
+              <a:rPr lang="en-GB" sz="1200" kern="1200" dirty="0">
+                <a:solidFill>
+                  <a:schemeClr val="tx1"/>
+                </a:solidFill>
+                <a:effectLst/>
+                <a:latin typeface="+mn-lt"/>
+                <a:ea typeface="+mn-ea"/>
+                <a:cs typeface="+mn-cs"/>
+                <a:sym typeface="Wingdings" panose="05000000000000000000" pitchFamily="2" charset="2"/>
+              </a:rPr>
+              <a:t>Um die </a:t>
+            </a:r>
+            <a:r>
+              <a:rPr lang="en-GB" sz="1200" kern="1200" dirty="0" err="1">
+                <a:solidFill>
+                  <a:schemeClr val="tx1"/>
+                </a:solidFill>
+                <a:effectLst/>
+                <a:latin typeface="+mn-lt"/>
+                <a:ea typeface="+mn-ea"/>
+                <a:cs typeface="+mn-cs"/>
+                <a:sym typeface="Wingdings" panose="05000000000000000000" pitchFamily="2" charset="2"/>
+              </a:rPr>
+              <a:t>Ergebnisse</a:t>
+            </a:r>
+            <a:r>
+              <a:rPr lang="en-GB" sz="1200" kern="1200" dirty="0">
+                <a:solidFill>
+                  <a:schemeClr val="tx1"/>
+                </a:solidFill>
+                <a:effectLst/>
+                <a:latin typeface="+mn-lt"/>
+                <a:ea typeface="+mn-ea"/>
+                <a:cs typeface="+mn-cs"/>
+                <a:sym typeface="Wingdings" panose="05000000000000000000" pitchFamily="2" charset="2"/>
+              </a:rPr>
+              <a:t> der DCA </a:t>
+            </a:r>
+            <a:r>
+              <a:rPr lang="en-GB" sz="1200" kern="1200" dirty="0" err="1">
+                <a:solidFill>
+                  <a:schemeClr val="tx1"/>
+                </a:solidFill>
+                <a:effectLst/>
+                <a:latin typeface="+mn-lt"/>
+                <a:ea typeface="+mn-ea"/>
+                <a:cs typeface="+mn-cs"/>
+                <a:sym typeface="Wingdings" panose="05000000000000000000" pitchFamily="2" charset="2"/>
+              </a:rPr>
+              <a:t>vor</a:t>
+            </a:r>
+            <a:r>
+              <a:rPr lang="en-GB" sz="1200" kern="1200" dirty="0">
+                <a:solidFill>
+                  <a:schemeClr val="tx1"/>
+                </a:solidFill>
+                <a:effectLst/>
+                <a:latin typeface="+mn-lt"/>
+                <a:ea typeface="+mn-ea"/>
+                <a:cs typeface="+mn-cs"/>
+                <a:sym typeface="Wingdings" panose="05000000000000000000" pitchFamily="2" charset="2"/>
+              </a:rPr>
+              <a:t> </a:t>
+            </a:r>
+            <a:r>
+              <a:rPr lang="en-GB" sz="1200" kern="1200" dirty="0" err="1">
+                <a:solidFill>
+                  <a:schemeClr val="tx1"/>
+                </a:solidFill>
+                <a:effectLst/>
+                <a:latin typeface="+mn-lt"/>
+                <a:ea typeface="+mn-ea"/>
+                <a:cs typeface="+mn-cs"/>
+                <a:sym typeface="Wingdings" panose="05000000000000000000" pitchFamily="2" charset="2"/>
+              </a:rPr>
+              <a:t>Verzerrung</a:t>
+            </a:r>
+            <a:r>
+              <a:rPr lang="en-GB" sz="1200" kern="1200" dirty="0">
+                <a:solidFill>
+                  <a:schemeClr val="tx1"/>
+                </a:solidFill>
+                <a:effectLst/>
+                <a:latin typeface="+mn-lt"/>
+                <a:ea typeface="+mn-ea"/>
+                <a:cs typeface="+mn-cs"/>
+                <a:sym typeface="Wingdings" panose="05000000000000000000" pitchFamily="2" charset="2"/>
+              </a:rPr>
+              <a:t> </a:t>
+            </a:r>
+            <a:r>
+              <a:rPr lang="en-GB" sz="1200" kern="1200" dirty="0" err="1">
+                <a:solidFill>
+                  <a:schemeClr val="tx1"/>
+                </a:solidFill>
+                <a:effectLst/>
+                <a:latin typeface="+mn-lt"/>
+                <a:ea typeface="+mn-ea"/>
+                <a:cs typeface="+mn-cs"/>
+                <a:sym typeface="Wingdings" panose="05000000000000000000" pitchFamily="2" charset="2"/>
+              </a:rPr>
+              <a:t>zuschützen</a:t>
+            </a:r>
+            <a:r>
+              <a:rPr lang="en-GB" sz="1200" kern="1200" dirty="0">
+                <a:solidFill>
+                  <a:schemeClr val="tx1"/>
+                </a:solidFill>
+                <a:effectLst/>
+                <a:latin typeface="+mn-lt"/>
+                <a:ea typeface="+mn-ea"/>
+                <a:cs typeface="+mn-cs"/>
+                <a:sym typeface="Wingdings" panose="05000000000000000000" pitchFamily="2" charset="2"/>
+              </a:rPr>
+              <a:t> </a:t>
+            </a:r>
+            <a:r>
+              <a:rPr lang="en-GB" sz="1200" kern="1200" dirty="0" err="1">
+                <a:solidFill>
+                  <a:schemeClr val="tx1"/>
+                </a:solidFill>
+                <a:effectLst/>
+                <a:latin typeface="+mn-lt"/>
+                <a:ea typeface="+mn-ea"/>
+                <a:cs typeface="+mn-cs"/>
+                <a:sym typeface="Wingdings" panose="05000000000000000000" pitchFamily="2" charset="2"/>
+              </a:rPr>
+              <a:t>wurden</a:t>
+            </a:r>
+            <a:r>
+              <a:rPr lang="en-GB" sz="1200" kern="1200" dirty="0">
+                <a:solidFill>
+                  <a:schemeClr val="tx1"/>
+                </a:solidFill>
+                <a:effectLst/>
+                <a:latin typeface="+mn-lt"/>
+                <a:ea typeface="+mn-ea"/>
+                <a:cs typeface="+mn-cs"/>
+                <a:sym typeface="Wingdings" panose="05000000000000000000" pitchFamily="2" charset="2"/>
+              </a:rPr>
+              <a:t> </a:t>
+            </a:r>
+            <a:r>
+              <a:rPr lang="en-GB" sz="1200" kern="1200" dirty="0" err="1">
+                <a:solidFill>
+                  <a:schemeClr val="tx1"/>
+                </a:solidFill>
+                <a:effectLst/>
+                <a:latin typeface="+mn-lt"/>
+                <a:ea typeface="+mn-ea"/>
+                <a:cs typeface="+mn-cs"/>
+                <a:sym typeface="Wingdings" panose="05000000000000000000" pitchFamily="2" charset="2"/>
+              </a:rPr>
+              <a:t>sehr</a:t>
+            </a:r>
+            <a:r>
+              <a:rPr lang="en-GB" sz="1200" kern="1200" dirty="0">
+                <a:solidFill>
+                  <a:schemeClr val="tx1"/>
+                </a:solidFill>
+                <a:effectLst/>
+                <a:latin typeface="+mn-lt"/>
+                <a:ea typeface="+mn-ea"/>
+                <a:cs typeface="+mn-cs"/>
+                <a:sym typeface="Wingdings" panose="05000000000000000000" pitchFamily="2" charset="2"/>
+              </a:rPr>
+              <a:t> </a:t>
+            </a:r>
+            <a:r>
+              <a:rPr lang="en-GB" sz="1200" kern="1200" dirty="0" err="1">
+                <a:solidFill>
+                  <a:schemeClr val="tx1"/>
+                </a:solidFill>
+                <a:effectLst/>
+                <a:latin typeface="+mn-lt"/>
+                <a:ea typeface="+mn-ea"/>
+                <a:cs typeface="+mn-cs"/>
+                <a:sym typeface="Wingdings" panose="05000000000000000000" pitchFamily="2" charset="2"/>
+              </a:rPr>
+              <a:t>selten</a:t>
+            </a:r>
+            <a:r>
+              <a:rPr lang="en-GB" sz="1200" kern="1200" dirty="0">
+                <a:solidFill>
+                  <a:schemeClr val="tx1"/>
+                </a:solidFill>
+                <a:effectLst/>
+                <a:latin typeface="+mn-lt"/>
+                <a:ea typeface="+mn-ea"/>
+                <a:cs typeface="+mn-cs"/>
+                <a:sym typeface="Wingdings" panose="05000000000000000000" pitchFamily="2" charset="2"/>
+              </a:rPr>
+              <a:t> </a:t>
+            </a:r>
+            <a:r>
+              <a:rPr lang="en-GB" sz="1200" kern="1200" dirty="0" err="1">
+                <a:solidFill>
+                  <a:schemeClr val="tx1"/>
+                </a:solidFill>
+                <a:effectLst/>
+                <a:latin typeface="+mn-lt"/>
+                <a:ea typeface="+mn-ea"/>
+                <a:cs typeface="+mn-cs"/>
+                <a:sym typeface="Wingdings" panose="05000000000000000000" pitchFamily="2" charset="2"/>
+              </a:rPr>
+              <a:t>Worte</a:t>
+            </a:r>
+            <a:r>
+              <a:rPr lang="en-GB" sz="1200" kern="1200" dirty="0">
+                <a:solidFill>
+                  <a:schemeClr val="tx1"/>
+                </a:solidFill>
+                <a:effectLst/>
+                <a:latin typeface="+mn-lt"/>
+                <a:ea typeface="+mn-ea"/>
+                <a:cs typeface="+mn-cs"/>
+                <a:sym typeface="Wingdings" panose="05000000000000000000" pitchFamily="2" charset="2"/>
+              </a:rPr>
+              <a:t> </a:t>
+            </a:r>
+            <a:r>
+              <a:rPr lang="en-GB" sz="1200" kern="1200" dirty="0" err="1">
+                <a:solidFill>
+                  <a:schemeClr val="tx1"/>
+                </a:solidFill>
+                <a:effectLst/>
+                <a:latin typeface="+mn-lt"/>
+                <a:ea typeface="+mn-ea"/>
+                <a:cs typeface="+mn-cs"/>
+                <a:sym typeface="Wingdings" panose="05000000000000000000" pitchFamily="2" charset="2"/>
+              </a:rPr>
+              <a:t>leichter</a:t>
+            </a:r>
+            <a:r>
+              <a:rPr lang="en-GB" sz="1200" kern="1200" dirty="0">
+                <a:solidFill>
+                  <a:schemeClr val="tx1"/>
+                </a:solidFill>
+                <a:effectLst/>
+                <a:latin typeface="+mn-lt"/>
+                <a:ea typeface="+mn-ea"/>
+                <a:cs typeface="+mn-cs"/>
+                <a:sym typeface="Wingdings" panose="05000000000000000000" pitchFamily="2" charset="2"/>
+              </a:rPr>
+              <a:t> </a:t>
+            </a:r>
+            <a:r>
+              <a:rPr lang="en-GB" sz="1200" kern="1200" dirty="0" err="1">
+                <a:solidFill>
+                  <a:schemeClr val="tx1"/>
+                </a:solidFill>
+                <a:effectLst/>
+                <a:latin typeface="+mn-lt"/>
+                <a:ea typeface="+mn-ea"/>
+                <a:cs typeface="+mn-cs"/>
+                <a:sym typeface="Wingdings" panose="05000000000000000000" pitchFamily="2" charset="2"/>
+              </a:rPr>
+              <a:t>gewichtet</a:t>
+            </a:r>
+            <a:r>
+              <a:rPr lang="en-GB" sz="1200" kern="1200" dirty="0">
+                <a:solidFill>
+                  <a:schemeClr val="tx1"/>
+                </a:solidFill>
+                <a:effectLst/>
+                <a:latin typeface="+mn-lt"/>
+                <a:ea typeface="+mn-ea"/>
+                <a:cs typeface="+mn-cs"/>
+                <a:sym typeface="Wingdings" panose="05000000000000000000" pitchFamily="2" charset="2"/>
+              </a:rPr>
+              <a:t> (</a:t>
+            </a:r>
+            <a:r>
+              <a:rPr lang="en-GB" sz="1200" kern="1200" dirty="0" err="1">
+                <a:solidFill>
+                  <a:schemeClr val="tx1"/>
+                </a:solidFill>
+                <a:effectLst/>
+                <a:latin typeface="+mn-lt"/>
+                <a:ea typeface="+mn-ea"/>
+                <a:cs typeface="+mn-cs"/>
+                <a:sym typeface="Wingdings" panose="05000000000000000000" pitchFamily="2" charset="2"/>
+              </a:rPr>
+              <a:t>downweighting</a:t>
+            </a:r>
+            <a:r>
+              <a:rPr lang="en-GB" sz="1200" kern="1200" dirty="0">
+                <a:solidFill>
+                  <a:schemeClr val="tx1"/>
+                </a:solidFill>
+                <a:effectLst/>
+                <a:latin typeface="+mn-lt"/>
+                <a:ea typeface="+mn-ea"/>
+                <a:cs typeface="+mn-cs"/>
+                <a:sym typeface="Wingdings" panose="05000000000000000000" pitchFamily="2" charset="2"/>
+              </a:rPr>
+              <a:t>)  </a:t>
+            </a:r>
+            <a:r>
+              <a:rPr lang="en-GB" sz="1200" kern="1200" dirty="0" err="1">
+                <a:solidFill>
+                  <a:schemeClr val="tx1"/>
+                </a:solidFill>
+                <a:effectLst/>
+                <a:latin typeface="+mn-lt"/>
+                <a:ea typeface="+mn-ea"/>
+                <a:cs typeface="+mn-cs"/>
+                <a:sym typeface="Wingdings" panose="05000000000000000000" pitchFamily="2" charset="2"/>
+              </a:rPr>
+              <a:t>sonst</a:t>
+            </a:r>
+            <a:r>
+              <a:rPr lang="en-GB" sz="1200" kern="1200" dirty="0">
+                <a:solidFill>
+                  <a:schemeClr val="tx1"/>
+                </a:solidFill>
+                <a:effectLst/>
+                <a:latin typeface="+mn-lt"/>
+                <a:ea typeface="+mn-ea"/>
+                <a:cs typeface="+mn-cs"/>
+                <a:sym typeface="Wingdings" panose="05000000000000000000" pitchFamily="2" charset="2"/>
+              </a:rPr>
+              <a:t> </a:t>
+            </a:r>
+            <a:r>
+              <a:rPr lang="en-GB" sz="1200" kern="1200" dirty="0" err="1">
+                <a:solidFill>
+                  <a:schemeClr val="tx1"/>
+                </a:solidFill>
+                <a:effectLst/>
+                <a:latin typeface="+mn-lt"/>
+                <a:ea typeface="+mn-ea"/>
+                <a:cs typeface="+mn-cs"/>
+                <a:sym typeface="Wingdings" panose="05000000000000000000" pitchFamily="2" charset="2"/>
+              </a:rPr>
+              <a:t>zu</a:t>
+            </a:r>
+            <a:r>
+              <a:rPr lang="en-GB" sz="1200" kern="1200" dirty="0">
+                <a:solidFill>
+                  <a:schemeClr val="tx1"/>
+                </a:solidFill>
+                <a:effectLst/>
+                <a:latin typeface="+mn-lt"/>
+                <a:ea typeface="+mn-ea"/>
+                <a:cs typeface="+mn-cs"/>
+                <a:sym typeface="Wingdings" panose="05000000000000000000" pitchFamily="2" charset="2"/>
+              </a:rPr>
+              <a:t> </a:t>
+            </a:r>
+            <a:r>
+              <a:rPr lang="en-GB" sz="1200" kern="1200" dirty="0" err="1">
+                <a:solidFill>
+                  <a:schemeClr val="tx1"/>
+                </a:solidFill>
+                <a:effectLst/>
+                <a:latin typeface="+mn-lt"/>
+                <a:ea typeface="+mn-ea"/>
+                <a:cs typeface="+mn-cs"/>
+                <a:sym typeface="Wingdings" panose="05000000000000000000" pitchFamily="2" charset="2"/>
+              </a:rPr>
+              <a:t>hohen</a:t>
+            </a:r>
+            <a:r>
+              <a:rPr lang="en-GB" sz="1200" kern="1200" dirty="0">
+                <a:solidFill>
+                  <a:schemeClr val="tx1"/>
+                </a:solidFill>
+                <a:effectLst/>
+                <a:latin typeface="+mn-lt"/>
+                <a:ea typeface="+mn-ea"/>
+                <a:cs typeface="+mn-cs"/>
+                <a:sym typeface="Wingdings" panose="05000000000000000000" pitchFamily="2" charset="2"/>
+              </a:rPr>
+              <a:t> </a:t>
+            </a:r>
+            <a:r>
+              <a:rPr lang="en-GB" sz="1200" kern="1200" dirty="0" err="1">
+                <a:solidFill>
+                  <a:schemeClr val="tx1"/>
+                </a:solidFill>
+                <a:effectLst/>
+                <a:latin typeface="+mn-lt"/>
+                <a:ea typeface="+mn-ea"/>
+                <a:cs typeface="+mn-cs"/>
+                <a:sym typeface="Wingdings" panose="05000000000000000000" pitchFamily="2" charset="2"/>
+              </a:rPr>
+              <a:t>Einfluss</a:t>
+            </a:r>
+            <a:endParaRPr lang="en-GB" sz="1200" kern="1200" dirty="0">
+              <a:solidFill>
+                <a:schemeClr val="tx1"/>
+              </a:solidFill>
+              <a:effectLst/>
+              <a:latin typeface="+mn-lt"/>
+              <a:ea typeface="+mn-ea"/>
+              <a:cs typeface="+mn-cs"/>
+              <a:sym typeface="Wingdings" panose="05000000000000000000" pitchFamily="2" charset="2"/>
+            </a:endParaRPr>
+          </a:p>
+          <a:p>
+            <a:endParaRPr lang="en-GB" sz="1200" kern="1200" dirty="0">
+              <a:solidFill>
+                <a:schemeClr val="tx1"/>
+              </a:solidFill>
+              <a:effectLst/>
+              <a:latin typeface="+mn-lt"/>
+              <a:ea typeface="+mn-ea"/>
+              <a:cs typeface="+mn-cs"/>
+              <a:sym typeface="Wingdings" panose="05000000000000000000" pitchFamily="2" charset="2"/>
+            </a:endParaRPr>
+          </a:p>
+          <a:p>
+            <a:endParaRPr lang="en-GB" dirty="0"/>
+          </a:p>
+          <a:p>
+            <a:endParaRPr lang="en-GB" dirty="0"/>
+          </a:p>
+        </p:txBody>
+      </p:sp>
+      <p:sp>
+        <p:nvSpPr>
+          <p:cNvPr id="4" name="Foliennummernplatzhalter 3"/>
+          <p:cNvSpPr>
+            <a:spLocks noGrp="1"/>
+          </p:cNvSpPr>
+          <p:nvPr>
+            <p:ph type="sldNum" sz="quarter" idx="10"/>
+          </p:nvPr>
+        </p:nvSpPr>
+        <p:spPr/>
+        <p:txBody>
+          <a:bodyPr/>
+          <a:lstStyle/>
+          <a:p>
+            <a:fld id="{06421E1D-4275-499E-B0D8-364853585D3F}" type="slidenum">
+              <a:rPr lang="de-DE" smtClean="0"/>
+              <a:t>13</a:t>
+            </a:fld>
+            <a:endParaRPr lang="de-DE"/>
+          </a:p>
+        </p:txBody>
+      </p:sp>
+    </p:spTree>
+    <p:extLst>
+      <p:ext uri="{BB962C8B-B14F-4D97-AF65-F5344CB8AC3E}">
+        <p14:creationId xmlns:p14="http://schemas.microsoft.com/office/powerpoint/2010/main" val="1797962271"/>
+      </p:ext>
+    </p:extLst>
+  </p:cSld>
+  <p:clrMapOvr>
+    <a:masterClrMapping/>
+  </p:clrMapOvr>
+</p:notes>
+</file>
+
+<file path=ppt/notesSlides/notesSlide13.xml><?xml version="1.0" encoding="utf-8"?>
+<p:notes xmlns:a="http://schemas.openxmlformats.org/drawingml/2006/main" xmlns:r="http://schemas.openxmlformats.org/officeDocument/2006/relationships" xmlns:p="http://schemas.openxmlformats.org/presentationml/2006/main">
+  <p:cSld>
+    <p:spTree>
+      <p:nvGrpSpPr>
+        <p:cNvPr id="1" name=""/>
+        <p:cNvGrpSpPr/>
+        <p:nvPr/>
+      </p:nvGrpSpPr>
+      <p:grpSpPr>
+        <a:xfrm>
+          <a:off x="0" y="0"/>
+          <a:ext cx="0" cy="0"/>
+          <a:chOff x="0" y="0"/>
+          <a:chExt cx="0" cy="0"/>
+        </a:xfrm>
+      </p:grpSpPr>
+      <p:sp>
+        <p:nvSpPr>
+          <p:cNvPr id="2" name="Folienbildplatzhalter 1"/>
+          <p:cNvSpPr>
+            <a:spLocks noGrp="1" noRot="1" noChangeAspect="1"/>
+          </p:cNvSpPr>
+          <p:nvPr>
+            <p:ph type="sldImg"/>
+          </p:nvPr>
+        </p:nvSpPr>
+        <p:spPr/>
+      </p:sp>
+      <p:sp>
+        <p:nvSpPr>
+          <p:cNvPr id="3" name="Notizenplatzhalter 2"/>
+          <p:cNvSpPr>
+            <a:spLocks noGrp="1"/>
+          </p:cNvSpPr>
+          <p:nvPr>
+            <p:ph type="body" idx="1"/>
+          </p:nvPr>
+        </p:nvSpPr>
+        <p:spPr/>
+        <p:txBody>
+          <a:bodyPr/>
+          <a:lstStyle/>
+          <a:p>
+            <a:pPr marL="171450" indent="-171450">
+              <a:buFont typeface="Wingdings" panose="05000000000000000000" pitchFamily="2" charset="2"/>
+              <a:buChar char="à"/>
+            </a:pPr>
+            <a:r>
+              <a:rPr lang="en-GB" dirty="0">
+                <a:sym typeface="Wingdings" panose="05000000000000000000" pitchFamily="2" charset="2"/>
+              </a:rPr>
+              <a:t>Dimensions </a:t>
+            </a:r>
+            <a:r>
+              <a:rPr lang="en-GB" dirty="0" err="1">
+                <a:sym typeface="Wingdings" panose="05000000000000000000" pitchFamily="2" charset="2"/>
+              </a:rPr>
+              <a:t>reduzierte</a:t>
+            </a:r>
+            <a:r>
+              <a:rPr lang="en-GB" dirty="0">
+                <a:sym typeface="Wingdings" panose="05000000000000000000" pitchFamily="2" charset="2"/>
+              </a:rPr>
+              <a:t> </a:t>
+            </a:r>
+            <a:r>
+              <a:rPr lang="en-GB" dirty="0" err="1">
+                <a:sym typeface="Wingdings" panose="05000000000000000000" pitchFamily="2" charset="2"/>
+              </a:rPr>
+              <a:t>Daten</a:t>
+            </a:r>
+            <a:r>
+              <a:rPr lang="en-GB" dirty="0">
+                <a:sym typeface="Wingdings" panose="05000000000000000000" pitchFamily="2" charset="2"/>
+              </a:rPr>
+              <a:t>  </a:t>
+            </a:r>
+            <a:r>
+              <a:rPr lang="en-GB" dirty="0" err="1">
+                <a:sym typeface="Wingdings" panose="05000000000000000000" pitchFamily="2" charset="2"/>
+              </a:rPr>
+              <a:t>mitte</a:t>
+            </a:r>
+            <a:r>
+              <a:rPr lang="en-GB" dirty="0">
+                <a:sym typeface="Wingdings" panose="05000000000000000000" pitchFamily="2" charset="2"/>
+              </a:rPr>
+              <a:t> des Plots </a:t>
+            </a:r>
+            <a:r>
+              <a:rPr lang="en-GB" dirty="0" err="1">
+                <a:sym typeface="Wingdings" panose="05000000000000000000" pitchFamily="2" charset="2"/>
+              </a:rPr>
+              <a:t>kleinster</a:t>
+            </a:r>
+            <a:r>
+              <a:rPr lang="en-GB" dirty="0">
+                <a:sym typeface="Wingdings" panose="05000000000000000000" pitchFamily="2" charset="2"/>
+              </a:rPr>
+              <a:t> </a:t>
+            </a:r>
+            <a:r>
+              <a:rPr lang="en-GB" dirty="0" err="1">
+                <a:sym typeface="Wingdings" panose="05000000000000000000" pitchFamily="2" charset="2"/>
+              </a:rPr>
+              <a:t>gemeinsamer</a:t>
+            </a:r>
+            <a:r>
+              <a:rPr lang="en-GB" dirty="0">
+                <a:sym typeface="Wingdings" panose="05000000000000000000" pitchFamily="2" charset="2"/>
+              </a:rPr>
+              <a:t> </a:t>
+            </a:r>
+            <a:r>
+              <a:rPr lang="en-GB" dirty="0" err="1">
+                <a:sym typeface="Wingdings" panose="05000000000000000000" pitchFamily="2" charset="2"/>
+              </a:rPr>
+              <a:t>nenner</a:t>
+            </a:r>
+            <a:r>
+              <a:rPr lang="en-GB" dirty="0">
+                <a:sym typeface="Wingdings" panose="05000000000000000000" pitchFamily="2" charset="2"/>
+              </a:rPr>
+              <a:t> </a:t>
+            </a:r>
+            <a:r>
+              <a:rPr lang="en-GB" dirty="0" err="1">
+                <a:sym typeface="Wingdings" panose="05000000000000000000" pitchFamily="2" charset="2"/>
+              </a:rPr>
+              <a:t>aller</a:t>
+            </a:r>
+            <a:r>
+              <a:rPr lang="en-GB" dirty="0">
+                <a:sym typeface="Wingdings" panose="05000000000000000000" pitchFamily="2" charset="2"/>
+              </a:rPr>
+              <a:t> </a:t>
+            </a:r>
+            <a:r>
+              <a:rPr lang="en-GB" dirty="0" err="1">
+                <a:sym typeface="Wingdings" panose="05000000000000000000" pitchFamily="2" charset="2"/>
+              </a:rPr>
+              <a:t>Daten</a:t>
+            </a:r>
+            <a:r>
+              <a:rPr lang="en-GB" dirty="0">
+                <a:sym typeface="Wingdings" panose="05000000000000000000" pitchFamily="2" charset="2"/>
+              </a:rPr>
+              <a:t>  Rand </a:t>
+            </a:r>
+            <a:r>
+              <a:rPr lang="en-GB" dirty="0" err="1">
+                <a:sym typeface="Wingdings" panose="05000000000000000000" pitchFamily="2" charset="2"/>
+              </a:rPr>
+              <a:t>gebiet</a:t>
+            </a:r>
+            <a:r>
+              <a:rPr lang="en-GB" dirty="0">
+                <a:sym typeface="Wingdings" panose="05000000000000000000" pitchFamily="2" charset="2"/>
+              </a:rPr>
+              <a:t> </a:t>
+            </a:r>
+            <a:r>
+              <a:rPr lang="en-GB" dirty="0" err="1">
+                <a:sym typeface="Wingdings" panose="05000000000000000000" pitchFamily="2" charset="2"/>
+              </a:rPr>
+              <a:t>repräsentieren</a:t>
+            </a:r>
+            <a:r>
+              <a:rPr lang="en-GB" dirty="0">
+                <a:sym typeface="Wingdings" panose="05000000000000000000" pitchFamily="2" charset="2"/>
+              </a:rPr>
+              <a:t>  </a:t>
+            </a:r>
+            <a:r>
+              <a:rPr lang="en-GB" dirty="0" err="1">
+                <a:sym typeface="Wingdings" panose="05000000000000000000" pitchFamily="2" charset="2"/>
+              </a:rPr>
+              <a:t>Änderung</a:t>
+            </a:r>
+            <a:r>
+              <a:rPr lang="en-GB" dirty="0">
+                <a:sym typeface="Wingdings" panose="05000000000000000000" pitchFamily="2" charset="2"/>
+              </a:rPr>
+              <a:t> der </a:t>
+            </a:r>
+            <a:r>
+              <a:rPr lang="en-GB" dirty="0" err="1">
+                <a:sym typeface="Wingdings" panose="05000000000000000000" pitchFamily="2" charset="2"/>
+              </a:rPr>
+              <a:t>Inhalte</a:t>
+            </a:r>
+            <a:r>
+              <a:rPr lang="en-GB" dirty="0">
+                <a:sym typeface="Wingdings" panose="05000000000000000000" pitchFamily="2" charset="2"/>
+              </a:rPr>
+              <a:t> </a:t>
+            </a:r>
+            <a:r>
+              <a:rPr lang="en-GB" dirty="0" err="1">
+                <a:sym typeface="Wingdings" panose="05000000000000000000" pitchFamily="2" charset="2"/>
+              </a:rPr>
+              <a:t>zu</a:t>
+            </a:r>
+            <a:r>
+              <a:rPr lang="en-GB" dirty="0">
+                <a:sym typeface="Wingdings" panose="05000000000000000000" pitchFamily="2" charset="2"/>
+              </a:rPr>
+              <a:t> </a:t>
+            </a:r>
+            <a:r>
+              <a:rPr lang="en-GB" dirty="0" err="1">
+                <a:sym typeface="Wingdings" panose="05000000000000000000" pitchFamily="2" charset="2"/>
+              </a:rPr>
+              <a:t>andern</a:t>
+            </a:r>
+            <a:r>
+              <a:rPr lang="en-GB" dirty="0">
+                <a:sym typeface="Wingdings" panose="05000000000000000000" pitchFamily="2" charset="2"/>
+              </a:rPr>
+              <a:t> </a:t>
+            </a:r>
+            <a:r>
+              <a:rPr lang="en-GB" dirty="0" err="1">
+                <a:sym typeface="Wingdings" panose="05000000000000000000" pitchFamily="2" charset="2"/>
+              </a:rPr>
+              <a:t>Themengebieten</a:t>
+            </a:r>
+            <a:endParaRPr lang="en-GB" dirty="0">
+              <a:sym typeface="Wingdings" panose="05000000000000000000" pitchFamily="2" charset="2"/>
+            </a:endParaRPr>
+          </a:p>
+          <a:p>
+            <a:pPr marL="171450" indent="-171450">
+              <a:buFont typeface="Wingdings" panose="05000000000000000000" pitchFamily="2" charset="2"/>
+              <a:buChar char="à"/>
+            </a:pPr>
+            <a:endParaRPr lang="en-GB" dirty="0">
+              <a:sym typeface="Wingdings" panose="05000000000000000000" pitchFamily="2" charset="2"/>
+            </a:endParaRPr>
+          </a:p>
+          <a:p>
+            <a:pPr marL="171450" indent="-171450">
+              <a:buFont typeface="Wingdings" panose="05000000000000000000" pitchFamily="2" charset="2"/>
+              <a:buChar char="à"/>
+            </a:pPr>
+            <a:r>
+              <a:rPr lang="en-GB" dirty="0" err="1">
+                <a:sym typeface="Wingdings" panose="05000000000000000000" pitchFamily="2" charset="2"/>
+              </a:rPr>
+              <a:t>Werte</a:t>
+            </a:r>
+            <a:r>
+              <a:rPr lang="en-GB" dirty="0">
+                <a:sym typeface="Wingdings" panose="05000000000000000000" pitchFamily="2" charset="2"/>
+              </a:rPr>
+              <a:t> der </a:t>
+            </a:r>
+            <a:r>
+              <a:rPr lang="en-GB" dirty="0" err="1">
+                <a:sym typeface="Wingdings" panose="05000000000000000000" pitchFamily="2" charset="2"/>
+              </a:rPr>
+              <a:t>Worte</a:t>
+            </a:r>
+            <a:r>
+              <a:rPr lang="en-GB" dirty="0">
+                <a:sym typeface="Wingdings" panose="05000000000000000000" pitchFamily="2" charset="2"/>
+              </a:rPr>
+              <a:t> </a:t>
+            </a:r>
+            <a:r>
+              <a:rPr lang="en-GB" dirty="0" err="1">
+                <a:sym typeface="Wingdings" panose="05000000000000000000" pitchFamily="2" charset="2"/>
+              </a:rPr>
+              <a:t>geben</a:t>
+            </a:r>
+            <a:r>
+              <a:rPr lang="en-GB" dirty="0">
+                <a:sym typeface="Wingdings" panose="05000000000000000000" pitchFamily="2" charset="2"/>
+              </a:rPr>
+              <a:t> den </a:t>
+            </a:r>
+            <a:r>
+              <a:rPr lang="en-GB" dirty="0" err="1">
+                <a:sym typeface="Wingdings" panose="05000000000000000000" pitchFamily="2" charset="2"/>
+              </a:rPr>
+              <a:t>Abstand</a:t>
+            </a:r>
+            <a:r>
+              <a:rPr lang="en-GB" dirty="0">
+                <a:sym typeface="Wingdings" panose="05000000000000000000" pitchFamily="2" charset="2"/>
+              </a:rPr>
+              <a:t> </a:t>
+            </a:r>
+            <a:r>
+              <a:rPr lang="en-GB" dirty="0" err="1">
+                <a:sym typeface="Wingdings" panose="05000000000000000000" pitchFamily="2" charset="2"/>
+              </a:rPr>
+              <a:t>zum</a:t>
+            </a:r>
+            <a:r>
+              <a:rPr lang="en-GB" dirty="0">
+                <a:sym typeface="Wingdings" panose="05000000000000000000" pitchFamily="2" charset="2"/>
+              </a:rPr>
+              <a:t> </a:t>
+            </a:r>
+            <a:r>
+              <a:rPr lang="en-GB" dirty="0" err="1">
+                <a:sym typeface="Wingdings" panose="05000000000000000000" pitchFamily="2" charset="2"/>
+              </a:rPr>
+              <a:t>Hauptgradienten</a:t>
+            </a:r>
+            <a:r>
+              <a:rPr lang="en-GB" dirty="0">
+                <a:sym typeface="Wingdings" panose="05000000000000000000" pitchFamily="2" charset="2"/>
+              </a:rPr>
+              <a:t> </a:t>
+            </a:r>
+          </a:p>
+          <a:p>
+            <a:pPr marL="171450" indent="-171450">
+              <a:buFont typeface="Wingdings" panose="05000000000000000000" pitchFamily="2" charset="2"/>
+              <a:buChar char="à"/>
+            </a:pPr>
+            <a:endParaRPr lang="en-GB" dirty="0">
+              <a:sym typeface="Wingdings" panose="05000000000000000000" pitchFamily="2" charset="2"/>
+            </a:endParaRPr>
+          </a:p>
+          <a:p>
+            <a:pPr marL="171450" indent="-171450">
+              <a:buFont typeface="Wingdings" panose="05000000000000000000" pitchFamily="2" charset="2"/>
+              <a:buChar char="à"/>
+            </a:pPr>
+            <a:r>
+              <a:rPr lang="en-GB" dirty="0">
+                <a:sym typeface="Wingdings" panose="05000000000000000000" pitchFamily="2" charset="2"/>
+              </a:rPr>
+              <a:t>Nur die 15 </a:t>
+            </a:r>
+            <a:r>
+              <a:rPr lang="en-GB" dirty="0" err="1">
+                <a:sym typeface="Wingdings" panose="05000000000000000000" pitchFamily="2" charset="2"/>
+              </a:rPr>
+              <a:t>häufgisten</a:t>
+            </a:r>
+            <a:r>
+              <a:rPr lang="en-GB" dirty="0">
+                <a:sym typeface="Wingdings" panose="05000000000000000000" pitchFamily="2" charset="2"/>
+              </a:rPr>
+              <a:t> </a:t>
+            </a:r>
+            <a:r>
+              <a:rPr lang="en-GB" dirty="0" err="1">
+                <a:sym typeface="Wingdings" panose="05000000000000000000" pitchFamily="2" charset="2"/>
+              </a:rPr>
+              <a:t>Worte</a:t>
+            </a:r>
+            <a:r>
+              <a:rPr lang="en-GB" dirty="0">
+                <a:sym typeface="Wingdings" panose="05000000000000000000" pitchFamily="2" charset="2"/>
+              </a:rPr>
+              <a:t> der clustering </a:t>
+            </a:r>
+            <a:r>
+              <a:rPr lang="en-GB" dirty="0" err="1">
+                <a:sym typeface="Wingdings" panose="05000000000000000000" pitchFamily="2" charset="2"/>
+              </a:rPr>
+              <a:t>hier</a:t>
+            </a:r>
+            <a:r>
+              <a:rPr lang="en-GB" dirty="0">
+                <a:sym typeface="Wingdings" panose="05000000000000000000" pitchFamily="2" charset="2"/>
+              </a:rPr>
+              <a:t> </a:t>
+            </a:r>
+            <a:r>
+              <a:rPr lang="en-GB" dirty="0" err="1">
+                <a:sym typeface="Wingdings" panose="05000000000000000000" pitchFamily="2" charset="2"/>
+              </a:rPr>
+              <a:t>dargestellt</a:t>
+            </a:r>
+            <a:endParaRPr lang="en-GB" dirty="0">
+              <a:sym typeface="Wingdings" panose="05000000000000000000" pitchFamily="2" charset="2"/>
+            </a:endParaRPr>
+          </a:p>
+          <a:p>
+            <a:pPr marL="171450" indent="-171450">
+              <a:buFont typeface="Wingdings" panose="05000000000000000000" pitchFamily="2" charset="2"/>
+              <a:buChar char="à"/>
+            </a:pPr>
+            <a:endParaRPr lang="en-GB" dirty="0">
+              <a:sym typeface="Wingdings" panose="05000000000000000000" pitchFamily="2" charset="2"/>
+            </a:endParaRPr>
+          </a:p>
+          <a:p>
+            <a:pPr marL="0" indent="0">
+              <a:buFont typeface="Wingdings" panose="05000000000000000000" pitchFamily="2" charset="2"/>
+              <a:buNone/>
+            </a:pPr>
+            <a:r>
+              <a:rPr lang="en-GB" dirty="0">
+                <a:sym typeface="Wingdings" panose="05000000000000000000" pitchFamily="2" charset="2"/>
+              </a:rPr>
+              <a:t> </a:t>
+            </a:r>
+          </a:p>
+        </p:txBody>
+      </p:sp>
+      <p:sp>
+        <p:nvSpPr>
+          <p:cNvPr id="4" name="Foliennummernplatzhalter 3"/>
+          <p:cNvSpPr>
+            <a:spLocks noGrp="1"/>
+          </p:cNvSpPr>
+          <p:nvPr>
+            <p:ph type="sldNum" sz="quarter" idx="10"/>
+          </p:nvPr>
+        </p:nvSpPr>
+        <p:spPr/>
+        <p:txBody>
+          <a:bodyPr/>
+          <a:lstStyle/>
+          <a:p>
+            <a:fld id="{06421E1D-4275-499E-B0D8-364853585D3F}" type="slidenum">
+              <a:rPr lang="de-DE" smtClean="0"/>
+              <a:t>14</a:t>
+            </a:fld>
+            <a:endParaRPr lang="de-DE"/>
+          </a:p>
+        </p:txBody>
+      </p:sp>
+    </p:spTree>
+    <p:extLst>
+      <p:ext uri="{BB962C8B-B14F-4D97-AF65-F5344CB8AC3E}">
+        <p14:creationId xmlns:p14="http://schemas.microsoft.com/office/powerpoint/2010/main" val="1441564516"/>
+      </p:ext>
+    </p:extLst>
+  </p:cSld>
+  <p:clrMapOvr>
+    <a:masterClrMapping/>
+  </p:clrMapOvr>
+</p:notes>
+</file>
+
+<file path=ppt/notesSlides/notesSlide14.xml><?xml version="1.0" encoding="utf-8"?>
+<p:notes xmlns:a="http://schemas.openxmlformats.org/drawingml/2006/main" xmlns:r="http://schemas.openxmlformats.org/officeDocument/2006/relationships" xmlns:p="http://schemas.openxmlformats.org/presentationml/2006/main">
+  <p:cSld>
+    <p:spTree>
+      <p:nvGrpSpPr>
+        <p:cNvPr id="1" name=""/>
+        <p:cNvGrpSpPr/>
+        <p:nvPr/>
+      </p:nvGrpSpPr>
+      <p:grpSpPr>
+        <a:xfrm>
+          <a:off x="0" y="0"/>
+          <a:ext cx="0" cy="0"/>
+          <a:chOff x="0" y="0"/>
+          <a:chExt cx="0" cy="0"/>
+        </a:xfrm>
+      </p:grpSpPr>
+      <p:sp>
+        <p:nvSpPr>
+          <p:cNvPr id="2" name="Folienbildplatzhalter 1"/>
+          <p:cNvSpPr>
+            <a:spLocks noGrp="1" noRot="1" noChangeAspect="1"/>
+          </p:cNvSpPr>
+          <p:nvPr>
+            <p:ph type="sldImg"/>
+          </p:nvPr>
+        </p:nvSpPr>
+        <p:spPr/>
+      </p:sp>
+      <p:sp>
+        <p:nvSpPr>
+          <p:cNvPr id="3" name="Notizenplatzhalter 2"/>
+          <p:cNvSpPr>
+            <a:spLocks noGrp="1"/>
+          </p:cNvSpPr>
+          <p:nvPr>
+            <p:ph type="body" idx="1"/>
+          </p:nvPr>
+        </p:nvSpPr>
+        <p:spPr/>
+        <p:txBody>
+          <a:bodyPr/>
+          <a:lstStyle/>
+          <a:p>
+            <a:pPr marL="171450" indent="-171450">
+              <a:buFontTx/>
+              <a:buChar char="-"/>
+            </a:pPr>
+            <a:endParaRPr lang="en-GB" dirty="0"/>
+          </a:p>
+          <a:p>
+            <a:pPr marL="171450" indent="-171450">
+              <a:buFontTx/>
+              <a:buChar char="-"/>
+            </a:pPr>
+            <a:r>
+              <a:rPr lang="en-GB" dirty="0"/>
+              <a:t>K-Means clustering </a:t>
+            </a:r>
+            <a:r>
+              <a:rPr lang="en-GB" dirty="0" err="1"/>
+              <a:t>anwendbar</a:t>
+            </a:r>
+            <a:r>
+              <a:rPr lang="en-GB" dirty="0"/>
+              <a:t>  auf N-</a:t>
+            </a:r>
+            <a:r>
+              <a:rPr lang="en-GB" dirty="0" err="1"/>
+              <a:t>dimensionale</a:t>
+            </a:r>
+            <a:r>
+              <a:rPr lang="en-GB" dirty="0"/>
+              <a:t> </a:t>
+            </a:r>
+            <a:r>
+              <a:rPr lang="en-GB" dirty="0">
+                <a:sym typeface="Wingdings" panose="05000000000000000000" pitchFamily="2" charset="2"/>
+              </a:rPr>
+              <a:t> </a:t>
+            </a:r>
+            <a:r>
+              <a:rPr lang="en-GB" dirty="0" err="1"/>
+              <a:t>Daten</a:t>
+            </a:r>
+            <a:r>
+              <a:rPr lang="en-GB" dirty="0"/>
+              <a:t> </a:t>
+            </a:r>
+            <a:r>
+              <a:rPr lang="en-GB" dirty="0" err="1"/>
+              <a:t>liegen</a:t>
+            </a:r>
+            <a:r>
+              <a:rPr lang="en-GB" dirty="0"/>
+              <a:t> </a:t>
+            </a:r>
+            <a:r>
+              <a:rPr lang="en-GB" dirty="0" err="1"/>
+              <a:t>im</a:t>
+            </a:r>
+            <a:r>
+              <a:rPr lang="en-GB" dirty="0"/>
+              <a:t> n-</a:t>
+            </a:r>
+            <a:r>
+              <a:rPr lang="en-GB" dirty="0" err="1"/>
+              <a:t>dimensionalen</a:t>
+            </a:r>
+            <a:r>
+              <a:rPr lang="en-GB" dirty="0"/>
+              <a:t> </a:t>
+            </a:r>
+            <a:r>
+              <a:rPr lang="en-GB" dirty="0" err="1"/>
+              <a:t>Raum</a:t>
+            </a:r>
+            <a:r>
+              <a:rPr lang="en-GB" dirty="0"/>
+              <a:t> </a:t>
+            </a:r>
+            <a:r>
+              <a:rPr lang="en-GB" dirty="0">
+                <a:sym typeface="Wingdings" panose="05000000000000000000" pitchFamily="2" charset="2"/>
+              </a:rPr>
+              <a:t> Word Matrix</a:t>
+            </a:r>
+            <a:endParaRPr lang="en-GB" dirty="0"/>
+          </a:p>
+          <a:p>
+            <a:pPr marL="171450" indent="-171450">
+              <a:buFontTx/>
+              <a:buChar char="-"/>
+            </a:pPr>
+            <a:endParaRPr lang="en-GB" dirty="0"/>
+          </a:p>
+          <a:p>
+            <a:pPr marL="171450" indent="-171450">
+              <a:buFontTx/>
+              <a:buChar char="-"/>
+            </a:pPr>
+            <a:r>
+              <a:rPr lang="en-GB" dirty="0" err="1"/>
+              <a:t>Auswahl</a:t>
+            </a:r>
+            <a:r>
+              <a:rPr lang="en-GB" dirty="0"/>
+              <a:t> von </a:t>
+            </a:r>
+            <a:r>
+              <a:rPr lang="en-GB" dirty="0" err="1"/>
+              <a:t>Clusterzentern</a:t>
+            </a:r>
+            <a:endParaRPr lang="en-GB" dirty="0"/>
+          </a:p>
+          <a:p>
+            <a:pPr marL="171450" indent="-171450">
+              <a:buFontTx/>
+              <a:buChar char="-"/>
+            </a:pPr>
+            <a:r>
+              <a:rPr lang="en-GB" dirty="0" err="1"/>
+              <a:t>Zuweisung</a:t>
+            </a:r>
+            <a:r>
+              <a:rPr lang="en-GB" dirty="0"/>
+              <a:t> von </a:t>
+            </a:r>
+            <a:r>
+              <a:rPr lang="en-GB" dirty="0" err="1"/>
+              <a:t>Wörtern</a:t>
+            </a:r>
+            <a:r>
+              <a:rPr lang="en-GB" dirty="0"/>
+              <a:t> </a:t>
+            </a:r>
+            <a:r>
+              <a:rPr lang="en-GB" dirty="0" err="1"/>
+              <a:t>zu</a:t>
+            </a:r>
+            <a:r>
+              <a:rPr lang="en-GB" dirty="0"/>
+              <a:t> </a:t>
+            </a:r>
+            <a:r>
+              <a:rPr lang="en-GB" dirty="0" err="1"/>
+              <a:t>einer</a:t>
+            </a:r>
+            <a:r>
+              <a:rPr lang="en-GB" dirty="0"/>
+              <a:t> der 4 </a:t>
+            </a:r>
+            <a:r>
+              <a:rPr lang="en-GB" dirty="0" err="1"/>
+              <a:t>klassen</a:t>
+            </a:r>
+            <a:endParaRPr lang="en-GB" dirty="0"/>
+          </a:p>
+          <a:p>
+            <a:pPr marL="171450" indent="-171450">
+              <a:buFontTx/>
+              <a:buChar char="-"/>
+            </a:pPr>
+            <a:r>
+              <a:rPr lang="en-GB" dirty="0" err="1"/>
+              <a:t>Jedes</a:t>
+            </a:r>
+            <a:r>
+              <a:rPr lang="en-GB" dirty="0"/>
+              <a:t> Wort </a:t>
+            </a:r>
+            <a:r>
+              <a:rPr lang="en-GB" dirty="0" err="1"/>
+              <a:t>wird</a:t>
+            </a:r>
+            <a:r>
+              <a:rPr lang="en-GB" dirty="0"/>
+              <a:t> Cluster </a:t>
+            </a:r>
+            <a:r>
+              <a:rPr lang="en-GB" dirty="0" err="1"/>
+              <a:t>zugeordnet</a:t>
+            </a:r>
+            <a:r>
+              <a:rPr lang="en-GB" dirty="0"/>
+              <a:t>  </a:t>
+            </a:r>
+            <a:r>
+              <a:rPr lang="en-GB" dirty="0">
+                <a:sym typeface="Wingdings" panose="05000000000000000000" pitchFamily="2" charset="2"/>
+              </a:rPr>
+              <a:t> </a:t>
+            </a:r>
+            <a:r>
+              <a:rPr lang="en-GB" dirty="0" err="1">
+                <a:sym typeface="Wingdings" panose="05000000000000000000" pitchFamily="2" charset="2"/>
+              </a:rPr>
+              <a:t>Abstand</a:t>
+            </a:r>
+            <a:r>
+              <a:rPr lang="en-GB" dirty="0">
+                <a:sym typeface="Wingdings" panose="05000000000000000000" pitchFamily="2" charset="2"/>
+              </a:rPr>
+              <a:t> des </a:t>
+            </a:r>
+            <a:r>
+              <a:rPr lang="en-GB" dirty="0" err="1">
+                <a:sym typeface="Wingdings" panose="05000000000000000000" pitchFamily="2" charset="2"/>
+              </a:rPr>
+              <a:t>Wortes</a:t>
+            </a:r>
+            <a:r>
+              <a:rPr lang="en-GB" dirty="0">
+                <a:sym typeface="Wingdings" panose="05000000000000000000" pitchFamily="2" charset="2"/>
+              </a:rPr>
+              <a:t> </a:t>
+            </a:r>
+            <a:r>
+              <a:rPr lang="en-GB" dirty="0" err="1">
+                <a:sym typeface="Wingdings" panose="05000000000000000000" pitchFamily="2" charset="2"/>
+              </a:rPr>
+              <a:t>zum</a:t>
+            </a:r>
+            <a:r>
+              <a:rPr lang="en-GB" dirty="0">
+                <a:sym typeface="Wingdings" panose="05000000000000000000" pitchFamily="2" charset="2"/>
+              </a:rPr>
+              <a:t> </a:t>
+            </a:r>
+            <a:r>
+              <a:rPr lang="en-GB" dirty="0" err="1">
+                <a:sym typeface="Wingdings" panose="05000000000000000000" pitchFamily="2" charset="2"/>
+              </a:rPr>
+              <a:t>Klassenzentrum</a:t>
+            </a:r>
+            <a:r>
+              <a:rPr lang="en-GB" dirty="0">
+                <a:sym typeface="Wingdings" panose="05000000000000000000" pitchFamily="2" charset="2"/>
+              </a:rPr>
+              <a:t> </a:t>
+            </a:r>
+            <a:r>
+              <a:rPr lang="en-GB" dirty="0" err="1">
+                <a:sym typeface="Wingdings" panose="05000000000000000000" pitchFamily="2" charset="2"/>
+              </a:rPr>
+              <a:t>bestimmt</a:t>
+            </a:r>
+            <a:r>
+              <a:rPr lang="en-GB" dirty="0">
+                <a:sym typeface="Wingdings" panose="05000000000000000000" pitchFamily="2" charset="2"/>
+              </a:rPr>
+              <a:t> </a:t>
+            </a:r>
+            <a:r>
+              <a:rPr lang="en-GB" dirty="0" err="1">
+                <a:sym typeface="Wingdings" panose="05000000000000000000" pitchFamily="2" charset="2"/>
+              </a:rPr>
+              <a:t>Zuordnung</a:t>
+            </a:r>
+            <a:endParaRPr lang="en-GB" dirty="0">
+              <a:sym typeface="Wingdings" panose="05000000000000000000" pitchFamily="2" charset="2"/>
+            </a:endParaRPr>
+          </a:p>
+          <a:p>
+            <a:pPr marL="171450" indent="-171450">
+              <a:buFontTx/>
+              <a:buChar char="-"/>
+            </a:pPr>
+            <a:r>
+              <a:rPr lang="en-GB" dirty="0" err="1">
+                <a:sym typeface="Wingdings" panose="05000000000000000000" pitchFamily="2" charset="2"/>
+              </a:rPr>
+              <a:t>Neuberechnung</a:t>
+            </a:r>
+            <a:r>
+              <a:rPr lang="en-GB" dirty="0">
+                <a:sym typeface="Wingdings" panose="05000000000000000000" pitchFamily="2" charset="2"/>
+              </a:rPr>
+              <a:t> </a:t>
+            </a:r>
+            <a:r>
+              <a:rPr lang="en-GB" dirty="0" err="1">
+                <a:sym typeface="Wingdings" panose="05000000000000000000" pitchFamily="2" charset="2"/>
+              </a:rPr>
+              <a:t>Clusterzentrums</a:t>
+            </a:r>
+            <a:endParaRPr lang="en-GB" dirty="0">
+              <a:sym typeface="Wingdings" panose="05000000000000000000" pitchFamily="2" charset="2"/>
+            </a:endParaRPr>
+          </a:p>
+          <a:p>
+            <a:pPr marL="171450" indent="-171450">
+              <a:buFontTx/>
+              <a:buChar char="-"/>
+            </a:pPr>
+            <a:r>
+              <a:rPr lang="en-GB" dirty="0" err="1">
+                <a:sym typeface="Wingdings" panose="05000000000000000000" pitchFamily="2" charset="2"/>
+              </a:rPr>
+              <a:t>Wiederhole</a:t>
+            </a:r>
+            <a:r>
+              <a:rPr lang="en-GB" dirty="0">
+                <a:sym typeface="Wingdings" panose="05000000000000000000" pitchFamily="2" charset="2"/>
+              </a:rPr>
+              <a:t> </a:t>
+            </a:r>
+          </a:p>
+          <a:p>
+            <a:pPr marL="171450" indent="-171450">
+              <a:buFontTx/>
+              <a:buChar char="-"/>
+            </a:pPr>
+            <a:r>
+              <a:rPr lang="en-GB" dirty="0">
+                <a:sym typeface="Wingdings" panose="05000000000000000000" pitchFamily="2" charset="2"/>
+              </a:rPr>
+              <a:t>Bis </a:t>
+            </a:r>
+            <a:r>
+              <a:rPr lang="en-GB" dirty="0" err="1">
+                <a:sym typeface="Wingdings" panose="05000000000000000000" pitchFamily="2" charset="2"/>
+              </a:rPr>
+              <a:t>sich</a:t>
+            </a:r>
+            <a:r>
+              <a:rPr lang="en-GB" dirty="0">
+                <a:sym typeface="Wingdings" panose="05000000000000000000" pitchFamily="2" charset="2"/>
+              </a:rPr>
+              <a:t> </a:t>
+            </a:r>
+            <a:r>
+              <a:rPr lang="en-GB" dirty="0" err="1">
+                <a:sym typeface="Wingdings" panose="05000000000000000000" pitchFamily="2" charset="2"/>
+              </a:rPr>
+              <a:t>clusterzentren</a:t>
+            </a:r>
+            <a:r>
+              <a:rPr lang="en-GB" dirty="0">
+                <a:sym typeface="Wingdings" panose="05000000000000000000" pitchFamily="2" charset="2"/>
+              </a:rPr>
+              <a:t> </a:t>
+            </a:r>
+            <a:r>
+              <a:rPr lang="en-GB" dirty="0" err="1">
+                <a:sym typeface="Wingdings" panose="05000000000000000000" pitchFamily="2" charset="2"/>
+              </a:rPr>
+              <a:t>nicht</a:t>
+            </a:r>
+            <a:r>
+              <a:rPr lang="en-GB" dirty="0">
+                <a:sym typeface="Wingdings" panose="05000000000000000000" pitchFamily="2" charset="2"/>
+              </a:rPr>
+              <a:t> </a:t>
+            </a:r>
+            <a:r>
+              <a:rPr lang="en-GB" dirty="0" err="1">
+                <a:sym typeface="Wingdings" panose="05000000000000000000" pitchFamily="2" charset="2"/>
+              </a:rPr>
+              <a:t>mehr</a:t>
+            </a:r>
+            <a:r>
+              <a:rPr lang="en-GB" dirty="0">
+                <a:sym typeface="Wingdings" panose="05000000000000000000" pitchFamily="2" charset="2"/>
+              </a:rPr>
+              <a:t> </a:t>
+            </a:r>
+            <a:r>
+              <a:rPr lang="en-GB" dirty="0" err="1">
+                <a:sym typeface="Wingdings" panose="05000000000000000000" pitchFamily="2" charset="2"/>
+              </a:rPr>
+              <a:t>ändern</a:t>
+            </a:r>
+            <a:r>
+              <a:rPr lang="en-GB" dirty="0">
+                <a:sym typeface="Wingdings" panose="05000000000000000000" pitchFamily="2" charset="2"/>
+              </a:rPr>
+              <a:t> und die </a:t>
+            </a:r>
+            <a:r>
+              <a:rPr lang="en-GB" dirty="0" err="1">
+                <a:sym typeface="Wingdings" panose="05000000000000000000" pitchFamily="2" charset="2"/>
+              </a:rPr>
+              <a:t>innere</a:t>
+            </a:r>
+            <a:r>
+              <a:rPr lang="en-GB" dirty="0">
+                <a:sym typeface="Wingdings" panose="05000000000000000000" pitchFamily="2" charset="2"/>
+              </a:rPr>
+              <a:t> </a:t>
+            </a:r>
+            <a:r>
+              <a:rPr lang="en-GB" dirty="0" err="1">
+                <a:sym typeface="Wingdings" panose="05000000000000000000" pitchFamily="2" charset="2"/>
+              </a:rPr>
+              <a:t>Varianz</a:t>
+            </a:r>
+            <a:r>
+              <a:rPr lang="en-GB" dirty="0">
+                <a:sym typeface="Wingdings" panose="05000000000000000000" pitchFamily="2" charset="2"/>
+              </a:rPr>
+              <a:t> der Cluster minimal </a:t>
+            </a:r>
+            <a:r>
+              <a:rPr lang="en-GB" dirty="0" err="1">
+                <a:sym typeface="Wingdings" panose="05000000000000000000" pitchFamily="2" charset="2"/>
+              </a:rPr>
+              <a:t>ist</a:t>
+            </a:r>
+            <a:endParaRPr lang="en-GB" dirty="0">
+              <a:sym typeface="Wingdings" panose="05000000000000000000" pitchFamily="2" charset="2"/>
+            </a:endParaRPr>
+          </a:p>
+          <a:p>
+            <a:pPr marL="0" indent="0">
+              <a:buFontTx/>
+              <a:buNone/>
+            </a:pPr>
+            <a:endParaRPr lang="en-GB" b="1" dirty="0">
+              <a:sym typeface="Wingdings" panose="05000000000000000000" pitchFamily="2" charset="2"/>
+            </a:endParaRPr>
+          </a:p>
+          <a:p>
+            <a:pPr marL="171450" marR="0" lvl="0" indent="-171450" algn="l" defTabSz="914400" rtl="0" eaLnBrk="1" fontAlgn="auto" latinLnBrk="0" hangingPunct="1">
+              <a:lnSpc>
+                <a:spcPct val="100000"/>
+              </a:lnSpc>
+              <a:spcBef>
+                <a:spcPts val="0"/>
+              </a:spcBef>
+              <a:spcAft>
+                <a:spcPts val="0"/>
+              </a:spcAft>
+              <a:buClrTx/>
+              <a:buSzTx/>
+              <a:buFontTx/>
+              <a:buChar char="-"/>
+              <a:tabLst/>
+              <a:defRPr/>
+            </a:pPr>
+            <a:r>
+              <a:rPr lang="en-GB" sz="1200" b="1" kern="1200" dirty="0">
+                <a:solidFill>
+                  <a:schemeClr val="tx1"/>
+                </a:solidFill>
+                <a:effectLst/>
+                <a:latin typeface="+mn-lt"/>
+                <a:ea typeface="+mn-ea"/>
+                <a:cs typeface="+mn-cs"/>
+              </a:rPr>
+              <a:t>to find homogeneous groups within our word-publication matrix.</a:t>
+            </a:r>
+            <a:endParaRPr lang="en-GB" b="1" dirty="0"/>
+          </a:p>
+          <a:p>
+            <a:pPr marL="171450" indent="-171450">
+              <a:buFontTx/>
+              <a:buChar char="-"/>
+            </a:pPr>
+            <a:endParaRPr lang="en-GB" dirty="0">
+              <a:sym typeface="Wingdings" panose="05000000000000000000" pitchFamily="2" charset="2"/>
+            </a:endParaRPr>
+          </a:p>
+        </p:txBody>
+      </p:sp>
+      <p:sp>
+        <p:nvSpPr>
+          <p:cNvPr id="4" name="Foliennummernplatzhalter 3"/>
+          <p:cNvSpPr>
+            <a:spLocks noGrp="1"/>
+          </p:cNvSpPr>
+          <p:nvPr>
+            <p:ph type="sldNum" sz="quarter" idx="10"/>
+          </p:nvPr>
+        </p:nvSpPr>
+        <p:spPr/>
+        <p:txBody>
+          <a:bodyPr/>
+          <a:lstStyle/>
+          <a:p>
+            <a:fld id="{06421E1D-4275-499E-B0D8-364853585D3F}" type="slidenum">
+              <a:rPr lang="de-DE" smtClean="0"/>
+              <a:t>15</a:t>
+            </a:fld>
+            <a:endParaRPr lang="de-DE"/>
+          </a:p>
+        </p:txBody>
+      </p:sp>
+    </p:spTree>
+    <p:extLst>
+      <p:ext uri="{BB962C8B-B14F-4D97-AF65-F5344CB8AC3E}">
+        <p14:creationId xmlns:p14="http://schemas.microsoft.com/office/powerpoint/2010/main" val="2363575745"/>
+      </p:ext>
+    </p:extLst>
+  </p:cSld>
+  <p:clrMapOvr>
+    <a:masterClrMapping/>
+  </p:clrMapOvr>
+</p:notes>
+</file>
+
+<file path=ppt/notesSlides/notesSlide15.xml><?xml version="1.0" encoding="utf-8"?>
+<p:notes xmlns:a="http://schemas.openxmlformats.org/drawingml/2006/main" xmlns:r="http://schemas.openxmlformats.org/officeDocument/2006/relationships" xmlns:p="http://schemas.openxmlformats.org/presentationml/2006/main">
+  <p:cSld>
+    <p:spTree>
+      <p:nvGrpSpPr>
+        <p:cNvPr id="1" name=""/>
+        <p:cNvGrpSpPr/>
+        <p:nvPr/>
+      </p:nvGrpSpPr>
+      <p:grpSpPr>
+        <a:xfrm>
+          <a:off x="0" y="0"/>
+          <a:ext cx="0" cy="0"/>
+          <a:chOff x="0" y="0"/>
+          <a:chExt cx="0" cy="0"/>
+        </a:xfrm>
+      </p:grpSpPr>
+      <p:sp>
+        <p:nvSpPr>
+          <p:cNvPr id="2" name="Folienbildplatzhalter 1"/>
+          <p:cNvSpPr>
+            <a:spLocks noGrp="1" noRot="1" noChangeAspect="1"/>
+          </p:cNvSpPr>
+          <p:nvPr>
+            <p:ph type="sldImg"/>
+          </p:nvPr>
+        </p:nvSpPr>
+        <p:spPr/>
+      </p:sp>
+      <p:sp>
+        <p:nvSpPr>
+          <p:cNvPr id="3" name="Notizenplatzhalter 2"/>
+          <p:cNvSpPr>
+            <a:spLocks noGrp="1"/>
+          </p:cNvSpPr>
+          <p:nvPr>
+            <p:ph type="body" idx="1"/>
+          </p:nvPr>
+        </p:nvSpPr>
+        <p:spPr/>
+        <p:txBody>
+          <a:bodyPr/>
+          <a:lstStyle/>
+          <a:p>
+            <a:r>
+              <a:rPr lang="en-GB" sz="1200" kern="1200" dirty="0">
+                <a:solidFill>
+                  <a:schemeClr val="tx1"/>
+                </a:solidFill>
+                <a:effectLst/>
+                <a:latin typeface="+mn-lt"/>
+                <a:ea typeface="+mn-ea"/>
+                <a:cs typeface="+mn-cs"/>
+              </a:rPr>
+              <a:t>1. Media and technology research</a:t>
+            </a:r>
+          </a:p>
+          <a:p>
+            <a:r>
+              <a:rPr lang="en-GB" sz="1200" kern="1200" dirty="0">
+                <a:solidFill>
+                  <a:schemeClr val="tx1"/>
+                </a:solidFill>
+                <a:effectLst/>
+                <a:latin typeface="+mn-lt"/>
+                <a:ea typeface="+mn-ea"/>
+                <a:cs typeface="+mn-cs"/>
+              </a:rPr>
+              <a:t>2. Ecology and landscape research</a:t>
+            </a:r>
+          </a:p>
+          <a:p>
+            <a:r>
+              <a:rPr lang="en-GB" sz="1200" kern="1200" dirty="0">
+                <a:solidFill>
+                  <a:schemeClr val="tx1"/>
+                </a:solidFill>
+                <a:effectLst/>
+                <a:latin typeface="+mn-lt"/>
+                <a:ea typeface="+mn-ea"/>
+                <a:cs typeface="+mn-cs"/>
+              </a:rPr>
+              <a:t>2. Infrastructure research</a:t>
+            </a:r>
+            <a:r>
+              <a:rPr lang="de-DE" sz="1200" kern="1200" dirty="0">
+                <a:solidFill>
+                  <a:schemeClr val="tx1"/>
+                </a:solidFill>
+                <a:effectLst/>
+                <a:latin typeface="+mn-lt"/>
+                <a:ea typeface="+mn-ea"/>
+                <a:cs typeface="+mn-cs"/>
+              </a:rPr>
+              <a:t> </a:t>
+            </a:r>
+            <a:endParaRPr lang="en-GB" sz="1200" kern="1200" dirty="0">
+              <a:solidFill>
+                <a:schemeClr val="tx1"/>
+              </a:solidFill>
+              <a:effectLst/>
+              <a:latin typeface="+mn-lt"/>
+              <a:ea typeface="+mn-ea"/>
+              <a:cs typeface="+mn-cs"/>
+            </a:endParaRPr>
+          </a:p>
+          <a:p>
+            <a:r>
+              <a:rPr lang="en-GB" sz="1200" kern="1200" dirty="0">
+                <a:solidFill>
+                  <a:schemeClr val="tx1"/>
+                </a:solidFill>
+                <a:effectLst/>
+                <a:latin typeface="+mn-lt"/>
+                <a:ea typeface="+mn-ea"/>
+                <a:cs typeface="+mn-cs"/>
+              </a:rPr>
+              <a:t>4. Participation and community</a:t>
+            </a:r>
+          </a:p>
+          <a:p>
+            <a:endParaRPr lang="en-GB" dirty="0"/>
+          </a:p>
+        </p:txBody>
+      </p:sp>
+      <p:sp>
+        <p:nvSpPr>
+          <p:cNvPr id="4" name="Foliennummernplatzhalter 3"/>
+          <p:cNvSpPr>
+            <a:spLocks noGrp="1"/>
+          </p:cNvSpPr>
+          <p:nvPr>
+            <p:ph type="sldNum" sz="quarter" idx="10"/>
+          </p:nvPr>
+        </p:nvSpPr>
+        <p:spPr/>
+        <p:txBody>
+          <a:bodyPr/>
+          <a:lstStyle/>
+          <a:p>
+            <a:fld id="{06421E1D-4275-499E-B0D8-364853585D3F}" type="slidenum">
+              <a:rPr lang="de-DE" smtClean="0"/>
+              <a:t>16</a:t>
+            </a:fld>
+            <a:endParaRPr lang="de-DE"/>
+          </a:p>
+        </p:txBody>
+      </p:sp>
+    </p:spTree>
+    <p:extLst>
+      <p:ext uri="{BB962C8B-B14F-4D97-AF65-F5344CB8AC3E}">
+        <p14:creationId xmlns:p14="http://schemas.microsoft.com/office/powerpoint/2010/main" val="2361452740"/>
       </p:ext>
     </p:extLst>
   </p:cSld>
@@ -4364,6 +7930,18 @@
           <a:bodyPr/>
           <a:lstStyle/>
           <a:p>
+            <a:r>
+              <a:rPr lang="en-GB" sz="1200" u="none" kern="1200" dirty="0">
+                <a:solidFill>
+                  <a:schemeClr val="tx1"/>
+                </a:solidFill>
+                <a:effectLst/>
+                <a:latin typeface="+mn-lt"/>
+                <a:ea typeface="+mn-ea"/>
+                <a:cs typeface="+mn-cs"/>
+              </a:rPr>
+              <a:t>identifies</a:t>
+            </a:r>
             <a:endParaRPr lang="en-GB" dirty="0"/>
           </a:p>
         </p:txBody>
@@ -4485,7 +8063,7 @@
           <a:p>
             <a:fld id="{06421E1D-4275-499E-B0D8-364853585D3F}" type="slidenum">
               <a:rPr lang="de-DE" smtClean="0"/>
-              <a:t>8</a:t>
+              <a:t>7</a:t>
             </a:fld>
             <a:endParaRPr lang="de-DE"/>
           </a:p>
@@ -4662,7 +8240,7 @@
           <a:p>
             <a:fld id="{06421E1D-4275-499E-B0D8-364853585D3F}" type="slidenum">
               <a:rPr lang="de-DE" smtClean="0"/>
-              <a:t>9</a:t>
+              <a:t>8</a:t>
             </a:fld>
             <a:endParaRPr lang="de-DE"/>
           </a:p>
@@ -4777,7 +8355,7 @@
           <a:p>
             <a:fld id="{06421E1D-4275-499E-B0D8-364853585D3F}" type="slidenum">
               <a:rPr lang="de-DE" smtClean="0"/>
-              <a:t>10</a:t>
+              <a:t>9</a:t>
             </a:fld>
             <a:endParaRPr lang="de-DE"/>
           </a:p>
@@ -4841,121 +8419,112 @@
           <a:lstStyle/>
           <a:p>
             <a:r>
-              <a:rPr lang="de-DE" dirty="0"/>
-              <a:t>Wie kommt man dahin </a:t>
-            </a:r>
-            <a:r>
-              <a:rPr lang="de-DE" dirty="0">
-                <a:sym typeface="Wingdings" panose="05000000000000000000" pitchFamily="2" charset="2"/>
-              </a:rPr>
-              <a:t> Word </a:t>
-            </a:r>
-            <a:r>
-              <a:rPr lang="de-DE" dirty="0" err="1">
-                <a:sym typeface="Wingdings" panose="05000000000000000000" pitchFamily="2" charset="2"/>
-              </a:rPr>
-              <a:t>preperation</a:t>
-            </a:r>
-            <a:r>
-              <a:rPr lang="de-DE" dirty="0">
-                <a:sym typeface="Wingdings" panose="05000000000000000000" pitchFamily="2" charset="2"/>
-              </a:rPr>
-              <a:t>: </a:t>
-            </a:r>
-            <a:r>
-              <a:rPr lang="de-DE" dirty="0" err="1">
-                <a:sym typeface="Wingdings" panose="05000000000000000000" pitchFamily="2" charset="2"/>
-              </a:rPr>
-              <a:t>cleaning</a:t>
-            </a:r>
-            <a:r>
-              <a:rPr lang="de-DE" dirty="0">
-                <a:sym typeface="Wingdings" panose="05000000000000000000" pitchFamily="2" charset="2"/>
-              </a:rPr>
-              <a:t> (</a:t>
-            </a:r>
-            <a:r>
-              <a:rPr lang="de-DE" dirty="0" err="1">
-                <a:sym typeface="Wingdings" panose="05000000000000000000" pitchFamily="2" charset="2"/>
-              </a:rPr>
-              <a:t>no</a:t>
-            </a:r>
-            <a:r>
-              <a:rPr lang="de-DE" dirty="0">
-                <a:sym typeface="Wingdings" panose="05000000000000000000" pitchFamily="2" charset="2"/>
+              <a:rPr lang="de-DE" sz="1200" kern="1200" dirty="0">
+                <a:solidFill>
+                  <a:schemeClr val="tx1"/>
+                </a:solidFill>
+                <a:effectLst/>
+                <a:latin typeface="+mn-lt"/>
+                <a:ea typeface="+mn-ea"/>
+                <a:cs typeface="+mn-cs"/>
+              </a:rPr>
+              <a:t>Hier kommt </a:t>
+            </a:r>
+            <a:r>
+              <a:rPr lang="de-DE" sz="1200" kern="1200" dirty="0" err="1">
+                <a:solidFill>
+                  <a:schemeClr val="tx1"/>
+                </a:solidFill>
+                <a:effectLst/>
+                <a:latin typeface="+mn-lt"/>
+                <a:ea typeface="+mn-ea"/>
+                <a:cs typeface="+mn-cs"/>
+              </a:rPr>
+              <a:t>jannes</a:t>
+            </a:r>
+            <a:r>
+              <a:rPr lang="de-DE" sz="1200" kern="1200" dirty="0">
+                <a:solidFill>
+                  <a:schemeClr val="tx1"/>
+                </a:solidFill>
+                <a:effectLst/>
+                <a:latin typeface="+mn-lt"/>
+                <a:ea typeface="+mn-ea"/>
+                <a:cs typeface="+mn-cs"/>
               </a:rPr>
               <a:t> </a:t>
             </a:r>
             <a:r>
-              <a:rPr lang="de-DE" dirty="0" err="1">
-                <a:sym typeface="Wingdings" panose="05000000000000000000" pitchFamily="2" charset="2"/>
-              </a:rPr>
-              <a:t>stopwords</a:t>
-            </a:r>
-            <a:r>
-              <a:rPr lang="de-DE" dirty="0">
-                <a:sym typeface="Wingdings" panose="05000000000000000000" pitchFamily="2" charset="2"/>
-              </a:rPr>
-              <a:t>, and </a:t>
-            </a:r>
-            <a:r>
-              <a:rPr lang="de-DE" dirty="0" err="1">
-                <a:sym typeface="Wingdings" panose="05000000000000000000" pitchFamily="2" charset="2"/>
-              </a:rPr>
-              <a:t>special</a:t>
-            </a:r>
-            <a:r>
-              <a:rPr lang="de-DE" dirty="0">
-                <a:sym typeface="Wingdings" panose="05000000000000000000" pitchFamily="2" charset="2"/>
+              <a:rPr lang="de-DE" sz="1200" kern="1200" dirty="0" err="1">
+                <a:solidFill>
+                  <a:schemeClr val="tx1"/>
+                </a:solidFill>
+                <a:effectLst/>
+                <a:latin typeface="+mn-lt"/>
+                <a:ea typeface="+mn-ea"/>
+                <a:cs typeface="+mn-cs"/>
+              </a:rPr>
+              <a:t>abbildung</a:t>
+            </a:r>
+            <a:r>
+              <a:rPr lang="de-DE" sz="1200" kern="1200" dirty="0">
+                <a:solidFill>
+                  <a:schemeClr val="tx1"/>
+                </a:solidFill>
+                <a:effectLst/>
+                <a:latin typeface="+mn-lt"/>
+                <a:ea typeface="+mn-ea"/>
+                <a:cs typeface="+mn-cs"/>
               </a:rPr>
               <a:t> </a:t>
             </a:r>
             <a:r>
-              <a:rPr lang="de-DE" dirty="0" err="1">
-                <a:sym typeface="Wingdings" panose="05000000000000000000" pitchFamily="2" charset="2"/>
-              </a:rPr>
-              <a:t>char</a:t>
-            </a:r>
-            <a:r>
-              <a:rPr lang="de-DE" dirty="0">
-                <a:sym typeface="Wingdings" panose="05000000000000000000" pitchFamily="2" charset="2"/>
-              </a:rPr>
-              <a:t>)  </a:t>
-            </a:r>
-            <a:r>
-              <a:rPr lang="de-DE" dirty="0" err="1">
-                <a:sym typeface="Wingdings" panose="05000000000000000000" pitchFamily="2" charset="2"/>
-              </a:rPr>
-              <a:t>word</a:t>
-            </a:r>
-            <a:r>
-              <a:rPr lang="de-DE" dirty="0">
-                <a:sym typeface="Wingdings" panose="05000000000000000000" pitchFamily="2" charset="2"/>
-              </a:rPr>
-              <a:t> </a:t>
-            </a:r>
-            <a:r>
-              <a:rPr lang="de-DE" dirty="0" err="1">
-                <a:sym typeface="Wingdings" panose="05000000000000000000" pitchFamily="2" charset="2"/>
-              </a:rPr>
-              <a:t>stemming</a:t>
-            </a:r>
-            <a:endParaRPr lang="de-DE" dirty="0">
-              <a:sym typeface="Wingdings" panose="05000000000000000000" pitchFamily="2" charset="2"/>
+              <a:rPr lang="de-DE" sz="1200" kern="1200" dirty="0" err="1">
+                <a:solidFill>
+                  <a:schemeClr val="tx1"/>
+                </a:solidFill>
+                <a:effectLst/>
+                <a:latin typeface="+mn-lt"/>
+                <a:ea typeface="+mn-ea"/>
+                <a:cs typeface="+mn-cs"/>
+              </a:rPr>
+              <a:t>ciatons</a:t>
+            </a:r>
+            <a:r>
+              <a:rPr lang="de-DE" sz="1200" kern="1200" dirty="0">
+                <a:solidFill>
+                  <a:schemeClr val="tx1"/>
+                </a:solidFill>
+                <a:effectLst/>
+                <a:latin typeface="+mn-lt"/>
+                <a:ea typeface="+mn-ea"/>
+                <a:cs typeface="+mn-cs"/>
+              </a:rPr>
+              <a:t> and </a:t>
+            </a:r>
+            <a:r>
+              <a:rPr lang="de-DE" sz="1200" kern="1200" dirty="0" err="1">
+                <a:solidFill>
+                  <a:schemeClr val="tx1"/>
+                </a:solidFill>
+                <a:effectLst/>
+                <a:latin typeface="+mn-lt"/>
+                <a:ea typeface="+mn-ea"/>
+                <a:cs typeface="+mn-cs"/>
+              </a:rPr>
+              <a:t>pubs</a:t>
+            </a:r>
+            <a:endParaRPr lang="de-DE" sz="1200" kern="1200" dirty="0">
+              <a:solidFill>
+                <a:schemeClr val="tx1"/>
+              </a:solidFill>
+              <a:effectLst/>
+              <a:latin typeface="+mn-lt"/>
+              <a:ea typeface="+mn-ea"/>
+              <a:cs typeface="+mn-cs"/>
             </a:endParaRPr>
           </a:p>
           <a:p>
-            <a:endParaRPr lang="de-DE" dirty="0">
-              <a:sym typeface="Wingdings" panose="05000000000000000000" pitchFamily="2" charset="2"/>
-            </a:endParaRPr>
-          </a:p>
-          <a:p>
-            <a:r>
-              <a:rPr lang="de-DE" dirty="0">
-                <a:sym typeface="Wingdings" panose="05000000000000000000" pitchFamily="2" charset="2"/>
-              </a:rPr>
-              <a:t>Matrix 440 x 4800 Wörtern </a:t>
-            </a:r>
             <a:endParaRPr lang="en-GB" dirty="0"/>
           </a:p>
         </p:txBody>
@@ -4977,7 +8546,7 @@
           <a:p>
             <a:fld id="{06421E1D-4275-499E-B0D8-364853585D3F}" type="slidenum">
               <a:rPr lang="de-DE" smtClean="0"/>
-              <a:t>11</a:t>
+              <a:t>10</a:t>
             </a:fld>
             <a:endParaRPr lang="de-DE"/>
           </a:p>
@@ -4986,7 +8555,7 @@
     </p:spTree>
     <p:extLst>
       <p:ext uri="{BB962C8B-B14F-4D97-AF65-F5344CB8AC3E}">
-        <p14:creationId xmlns:p14="http://schemas.microsoft.com/office/powerpoint/2010/main" val="3240983434"/>
+        <p14:creationId xmlns:p14="http://schemas.microsoft.com/office/powerpoint/2010/main" val="3834684623"/>
       </p:ext>
     </p:extLst>
   </p:cSld>
@@ -5182,7 +8751,7 @@
           <a:p>
             <a:fld id="{CBAED6C8-8876-45A8-8F34-AE1FA7EC4B2C}" type="datetime1">
               <a:rPr lang="en-US" smtClean="0"/>
-              <a:t>11/21/2017</a:t>
+              <a:t>11/22/2017</a:t>
             </a:fld>
             <a:endParaRPr lang="en-US" dirty="0"/>
           </a:p>
@@ -5452,7 +9021,7 @@
           <a:p>
             <a:fld id="{B58901CE-3E3E-4A97-B025-D58BA8DD192A}" type="datetime1">
               <a:rPr lang="en-US" smtClean="0"/>
-              <a:t>11/21/2017</a:t>
+              <a:t>11/22/2017</a:t>
             </a:fld>
             <a:endParaRPr lang="en-US" dirty="0"/>
           </a:p>
@@ -5641,7 +9210,7 @@
           <a:p>
             <a:fld id="{9F8A6F4D-E096-4DFC-BCBE-C565E1193D3B}" type="datetime1">
               <a:rPr lang="en-US" smtClean="0"/>
-              <a:t>11/21/2017</a:t>
+              <a:t>11/22/2017</a:t>
             </a:fld>
             <a:endParaRPr lang="en-US" dirty="0"/>
           </a:p>
@@ -5909,7 +9478,7 @@
           <a:p>
             <a:fld id="{E8B607BF-F00A-451D-B228-CD9A78FF3CBA}" type="datetime1">
               <a:rPr lang="en-US" smtClean="0"/>
-              <a:t>11/21/2017</a:t>
+              <a:t>11/22/2017</a:t>
             </a:fld>
             <a:endParaRPr lang="en-US" dirty="0"/>
           </a:p>
@@ -6245,7 +9814,7 @@
           <a:p>
             <a:fld id="{2101CF4F-ACC2-466D-BCF4-026C0DB15F48}" type="datetime1">
               <a:rPr lang="en-US" smtClean="0"/>
-              <a:t>11/21/2017</a:t>
+              <a:t>11/22/2017</a:t>
             </a:fld>
             <a:endParaRPr lang="en-US" dirty="0"/>
           </a:p>
@@ -6863,7 +10432,7 @@
           <a:p>
             <a:fld id="{C95AA946-6B9F-4D15-82F8-FF9D6A809581}" type="datetime1">
               <a:rPr lang="en-US" smtClean="0"/>
-              <a:t>11/21/2017</a:t>
+              <a:t>11/22/2017</a:t>
             </a:fld>
             <a:endParaRPr lang="en-US" dirty="0"/>
           </a:p>
@@ -7718,7 +11287,7 @@
           <a:p>
             <a:fld id="{3A5D2EF2-542A-439B-88DF-E14992C4608A}" type="datetime1">
               <a:rPr lang="en-US" smtClean="0"/>
-              <a:t>11/21/2017</a:t>
+              <a:t>11/22/2017</a:t>
             </a:fld>
             <a:endParaRPr lang="en-US" dirty="0"/>
           </a:p>
@@ -7883,7 +11452,7 @@
           <a:p>
             <a:fld id="{42CD46F6-5C83-4DE1-A173-5E0C5EDF318F}" type="datetime1">
               <a:rPr lang="en-US" smtClean="0"/>
-              <a:t>11/21/2017</a:t>
+              <a:t>11/22/2017</a:t>
             </a:fld>
             <a:endParaRPr lang="en-US" dirty="0"/>
           </a:p>
@@ -8058,7 +11627,7 @@
           <a:p>
             <a:fld id="{5A275BE4-DB12-48D5-A9E7-081793616B37}" type="datetime1">
               <a:rPr lang="en-US" smtClean="0"/>
-              <a:t>11/21/2017</a:t>
+              <a:t>11/22/2017</a:t>
             </a:fld>
             <a:endParaRPr lang="en-US" dirty="0"/>
           </a:p>
@@ -8223,7 +11792,7 @@
           <a:p>
             <a:fld id="{2E6ADB52-9942-4112-A5F9-032A22E0C7FB}" type="datetime1">
               <a:rPr lang="en-US" smtClean="0"/>
-              <a:t>11/21/2017</a:t>
+              <a:t>11/22/2017</a:t>
             </a:fld>
             <a:endParaRPr lang="en-US" dirty="0"/>
           </a:p>
@@ -8465,7 +12034,7 @@
           <a:p>
             <a:fld id="{691A7BD6-E9AB-4861-8570-1E40781F479D}" type="datetime1">
               <a:rPr lang="en-US" smtClean="0"/>
-              <a:t>11/21/2017</a:t>
+              <a:t>11/22/2017</a:t>
             </a:fld>
             <a:endParaRPr lang="en-US" dirty="0"/>
           </a:p>
@@ -8752,7 +12321,7 @@
           <a:p>
             <a:fld id="{FA29EF2D-1F50-4EA1-909F-C21FE0D01EA3}" type="datetime1">
               <a:rPr lang="en-US" smtClean="0"/>
-              <a:t>11/21/2017</a:t>
+              <a:t>11/22/2017</a:t>
             </a:fld>
             <a:endParaRPr lang="en-US" dirty="0"/>
           </a:p>
@@ -9191,7 +12760,7 @@
           <a:p>
             <a:fld id="{364B8841-E23D-485B-8927-33443F978E11}" type="datetime1">
               <a:rPr lang="en-US" smtClean="0"/>
-              <a:t>11/21/2017</a:t>
+              <a:t>11/22/2017</a:t>
             </a:fld>
             <a:endParaRPr lang="en-US" dirty="0"/>
           </a:p>
@@ -9304,7 +12873,7 @@
           <a:p>
             <a:fld id="{5668A88A-4EC3-496A-B390-60C7FCD44DD1}" type="datetime1">
               <a:rPr lang="en-US" smtClean="0"/>
-              <a:t>11/21/2017</a:t>
+              <a:t>11/22/2017</a:t>
             </a:fld>
             <a:endParaRPr lang="en-US" dirty="0"/>
           </a:p>
@@ -9394,7 +12963,7 @@
           <a:p>
             <a:fld id="{EFF0D5C0-7B25-402B-B14E-3667F799E167}" type="datetime1">
               <a:rPr lang="en-US" smtClean="0"/>
-              <a:t>11/21/2017</a:t>
+              <a:t>11/22/2017</a:t>
             </a:fld>
             <a:endParaRPr lang="en-US" dirty="0"/>
           </a:p>
@@ -9668,7 +13237,7 @@
           <a:p>
             <a:fld id="{D09C2445-26BA-4299-897E-A2FB56B335B9}" type="datetime1">
               <a:rPr lang="en-US" smtClean="0"/>
-              <a:t>11/21/2017</a:t>
+              <a:t>11/22/2017</a:t>
             </a:fld>
             <a:endParaRPr lang="en-US" dirty="0"/>
           </a:p>
@@ -9938,7 +13507,7 @@
           <a:p>
             <a:fld id="{E5CB641D-AF91-4789-AAED-69140FE33BA8}" type="datetime1">
               <a:rPr lang="en-US" smtClean="0"/>
-              <a:t>11/21/2017</a:t>
+              <a:t>11/22/2017</a:t>
             </a:fld>
             <a:endParaRPr lang="en-US" dirty="0"/>
           </a:p>
@@ -10362,7 +13931,7 @@
           <a:p>
             <a:fld id="{7B6E9DA9-3B80-448E-9E07-9CF6E0538B95}" type="datetime1">
               <a:rPr lang="en-US" smtClean="0"/>
-              <a:t>11/21/2017</a:t>
+              <a:t>11/22/2017</a:t>
             </a:fld>
             <a:endParaRPr lang="en-US" dirty="0"/>
           </a:p>
@@ -11060,7 +14629,7 @@
           <a:p>
             <a:r>
               <a:rPr lang="en-GB" dirty="0"/>
-              <a:t>3 Methodology </a:t>
+              <a:t>Results</a:t>
             </a:r>
             <a:br>
               <a:rPr lang="en-GB" dirty="0"/>
@@ -11099,20 +14668,9 @@
               <a:buNone/>
             </a:pPr>
             <a:r>
-              <a:rPr lang="en-GB" b="1" dirty="0"/>
-              <a:t>Literature review &amp; descriptive Analysis</a:t>
-            </a:r>
-          </a:p>
-          <a:p>
-            <a:pPr marL="0" indent="0">
-              <a:buNone/>
-            </a:pPr>
-            <a:endParaRPr lang="de-DE" b="1" dirty="0"/>
-          </a:p>
-          <a:p>
-            <a:pPr marL="0" indent="0">
-              <a:buNone/>
-            </a:pPr>
+              <a:rPr lang="de-DE" b="1" dirty="0"/>
+              <a:t>Review Analysis</a:t>
+            </a:r>
             <a:endParaRPr lang="en-GB" b="1" dirty="0"/>
           </a:p>
         </p:txBody>
@@ -11146,40 +14704,12 @@
           </a:p>
         </p:txBody>
       </p:sp>
-      <p:graphicFrame>
-        <p:nvGraphicFramePr>
-          <p:cNvPr id="5" name="Diagramm 4">
-            <a:extLst>
-              <a:ext uri="{FF2B5EF4-FFF2-40B4-BE49-F238E27FC236}">
-                <a16:creationId xmlns:a16="http://schemas.microsoft.com/office/drawing/2014/main" id="{1EC14FD2-8AEF-4B16-A0BB-AE0DBA5802A4}"/>
-              </a:ext>
-            </a:extLst>
-          </p:cNvPr>
-          <p:cNvGraphicFramePr/>
-          <p:nvPr>
-            <p:extLst>
-              <p:ext uri="{D42A27DB-BD31-4B8C-83A1-F6EECF244321}">
-                <p14:modId xmlns:p14="http://schemas.microsoft.com/office/powerpoint/2010/main" val="3904283507"/>
-              </p:ext>
-            </p:extLst>
-          </p:nvPr>
-        </p:nvGraphicFramePr>
-        <p:xfrm>
-          <a:off x="1406769" y="719666"/>
-          <a:ext cx="10139120" cy="5685616"/>
-        </p:xfrm>
-        <a:graphic>
-          <a:graphicData uri="http://schemas.openxmlformats.org/drawingml/2006/diagram">
-            <dgm:relIds xmlns:dgm="http://schemas.openxmlformats.org/drawingml/2006/diagram" xmlns:r="http://schemas.openxmlformats.org/officeDocument/2006/relationships" r:dm="rId3" r:lo="rId4" r:qs="rId5" r:cs="rId6"/>
-          </a:graphicData>
-        </a:graphic>
-      </p:graphicFrame>
       <p:pic>
         <p:nvPicPr>
           <p:cNvPr id="6" name="Grafik 5">
             <a:extLst>
               <a:ext uri="{FF2B5EF4-FFF2-40B4-BE49-F238E27FC236}">
-                <a16:creationId xmlns:a16="http://schemas.microsoft.com/office/drawing/2014/main" id="{512D0F52-BA99-471E-8D91-590D0901150F}"/>
+                <a16:creationId xmlns:a16="http://schemas.microsoft.com/office/drawing/2014/main" id="{D5DBE647-5274-4CEF-A8BD-4391C1129B7A}"/>
               </a:ext>
             </a:extLst>
           </p:cNvPr>
@@ -11189,146 +14719,155 @@
           <p:nvPr/>
         </p:nvPicPr>
         <p:blipFill>
-          <a:blip r:embed="rId8"/>
+          <a:blip r:embed="rId3"/>
           <a:stretch>
             <a:fillRect/>
           </a:stretch>
         </p:blipFill>
         <p:spPr>
           <a:xfrm>
-            <a:off x="1172615" y="2305682"/>
-            <a:ext cx="2853466" cy="4099600"/>
+            <a:off x="2895600" y="228600"/>
+            <a:ext cx="6400800" cy="6400800"/>
           </a:xfrm>
           <a:prstGeom prst="rect">
             <a:avLst/>
           </a:prstGeom>
         </p:spPr>
       </p:pic>
-      <p:pic>
-        <p:nvPicPr>
-          <p:cNvPr id="8" name="Grafik 7">
+    </p:spTree>
+    <p:extLst>
+      <p:ext uri="{BB962C8B-B14F-4D97-AF65-F5344CB8AC3E}">
+        <p14:creationId xmlns:p14="http://schemas.microsoft.com/office/powerpoint/2010/main" val="4250556289"/>
+      </p:ext>
+    </p:extLst>
+  </p:cSld>
+  <p:clrMapOvr>
+    <a:masterClrMapping/>
+  </p:clrMapOvr>
+</p:sld>
+</file>
+
+<file path=ppt/slides/slide11.xml><?xml version="1.0" encoding="utf-8"?>
+<p:sld xmlns:a="http://schemas.openxmlformats.org/drawingml/2006/main" xmlns:r="http://schemas.openxmlformats.org/officeDocument/2006/relationships" xmlns:p="http://schemas.openxmlformats.org/presentationml/2006/main">
+  <p:cSld>
+    <p:spTree>
+      <p:nvGrpSpPr>
+        <p:cNvPr id="1" name=""/>
+        <p:cNvGrpSpPr/>
+        <p:nvPr/>
+      </p:nvGrpSpPr>
+      <p:grpSpPr>
+        <a:xfrm>
+          <a:off x="0" y="0"/>
+          <a:ext cx="0" cy="0"/>
+          <a:chOff x="0" y="0"/>
+          <a:chExt cx="0" cy="0"/>
+        </a:xfrm>
+      </p:grpSpPr>
+      <p:sp>
+        <p:nvSpPr>
+          <p:cNvPr id="2" name="Titel 1">
             <a:extLst>
               <a:ext uri="{FF2B5EF4-FFF2-40B4-BE49-F238E27FC236}">
-                <a16:creationId xmlns:a16="http://schemas.microsoft.com/office/drawing/2014/main" id="{1E40633E-6024-4133-B2B1-48CFDCC2B0C2}"/>
+                <a16:creationId xmlns:a16="http://schemas.microsoft.com/office/drawing/2014/main" id="{D5CB1A31-FB8B-44D2-9390-68C0B25718AA}"/>
               </a:ext>
             </a:extLst>
           </p:cNvPr>
-          <p:cNvPicPr>
-            <a:picLocks noChangeAspect="1"/>
-          </p:cNvPicPr>
-          <p:nvPr/>
-        </p:nvPicPr>
-        <p:blipFill>
-          <a:blip r:embed="rId9"/>
-          <a:stretch>
-            <a:fillRect/>
-          </a:stretch>
-        </p:blipFill>
-        <p:spPr>
-          <a:xfrm>
-            <a:off x="9117904" y="2982032"/>
-            <a:ext cx="1969813" cy="1967477"/>
-          </a:xfrm>
-          <a:prstGeom prst="rect">
-            <a:avLst/>
-          </a:prstGeom>
-        </p:spPr>
-      </p:pic>
-      <p:pic>
-        <p:nvPicPr>
-          <p:cNvPr id="10" name="Grafik 9">
+          <p:cNvSpPr>
+            <a:spLocks noGrp="1"/>
+          </p:cNvSpPr>
+          <p:nvPr>
+            <p:ph type="title"/>
+          </p:nvPr>
+        </p:nvSpPr>
+        <p:spPr/>
+        <p:txBody>
+          <a:bodyPr/>
+          <a:lstStyle/>
+          <a:p>
+            <a:r>
+              <a:rPr lang="en-GB" dirty="0"/>
+              <a:t>Results</a:t>
+            </a:r>
+            <a:br>
+              <a:rPr lang="en-GB" dirty="0"/>
+            </a:br>
+            <a:endParaRPr lang="en-GB" dirty="0"/>
+          </a:p>
+        </p:txBody>
+      </p:sp>
+      <p:sp>
+        <p:nvSpPr>
+          <p:cNvPr id="3" name="Inhaltsplatzhalter 2">
             <a:extLst>
               <a:ext uri="{FF2B5EF4-FFF2-40B4-BE49-F238E27FC236}">
-                <a16:creationId xmlns:a16="http://schemas.microsoft.com/office/drawing/2014/main" id="{AAED2F77-E83C-423A-AF1C-7FA8E319DD81}"/>
+                <a16:creationId xmlns:a16="http://schemas.microsoft.com/office/drawing/2014/main" id="{D71640E1-0812-4F63-BAF7-60E519003AD0}"/>
               </a:ext>
             </a:extLst>
           </p:cNvPr>
-          <p:cNvPicPr>
-            <a:picLocks noChangeAspect="1"/>
-          </p:cNvPicPr>
-          <p:nvPr/>
-        </p:nvPicPr>
-        <p:blipFill>
-          <a:blip r:embed="rId10"/>
-          <a:stretch>
-            <a:fillRect/>
-          </a:stretch>
-        </p:blipFill>
+          <p:cNvSpPr>
+            <a:spLocks noGrp="1"/>
+          </p:cNvSpPr>
+          <p:nvPr>
+            <p:ph idx="1"/>
+          </p:nvPr>
+        </p:nvSpPr>
         <p:spPr>
           <a:xfrm>
-            <a:off x="10260889" y="4146098"/>
-            <a:ext cx="1494615" cy="1494615"/>
+            <a:off x="646111" y="1737608"/>
+            <a:ext cx="8946541" cy="4195481"/>
           </a:xfrm>
-          <a:prstGeom prst="rect">
-            <a:avLst/>
-          </a:prstGeom>
         </p:spPr>
-      </p:pic>
-      <p:pic>
-        <p:nvPicPr>
-          <p:cNvPr id="12" name="Grafik 11">
+        <p:txBody>
+          <a:bodyPr/>
+          <a:lstStyle/>
+          <a:p>
+            <a:pPr marL="0" indent="0">
+              <a:buNone/>
+            </a:pPr>
+            <a:r>
+              <a:rPr lang="de-DE" b="1" dirty="0"/>
+              <a:t>Review Analysis</a:t>
+            </a:r>
+            <a:endParaRPr lang="en-GB" b="1" dirty="0"/>
+          </a:p>
+        </p:txBody>
+      </p:sp>
+      <p:sp>
+        <p:nvSpPr>
+          <p:cNvPr id="4" name="Foliennummernplatzhalter 3">
             <a:extLst>
               <a:ext uri="{FF2B5EF4-FFF2-40B4-BE49-F238E27FC236}">
-                <a16:creationId xmlns:a16="http://schemas.microsoft.com/office/drawing/2014/main" id="{71A5FEAB-A0AB-40AA-A0E1-3698F0524145}"/>
+                <a16:creationId xmlns:a16="http://schemas.microsoft.com/office/drawing/2014/main" id="{CF3F38D1-BB11-4B0E-9817-ED2E4C68CB1A}"/>
               </a:ext>
             </a:extLst>
           </p:cNvPr>
-          <p:cNvPicPr>
-            <a:picLocks noChangeAspect="1"/>
-          </p:cNvPicPr>
-          <p:nvPr/>
-        </p:nvPicPr>
-        <p:blipFill>
-          <a:blip r:embed="rId11"/>
-          <a:stretch>
-            <a:fillRect/>
-          </a:stretch>
-        </p:blipFill>
-        <p:spPr>
-          <a:xfrm>
-            <a:off x="7692862" y="1709601"/>
-            <a:ext cx="2615930" cy="1825834"/>
-          </a:xfrm>
-          <a:prstGeom prst="rect">
-            <a:avLst/>
-          </a:prstGeom>
-        </p:spPr>
-      </p:pic>
-      <p:pic>
-        <p:nvPicPr>
-          <p:cNvPr id="15" name="Grafik 14">
+          <p:cNvSpPr>
+            <a:spLocks noGrp="1"/>
+          </p:cNvSpPr>
+          <p:nvPr>
+            <p:ph type="sldNum" sz="quarter" idx="12"/>
+          </p:nvPr>
+        </p:nvSpPr>
+        <p:spPr/>
+        <p:txBody>
+          <a:bodyPr/>
+          <a:lstStyle/>
+          <a:p>
+            <a:fld id="{D57F1E4F-1CFF-5643-939E-02111984F565}" type="slidenum">
+              <a:rPr lang="en-US" smtClean="0"/>
+              <a:t>11</a:t>
+            </a:fld>
+            <a:endParaRPr lang="en-US" dirty="0"/>
+          </a:p>
+        </p:txBody>
+      </p:sp>
+      <p:sp>
+        <p:nvSpPr>
+          <p:cNvPr id="11" name="Rechteck 10">
             <a:extLst>
               <a:ext uri="{FF2B5EF4-FFF2-40B4-BE49-F238E27FC236}">
-                <a16:creationId xmlns:a16="http://schemas.microsoft.com/office/drawing/2014/main" id="{0BBDF0EF-8E78-4C62-8669-DFA197D2CE67}"/>
-              </a:ext>
-            </a:extLst>
-          </p:cNvPr>
-          <p:cNvPicPr>
-            <a:picLocks noChangeAspect="1"/>
-          </p:cNvPicPr>
-          <p:nvPr/>
-        </p:nvPicPr>
-        <p:blipFill rotWithShape="1">
-          <a:blip r:embed="rId12"/>
-          <a:srcRect b="21097"/>
-          <a:stretch/>
-        </p:blipFill>
-        <p:spPr>
-          <a:xfrm>
-            <a:off x="3090689" y="1291144"/>
-            <a:ext cx="6391275" cy="5381086"/>
-          </a:xfrm>
-          <a:prstGeom prst="rect">
-            <a:avLst/>
-          </a:prstGeom>
-        </p:spPr>
-      </p:pic>
-      <p:sp>
-        <p:nvSpPr>
-          <p:cNvPr id="16" name="Rechteck 15">
-            <a:extLst>
-              <a:ext uri="{FF2B5EF4-FFF2-40B4-BE49-F238E27FC236}">
-                <a16:creationId xmlns:a16="http://schemas.microsoft.com/office/drawing/2014/main" id="{FF989C48-2B74-4E24-AE17-0B8807AAC71F}"/>
+                <a16:creationId xmlns:a16="http://schemas.microsoft.com/office/drawing/2014/main" id="{D5588D22-6457-4D54-8CA3-1E3EF910E890}"/>
               </a:ext>
             </a:extLst>
           </p:cNvPr>
@@ -11337,15 +14876,15 @@
         </p:nvSpPr>
         <p:spPr>
           <a:xfrm>
-            <a:off x="5710001" y="4664219"/>
-            <a:ext cx="3820630" cy="2110031"/>
+            <a:off x="0" y="0"/>
+            <a:ext cx="12192000" cy="7108166"/>
           </a:xfrm>
           <a:prstGeom prst="rect">
             <a:avLst/>
           </a:prstGeom>
           <a:solidFill>
-            <a:schemeClr val="accent5">
-              <a:lumMod val="50000"/>
+            <a:schemeClr val="accent4">
+              <a:alpha val="88000"/>
             </a:schemeClr>
           </a:solidFill>
           <a:ln>
@@ -11377,10 +14916,43 @@
           </a:p>
         </p:txBody>
       </p:sp>
+      <p:pic>
+        <p:nvPicPr>
+          <p:cNvPr id="9" name="Grafik 8">
+            <a:extLst>
+              <a:ext uri="{FF2B5EF4-FFF2-40B4-BE49-F238E27FC236}">
+                <a16:creationId xmlns:a16="http://schemas.microsoft.com/office/drawing/2014/main" id="{4F6E8F9A-5C67-4E21-B266-2D123300940F}"/>
+              </a:ext>
+            </a:extLst>
+          </p:cNvPr>
+          <p:cNvPicPr>
+            <a:picLocks noChangeAspect="1"/>
+          </p:cNvPicPr>
+          <p:nvPr/>
+        </p:nvPicPr>
+        <p:blipFill>
+          <a:blip r:embed="rId3"/>
+          <a:stretch>
+            <a:fillRect/>
+          </a:stretch>
+        </p:blipFill>
+        <p:spPr>
+          <a:xfrm>
+            <a:off x="1716693" y="146904"/>
+            <a:ext cx="9404724" cy="6564191"/>
+          </a:xfrm>
+          <a:prstGeom prst="rect">
+            <a:avLst/>
+          </a:prstGeom>
+          <a:ln>
+            <a:noFill/>
+          </a:ln>
+        </p:spPr>
+      </p:pic>
     </p:spTree>
     <p:extLst>
       <p:ext uri="{BB962C8B-B14F-4D97-AF65-F5344CB8AC3E}">
-        <p14:creationId xmlns:p14="http://schemas.microsoft.com/office/powerpoint/2010/main" val="1784036281"/>
+        <p14:creationId xmlns:p14="http://schemas.microsoft.com/office/powerpoint/2010/main" val="1719614322"/>
       </p:ext>
     </p:extLst>
   </p:cSld>
@@ -11408,108 +14980,20 @@
                             </p:stCondLst>
                             <p:childTnLst>
                               <p:par>
-                                <p:cTn id="5" presetID="10" presetClass="exit" presetSubtype="0" fill="hold" grpId="0" nodeType="clickEffect">
-                                  <p:stCondLst>
-                                    <p:cond delay="0"/>
-                                  </p:stCondLst>
-                                  <p:childTnLst>
-                                    <p:animEffect transition="out" filter="fade">
-                                      <p:cBhvr>
-                                        <p:cTn id="6" dur="500"/>
-                                        <p:tgtEl>
-                                          <p:spTgt spid="16"/>
-                                        </p:tgtEl>
-                                      </p:cBhvr>
-                                    </p:animEffect>
-                                    <p:set>
-                                      <p:cBhvr>
-                                        <p:cTn id="7" dur="1" fill="hold">
-                                          <p:stCondLst>
-                                            <p:cond delay="499"/>
-                                          </p:stCondLst>
-                                        </p:cTn>
-                                        <p:tgtEl>
-                                          <p:spTgt spid="16"/>
-                                        </p:tgtEl>
-                                        <p:attrNameLst>
-                                          <p:attrName>style.visibility</p:attrName>
-                                        </p:attrNameLst>
-                                      </p:cBhvr>
-                                      <p:to>
-                                        <p:strVal val="hidden"/>
-                                      </p:to>
-                                    </p:set>
-                                  </p:childTnLst>
-                                </p:cTn>
-                              </p:par>
-                              <p:par>
-                                <p:cTn id="8" presetID="10" presetClass="exit" presetSubtype="0" fill="hold" nodeType="withEffect">
-                                  <p:stCondLst>
-                                    <p:cond delay="0"/>
-                                  </p:stCondLst>
-                                  <p:childTnLst>
-                                    <p:animEffect transition="out" filter="fade">
-                                      <p:cBhvr>
-                                        <p:cTn id="9" dur="500"/>
-                                        <p:tgtEl>
-                                          <p:spTgt spid="15"/>
-                                        </p:tgtEl>
-                                      </p:cBhvr>
-                                    </p:animEffect>
-                                    <p:set>
-                                      <p:cBhvr>
-                                        <p:cTn id="10" dur="1" fill="hold">
-                                          <p:stCondLst>
-                                            <p:cond delay="499"/>
-                                          </p:stCondLst>
-                                        </p:cTn>
-                                        <p:tgtEl>
-                                          <p:spTgt spid="15"/>
-                                        </p:tgtEl>
-                                        <p:attrNameLst>
-                                          <p:attrName>style.visibility</p:attrName>
-                                        </p:attrNameLst>
-                                      </p:cBhvr>
-                                      <p:to>
-                                        <p:strVal val="hidden"/>
-                                      </p:to>
-                                    </p:set>
-                                  </p:childTnLst>
-                                </p:cTn>
-                              </p:par>
-                            </p:childTnLst>
-                          </p:cTn>
-                        </p:par>
-                      </p:childTnLst>
-                    </p:cTn>
-                  </p:par>
-                  <p:par>
-                    <p:cTn id="11" fill="hold">
-                      <p:stCondLst>
-                        <p:cond delay="indefinite"/>
-                      </p:stCondLst>
-                      <p:childTnLst>
-                        <p:par>
-                          <p:cTn id="12" fill="hold">
-                            <p:stCondLst>
-                              <p:cond delay="0"/>
-                            </p:stCondLst>
-                            <p:childTnLst>
-                              <p:par>
-                                <p:cTn id="13" presetID="42" presetClass="entr" presetSubtype="0" fill="hold" nodeType="clickEffect">
+                                <p:cTn id="5" presetID="1" presetClass="entr" presetSubtype="0" fill="hold" nodeType="clickEffect">
                                   <p:stCondLst>
                                     <p:cond delay="0"/>
                                   </p:stCondLst>
                                   <p:childTnLst>
                                     <p:set>
                                       <p:cBhvr>
-                                        <p:cTn id="14" dur="1" fill="hold">
+                                        <p:cTn id="6" dur="1" fill="hold">
                                           <p:stCondLst>
                                             <p:cond delay="0"/>
                                           </p:stCondLst>
                                         </p:cTn>
                                         <p:tgtEl>
-                                          <p:spTgt spid="6"/>
+                                          <p:spTgt spid="9"/>
                                         </p:tgtEl>
                                         <p:attrNameLst>
                                           <p:attrName>style.visibility</p:attrName>
@@ -11519,96 +15003,24 @@
                                         <p:strVal val="visible"/>
                                       </p:to>
                                     </p:set>
-                                    <p:animEffect transition="in" filter="fade">
-                                      <p:cBhvr>
-                                        <p:cTn id="15" dur="1000"/>
-                                        <p:tgtEl>
-                                          <p:spTgt spid="6"/>
-                                        </p:tgtEl>
-                                      </p:cBhvr>
-                                    </p:animEffect>
-                                    <p:anim calcmode="lin" valueType="num">
-                                      <p:cBhvr>
-                                        <p:cTn id="16" dur="1000" fill="hold"/>
-                                        <p:tgtEl>
-                                          <p:spTgt spid="6"/>
-                                        </p:tgtEl>
-                                        <p:attrNameLst>
-                                          <p:attrName>ppt_x</p:attrName>
-                                        </p:attrNameLst>
-                                      </p:cBhvr>
-                                      <p:tavLst>
-                                        <p:tav tm="0">
-                                          <p:val>
-                                            <p:strVal val="#ppt_x"/>
-                                          </p:val>
-                                        </p:tav>
-                                        <p:tav tm="100000">
-                                          <p:val>
-                                            <p:strVal val="#ppt_x"/>
-                                          </p:val>
-                                        </p:tav>
-                                      </p:tavLst>
-                                    </p:anim>
-                                    <p:anim calcmode="lin" valueType="num">
-                                      <p:cBhvr>
-                                        <p:cTn id="17" dur="1000" fill="hold"/>
-                                        <p:tgtEl>
-                                          <p:spTgt spid="6"/>
-                                        </p:tgtEl>
-                                        <p:attrNameLst>
-                                          <p:attrName>ppt_y</p:attrName>
-                                        </p:attrNameLst>
-                                      </p:cBhvr>
-                                      <p:tavLst>
-                                        <p:tav tm="0">
-                                          <p:val>
-                                            <p:strVal val="#ppt_y+.1"/>
-                                          </p:val>
-                                        </p:tav>
-                                        <p:tav tm="100000">
-                                          <p:val>
-                                            <p:strVal val="#ppt_y"/>
-                                          </p:val>
-                                        </p:tav>
-                                      </p:tavLst>
-                                    </p:anim>
                                   </p:childTnLst>
                                 </p:cTn>
                               </p:par>
-                            </p:childTnLst>
-                          </p:cTn>
-                        </p:par>
-                      </p:childTnLst>
-                    </p:cTn>
-                  </p:par>
-                  <p:par>
-                    <p:cTn id="18" fill="hold">
-                      <p:stCondLst>
-                        <p:cond delay="indefinite"/>
-                      </p:stCondLst>
-                      <p:childTnLst>
-                        <p:par>
-                          <p:cTn id="19" fill="hold">
-                            <p:stCondLst>
-                              <p:cond delay="0"/>
-                            </p:stCondLst>
-                            <p:childTnLst>
                               <p:par>
-                                <p:cTn id="20" presetID="42" presetClass="entr" presetSubtype="0" fill="hold" nodeType="clickEffect">
+                                <p:cTn id="7" presetID="1" presetClass="entr" presetSubtype="0" fill="hold" grpId="0" nodeType="withEffect">
                                   <p:stCondLst>
                                     <p:cond delay="0"/>
                                   </p:stCondLst>
                                   <p:childTnLst>
                                     <p:set>
                                       <p:cBhvr>
-                                        <p:cTn id="21" dur="1" fill="hold">
+                                        <p:cTn id="8" dur="1" fill="hold">
                                           <p:stCondLst>
                                             <p:cond delay="0"/>
                                           </p:stCondLst>
                                         </p:cTn>
                                         <p:tgtEl>
-                                          <p:spTgt spid="10"/>
+                                          <p:spTgt spid="11"/>
                                         </p:tgtEl>
                                         <p:attrNameLst>
                                           <p:attrName>style.visibility</p:attrName>
@@ -11618,222 +15030,6 @@
                                         <p:strVal val="visible"/>
                                       </p:to>
                                     </p:set>
-                                    <p:animEffect transition="in" filter="fade">
-                                      <p:cBhvr>
-                                        <p:cTn id="22" dur="1000"/>
-                                        <p:tgtEl>
-                                          <p:spTgt spid="10"/>
-                                        </p:tgtEl>
-                                      </p:cBhvr>
-                                    </p:animEffect>
-                                    <p:anim calcmode="lin" valueType="num">
-                                      <p:cBhvr>
-                                        <p:cTn id="23" dur="1000" fill="hold"/>
-                                        <p:tgtEl>
-                                          <p:spTgt spid="10"/>
-                                        </p:tgtEl>
-                                        <p:attrNameLst>
-                                          <p:attrName>ppt_x</p:attrName>
-                                        </p:attrNameLst>
-                                      </p:cBhvr>
-                                      <p:tavLst>
-                                        <p:tav tm="0">
-                                          <p:val>
-                                            <p:strVal val="#ppt_x"/>
-                                          </p:val>
-                                        </p:tav>
-                                        <p:tav tm="100000">
-                                          <p:val>
-                                            <p:strVal val="#ppt_x"/>
-                                          </p:val>
-                                        </p:tav>
-                                      </p:tavLst>
-                                    </p:anim>
-                                    <p:anim calcmode="lin" valueType="num">
-                                      <p:cBhvr>
-                                        <p:cTn id="24" dur="1000" fill="hold"/>
-                                        <p:tgtEl>
-                                          <p:spTgt spid="10"/>
-                                        </p:tgtEl>
-                                        <p:attrNameLst>
-                                          <p:attrName>ppt_y</p:attrName>
-                                        </p:attrNameLst>
-                                      </p:cBhvr>
-                                      <p:tavLst>
-                                        <p:tav tm="0">
-                                          <p:val>
-                                            <p:strVal val="#ppt_y+.1"/>
-                                          </p:val>
-                                        </p:tav>
-                                        <p:tav tm="100000">
-                                          <p:val>
-                                            <p:strVal val="#ppt_y"/>
-                                          </p:val>
-                                        </p:tav>
-                                      </p:tavLst>
-                                    </p:anim>
-                                  </p:childTnLst>
-                                </p:cTn>
-                              </p:par>
-                              <p:par>
-                                <p:cTn id="25" presetID="42" presetClass="entr" presetSubtype="0" fill="hold" nodeType="withEffect">
-                                  <p:stCondLst>
-                                    <p:cond delay="0"/>
-                                  </p:stCondLst>
-                                  <p:childTnLst>
-                                    <p:set>
-                                      <p:cBhvr>
-                                        <p:cTn id="26" dur="1" fill="hold">
-                                          <p:stCondLst>
-                                            <p:cond delay="0"/>
-                                          </p:stCondLst>
-                                        </p:cTn>
-                                        <p:tgtEl>
-                                          <p:spTgt spid="8"/>
-                                        </p:tgtEl>
-                                        <p:attrNameLst>
-                                          <p:attrName>style.visibility</p:attrName>
-                                        </p:attrNameLst>
-                                      </p:cBhvr>
-                                      <p:to>
-                                        <p:strVal val="visible"/>
-                                      </p:to>
-                                    </p:set>
-                                    <p:animEffect transition="in" filter="fade">
-                                      <p:cBhvr>
-                                        <p:cTn id="27" dur="1000"/>
-                                        <p:tgtEl>
-                                          <p:spTgt spid="8"/>
-                                        </p:tgtEl>
-                                      </p:cBhvr>
-                                    </p:animEffect>
-                                    <p:anim calcmode="lin" valueType="num">
-                                      <p:cBhvr>
-                                        <p:cTn id="28" dur="1000" fill="hold"/>
-                                        <p:tgtEl>
-                                          <p:spTgt spid="8"/>
-                                        </p:tgtEl>
-                                        <p:attrNameLst>
-                                          <p:attrName>ppt_x</p:attrName>
-                                        </p:attrNameLst>
-                                      </p:cBhvr>
-                                      <p:tavLst>
-                                        <p:tav tm="0">
-                                          <p:val>
-                                            <p:strVal val="#ppt_x"/>
-                                          </p:val>
-                                        </p:tav>
-                                        <p:tav tm="100000">
-                                          <p:val>
-                                            <p:strVal val="#ppt_x"/>
-                                          </p:val>
-                                        </p:tav>
-                                      </p:tavLst>
-                                    </p:anim>
-                                    <p:anim calcmode="lin" valueType="num">
-                                      <p:cBhvr>
-                                        <p:cTn id="29" dur="1000" fill="hold"/>
-                                        <p:tgtEl>
-                                          <p:spTgt spid="8"/>
-                                        </p:tgtEl>
-                                        <p:attrNameLst>
-                                          <p:attrName>ppt_y</p:attrName>
-                                        </p:attrNameLst>
-                                      </p:cBhvr>
-                                      <p:tavLst>
-                                        <p:tav tm="0">
-                                          <p:val>
-                                            <p:strVal val="#ppt_y+.1"/>
-                                          </p:val>
-                                        </p:tav>
-                                        <p:tav tm="100000">
-                                          <p:val>
-                                            <p:strVal val="#ppt_y"/>
-                                          </p:val>
-                                        </p:tav>
-                                      </p:tavLst>
-                                    </p:anim>
-                                  </p:childTnLst>
-                                </p:cTn>
-                              </p:par>
-                              <p:par>
-                                <p:cTn id="30" presetID="42" presetClass="entr" presetSubtype="0" fill="hold" nodeType="withEffect">
-                                  <p:stCondLst>
-                                    <p:cond delay="0"/>
-                                  </p:stCondLst>
-                                  <p:childTnLst>
-                                    <p:set>
-                                      <p:cBhvr>
-                                        <p:cTn id="31" dur="1" fill="hold">
-                                          <p:stCondLst>
-                                            <p:cond delay="0"/>
-                                          </p:stCondLst>
-                                        </p:cTn>
-                                        <p:tgtEl>
-                                          <p:spTgt spid="12"/>
-                                        </p:tgtEl>
-                                        <p:attrNameLst>
-                                          <p:attrName>style.visibility</p:attrName>
-                                        </p:attrNameLst>
-                                      </p:cBhvr>
-                                      <p:to>
-                                        <p:strVal val="visible"/>
-                                      </p:to>
-                                    </p:set>
-                                    <p:animEffect transition="in" filter="fade">
-                                      <p:cBhvr>
-                                        <p:cTn id="32" dur="1000"/>
-                                        <p:tgtEl>
-                                          <p:spTgt spid="12"/>
-                                        </p:tgtEl>
-                                      </p:cBhvr>
-                                    </p:animEffect>
-                                    <p:anim calcmode="lin" valueType="num">
-                                      <p:cBhvr>
-                                        <p:cTn id="33" dur="1000" fill="hold"/>
-                                        <p:tgtEl>
-                                          <p:spTgt spid="12"/>
-                                        </p:tgtEl>
-                                        <p:attrNameLst>
-                                          <p:attrName>ppt_x</p:attrName>
-                                        </p:attrNameLst>
-                                      </p:cBhvr>
-                                      <p:tavLst>
-                                        <p:tav tm="0">
-                                          <p:val>
-                                            <p:strVal val="#ppt_x"/>
-                                          </p:val>
-                                        </p:tav>
-                                        <p:tav tm="100000">
-                                          <p:val>
-                                            <p:strVal val="#ppt_x"/>
-                                          </p:val>
-                                        </p:tav>
-                                      </p:tavLst>
-                                    </p:anim>
-                                    <p:anim calcmode="lin" valueType="num">
-                                      <p:cBhvr>
-                                        <p:cTn id="34" dur="1000" fill="hold"/>
-                                        <p:tgtEl>
-                                          <p:spTgt spid="12"/>
-                                        </p:tgtEl>
-                                        <p:attrNameLst>
-                                          <p:attrName>ppt_y</p:attrName>
-                                        </p:attrNameLst>
-                                      </p:cBhvr>
-                                      <p:tavLst>
-                                        <p:tav tm="0">
-                                          <p:val>
-                                            <p:strVal val="#ppt_y+.1"/>
-                                          </p:val>
-                                        </p:tav>
-                                        <p:tav tm="100000">
-                                          <p:val>
-                                            <p:strVal val="#ppt_y"/>
-                                          </p:val>
-                                        </p:tav>
-                                      </p:tavLst>
-                                    </p:anim>
                                   </p:childTnLst>
                                 </p:cTn>
                               </p:par>
@@ -11865,13 +15061,13 @@
       </p:par>
     </p:tnLst>
     <p:bldLst>
-      <p:bldP spid="16" grpId="0" animBg="1"/>
+      <p:bldP spid="11" grpId="0" animBg="1"/>
     </p:bldLst>
   </p:timing>
 </p:sld>
 </file>
 
-<file path=ppt/slides/slide11.xml><?xml version="1.0" encoding="utf-8"?>
+<file path=ppt/slides/slide12.xml><?xml version="1.0" encoding="utf-8"?>
 <p:sld xmlns:a="http://schemas.openxmlformats.org/drawingml/2006/main" xmlns:r="http://schemas.openxmlformats.org/officeDocument/2006/relationships" xmlns:p="http://schemas.openxmlformats.org/presentationml/2006/main">
   <p:cSld>
     <p:spTree>
@@ -11946,8 +15142,16 @@
               <a:buNone/>
             </a:pPr>
             <a:r>
+              <a:rPr lang="de-DE" b="1" dirty="0" err="1"/>
+              <a:t>Textcleaning</a:t>
+            </a:r>
+            <a:r>
               <a:rPr lang="de-DE" b="1" dirty="0"/>
-              <a:t>Word Matrix &amp; Ordination: </a:t>
+              <a:t> &amp; Word </a:t>
+            </a:r>
+            <a:r>
+              <a:rPr lang="de-DE" b="1" dirty="0" err="1"/>
+              <a:t>matrix</a:t>
             </a:r>
             <a:endParaRPr lang="en-GB" b="1" dirty="0"/>
           </a:p>
@@ -11976,7 +15180,7 @@
           <a:p>
             <a:fld id="{D57F1E4F-1CFF-5643-939E-02111984F565}" type="slidenum">
               <a:rPr lang="en-US" smtClean="0"/>
-              <a:t>11</a:t>
+              <a:t>12</a:t>
             </a:fld>
             <a:endParaRPr lang="en-US" dirty="0"/>
           </a:p>
@@ -11984,10 +15188,10 @@
       </p:sp>
       <p:graphicFrame>
         <p:nvGraphicFramePr>
-          <p:cNvPr id="5" name="Inhaltsplatzhalter 12">
+          <p:cNvPr id="10" name="Inhaltsplatzhalter 12">
             <a:extLst>
               <a:ext uri="{FF2B5EF4-FFF2-40B4-BE49-F238E27FC236}">
-                <a16:creationId xmlns:a16="http://schemas.microsoft.com/office/drawing/2014/main" id="{4A54FE8F-0D82-4263-9702-97C560D920A5}"/>
+                <a16:creationId xmlns:a16="http://schemas.microsoft.com/office/drawing/2014/main" id="{0B383D7C-B055-4A99-9525-5DE6A89C0FE4}"/>
               </a:ext>
             </a:extLst>
           </p:cNvPr>
@@ -11997,13 +15201,13 @@
           <p:nvPr>
             <p:extLst>
               <p:ext uri="{D42A27DB-BD31-4B8C-83A1-F6EECF244321}">
-                <p14:modId xmlns:p14="http://schemas.microsoft.com/office/powerpoint/2010/main" val="3568595881"/>
+                <p14:modId xmlns:p14="http://schemas.microsoft.com/office/powerpoint/2010/main" val="3423138510"/>
               </p:ext>
             </p:extLst>
           </p:nvPr>
         </p:nvGraphicFramePr>
         <p:xfrm>
-          <a:off x="1898538" y="1968877"/>
+          <a:off x="1278278" y="1924003"/>
           <a:ext cx="9074262" cy="4626864"/>
         </p:xfrm>
         <a:graphic>
@@ -13315,12 +16519,12 @@
                         </a:spcAft>
                       </a:pPr>
                       <a:r>
-                        <a:rPr lang="de-DE" sz="2400">
+                        <a:rPr lang="de-DE" sz="2400" dirty="0">
                           <a:effectLst/>
                         </a:rPr>
                         <a:t>0</a:t>
                       </a:r>
-                      <a:endParaRPr lang="de-DE" sz="2400">
+                      <a:endParaRPr lang="de-DE" sz="2400" dirty="0">
                         <a:effectLst/>
                         <a:latin typeface="Calibri"/>
                         <a:ea typeface="Calibri"/>
@@ -13680,12 +16884,12 @@
                         </a:spcAft>
                       </a:pPr>
                       <a:r>
-                        <a:rPr lang="de-DE" sz="2400">
+                        <a:rPr lang="de-DE" sz="2400" dirty="0">
                           <a:effectLst/>
                         </a:rPr>
                         <a:t>0</a:t>
                       </a:r>
-                      <a:endParaRPr lang="de-DE" sz="2400">
+                      <a:endParaRPr lang="de-DE" sz="2400" dirty="0">
                         <a:effectLst/>
                         <a:latin typeface="Calibri"/>
                         <a:ea typeface="Calibri"/>
@@ -14453,7 +17657,7 @@
                         <a:rPr lang="de-DE" sz="2400" dirty="0">
                           <a:effectLst/>
                         </a:rPr>
-                        <a:t>0</a:t>
+                        <a:t>2</a:t>
                       </a:r>
                       <a:endParaRPr lang="de-DE" sz="2400" dirty="0">
                         <a:effectLst/>
@@ -14640,10 +17844,10 @@
       </p:graphicFrame>
       <p:pic>
         <p:nvPicPr>
-          <p:cNvPr id="6" name="Inhaltsplatzhalter 4">
+          <p:cNvPr id="11" name="Inhaltsplatzhalter 4">
             <a:extLst>
               <a:ext uri="{FF2B5EF4-FFF2-40B4-BE49-F238E27FC236}">
-                <a16:creationId xmlns:a16="http://schemas.microsoft.com/office/drawing/2014/main" id="{BF456821-3D08-4479-BE53-DEA8C3DB7170}"/>
+                <a16:creationId xmlns:a16="http://schemas.microsoft.com/office/drawing/2014/main" id="{0AD76B27-614D-4975-872A-9425EA1D4F1A}"/>
               </a:ext>
             </a:extLst>
           </p:cNvPr>
@@ -14673,58 +17877,6 @@
           </a:prstGeom>
         </p:spPr>
       </p:pic>
-      <p:sp>
-        <p:nvSpPr>
-          <p:cNvPr id="9" name="Rechteck 8">
-            <a:extLst>
-              <a:ext uri="{FF2B5EF4-FFF2-40B4-BE49-F238E27FC236}">
-                <a16:creationId xmlns:a16="http://schemas.microsoft.com/office/drawing/2014/main" id="{32E06E7A-B04C-4863-B10B-F281A28C7749}"/>
-              </a:ext>
-            </a:extLst>
-          </p:cNvPr>
-          <p:cNvSpPr/>
-          <p:nvPr/>
-        </p:nvSpPr>
-        <p:spPr>
-          <a:xfrm>
-            <a:off x="-27914" y="0"/>
-            <a:ext cx="12380939" cy="6858000"/>
-          </a:xfrm>
-          <a:prstGeom prst="rect">
-            <a:avLst/>
-          </a:prstGeom>
-          <a:solidFill>
-            <a:schemeClr val="tx2">
-              <a:lumMod val="75000"/>
-              <a:alpha val="67000"/>
-            </a:schemeClr>
-          </a:solidFill>
-        </p:spPr>
-        <p:style>
-          <a:lnRef idx="2">
-            <a:schemeClr val="accent1">
-              <a:shade val="50000"/>
-            </a:schemeClr>
-          </a:lnRef>
-          <a:fillRef idx="1">
-            <a:schemeClr val="accent1"/>
-          </a:fillRef>
-          <a:effectRef idx="0">
-            <a:schemeClr val="accent1"/>
-          </a:effectRef>
-          <a:fontRef idx="minor">
-            <a:schemeClr val="lt1"/>
-          </a:fontRef>
-        </p:style>
-        <p:txBody>
-          <a:bodyPr rtlCol="0" anchor="ctr"/>
-          <a:lstStyle/>
-          <a:p>
-            <a:pPr algn="ctr"/>
-            <a:endParaRPr lang="en-GB"/>
-          </a:p>
-        </p:txBody>
-      </p:sp>
       <p:pic>
         <p:nvPicPr>
           <p:cNvPr id="8" name="Grafik 7">
@@ -14741,13 +17893,13 @@
         </p:nvPicPr>
         <p:blipFill rotWithShape="1">
           <a:blip r:embed="rId4"/>
-          <a:srcRect l="41272" t="46268" r="3930"/>
+          <a:srcRect l="42474" t="44952" r="5651" b="-44952"/>
           <a:stretch/>
         </p:blipFill>
         <p:spPr>
           <a:xfrm>
-            <a:off x="4039640" y="1508693"/>
-            <a:ext cx="4056894" cy="4626864"/>
+            <a:off x="3973032" y="1924003"/>
+            <a:ext cx="3899141" cy="8020457"/>
           </a:xfrm>
           <a:prstGeom prst="rect">
             <a:avLst/>
@@ -14785,7 +17937,7 @@
                             </p:stCondLst>
                             <p:childTnLst>
                               <p:par>
-                                <p:cTn id="5" presetID="22" presetClass="exit" presetSubtype="4" fill="hold" grpId="0" nodeType="clickEffect">
+                                <p:cTn id="5" presetID="22" presetClass="exit" presetSubtype="4" fill="hold" nodeType="clickEffect">
                                   <p:stCondLst>
                                     <p:cond delay="0"/>
                                   </p:stCondLst>
@@ -14794,48 +17946,13 @@
                                       <p:cBhvr>
                                         <p:cTn id="6" dur="500"/>
                                         <p:tgtEl>
-                                          <p:spTgt spid="9"/>
+                                          <p:spTgt spid="8"/>
                                         </p:tgtEl>
                                       </p:cBhvr>
                                     </p:animEffect>
                                     <p:set>
                                       <p:cBhvr>
                                         <p:cTn id="7" dur="1" fill="hold">
-                                          <p:stCondLst>
-                                            <p:cond delay="499"/>
-                                          </p:stCondLst>
-                                        </p:cTn>
-                                        <p:tgtEl>
-                                          <p:spTgt spid="9"/>
-                                        </p:tgtEl>
-                                        <p:attrNameLst>
-                                          <p:attrName>style.visibility</p:attrName>
-                                        </p:attrNameLst>
-                                      </p:cBhvr>
-                                      <p:to>
-                                        <p:strVal val="hidden"/>
-                                      </p:to>
-                                    </p:set>
-                                  </p:childTnLst>
-                                </p:cTn>
-                              </p:par>
-                              <p:par>
-                                <p:cTn id="8" presetID="22" presetClass="exit" presetSubtype="4" fill="hold" nodeType="withEffect">
-                                  <p:stCondLst>
-                                    <p:cond delay="0"/>
-                                  </p:stCondLst>
-                                  <p:childTnLst>
-                                    <p:animEffect transition="out" filter="wipe(down)">
-                                      <p:cBhvr>
-                                        <p:cTn id="9" dur="500"/>
-                                        <p:tgtEl>
-                                          <p:spTgt spid="8"/>
-                                        </p:tgtEl>
-                                      </p:cBhvr>
-                                    </p:animEffect>
-                                    <p:set>
-                                      <p:cBhvr>
-                                        <p:cTn id="10" dur="1" fill="hold">
                                           <p:stCondLst>
                                             <p:cond delay="499"/>
                                           </p:stCondLst>
@@ -14861,32 +17978,32 @@
                     </p:cTn>
                   </p:par>
                   <p:par>
-                    <p:cTn id="11" fill="hold">
+                    <p:cTn id="8" fill="hold">
                       <p:stCondLst>
                         <p:cond delay="indefinite"/>
                       </p:stCondLst>
                       <p:childTnLst>
                         <p:par>
-                          <p:cTn id="12" fill="hold">
+                          <p:cTn id="9" fill="hold">
                             <p:stCondLst>
                               <p:cond delay="0"/>
                             </p:stCondLst>
                             <p:childTnLst>
                               <p:par>
-                                <p:cTn id="13" presetID="10" presetClass="entr" presetSubtype="0" fill="hold" nodeType="clickEffect">
+                                <p:cTn id="10" presetID="10" presetClass="entr" presetSubtype="0" fill="hold" nodeType="clickEffect">
                                   <p:stCondLst>
                                     <p:cond delay="0"/>
                                   </p:stCondLst>
                                   <p:childTnLst>
                                     <p:set>
                                       <p:cBhvr>
-                                        <p:cTn id="14" dur="1" fill="hold">
+                                        <p:cTn id="11" dur="1" fill="hold">
                                           <p:stCondLst>
                                             <p:cond delay="0"/>
                                           </p:stCondLst>
                                         </p:cTn>
                                         <p:tgtEl>
-                                          <p:spTgt spid="6"/>
+                                          <p:spTgt spid="11"/>
                                         </p:tgtEl>
                                         <p:attrNameLst>
                                           <p:attrName>style.visibility</p:attrName>
@@ -14898,9 +18015,9 @@
                                     </p:set>
                                     <p:animEffect transition="in" filter="fade">
                                       <p:cBhvr>
-                                        <p:cTn id="15" dur="500"/>
+                                        <p:cTn id="12" dur="500"/>
                                         <p:tgtEl>
-                                          <p:spTgt spid="6"/>
+                                          <p:spTgt spid="11"/>
                                         </p:tgtEl>
                                       </p:cBhvr>
                                     </p:animEffect>
@@ -14934,14 +18051,11 @@
         </p:cTn>
       </p:par>
     </p:tnLst>
-    <p:bldLst>
-      <p:bldP spid="9" grpId="0" animBg="1"/>
-    </p:bldLst>
   </p:timing>
 </p:sld>
 </file>
 
-<file path=ppt/slides/slide12.xml><?xml version="1.0" encoding="utf-8"?>
+<file path=ppt/slides/slide13.xml><?xml version="1.0" encoding="utf-8"?>
 <p:sld xmlns:a="http://schemas.openxmlformats.org/drawingml/2006/main" xmlns:r="http://schemas.openxmlformats.org/officeDocument/2006/relationships" xmlns:p="http://schemas.openxmlformats.org/presentationml/2006/main">
   <p:cSld>
     <p:spTree>
@@ -15046,7 +18160,7 @@
           <a:p>
             <a:fld id="{D57F1E4F-1CFF-5643-939E-02111984F565}" type="slidenum">
               <a:rPr lang="en-US" smtClean="0"/>
-              <a:t>12</a:t>
+              <a:t>13</a:t>
             </a:fld>
             <a:endParaRPr lang="en-US" dirty="0"/>
           </a:p>
@@ -15065,16 +18179,12 @@
             <a:graphicFrameLocks/>
           </p:cNvGraphicFramePr>
           <p:nvPr>
-            <p:extLst>
-              <p:ext uri="{D42A27DB-BD31-4B8C-83A1-F6EECF244321}">
-                <p14:modId xmlns:p14="http://schemas.microsoft.com/office/powerpoint/2010/main" val="4043065070"/>
-              </p:ext>
-            </p:extLst>
+            <p:extLst/>
           </p:nvPr>
         </p:nvGraphicFramePr>
         <p:xfrm>
           <a:off x="4844931" y="1862336"/>
-          <a:ext cx="3317875" cy="4556760"/>
+          <a:ext cx="3317875" cy="4259835"/>
         </p:xfrm>
         <a:graphic>
           <a:graphicData uri="http://schemas.openxmlformats.org/drawingml/2006/table">
@@ -16254,14 +19364,14 @@
           <p:nvPr>
             <p:extLst>
               <p:ext uri="{D42A27DB-BD31-4B8C-83A1-F6EECF244321}">
-                <p14:modId xmlns:p14="http://schemas.microsoft.com/office/powerpoint/2010/main" val="4275792403"/>
+                <p14:modId xmlns:p14="http://schemas.microsoft.com/office/powerpoint/2010/main" val="3957949562"/>
               </p:ext>
             </p:extLst>
           </p:nvPr>
         </p:nvGraphicFramePr>
         <p:xfrm>
           <a:off x="1278278" y="2005880"/>
-          <a:ext cx="9074262" cy="4626864"/>
+          <a:ext cx="9074262" cy="4330574"/>
         </p:xfrm>
         <a:graphic>
           <a:graphicData uri="http://schemas.openxmlformats.org/drawingml/2006/table">
@@ -18709,15 +21819,12 @@
                       <a:r>
                         <a:rPr lang="de-DE" sz="2400" dirty="0">
                           <a:effectLst/>
+                          <a:latin typeface="Calibri"/>
+                          <a:ea typeface="Calibri"/>
+                          <a:cs typeface="Times New Roman"/>
                         </a:rPr>
-                        <a:t>0</a:t>
+                        <a:t>2</a:t>
                       </a:r>
-                      <a:endParaRPr lang="de-DE" sz="2400" dirty="0">
-                        <a:effectLst/>
-                        <a:latin typeface="Calibri"/>
-                        <a:ea typeface="Calibri"/>
-                        <a:cs typeface="Times New Roman"/>
-                      </a:endParaRPr>
                     </a:p>
                   </a:txBody>
                   <a:tcPr marL="41669" marR="41669" marT="0" marB="0" anchor="ctr"/>
@@ -18945,7 +22052,7 @@
     </p:spTree>
     <p:extLst>
       <p:ext uri="{BB962C8B-B14F-4D97-AF65-F5344CB8AC3E}">
-        <p14:creationId xmlns:p14="http://schemas.microsoft.com/office/powerpoint/2010/main" val="2565530274"/>
+        <p14:creationId xmlns:p14="http://schemas.microsoft.com/office/powerpoint/2010/main" val="187943601"/>
       </p:ext>
     </p:extLst>
   </p:cSld>
@@ -19190,121 +22297,6 @@
 </p:sld>
 </file>
 
-<file path=ppt/slides/slide13.xml><?xml version="1.0" encoding="utf-8"?>
-<p:sld xmlns:a="http://schemas.openxmlformats.org/drawingml/2006/main" xmlns:r="http://schemas.openxmlformats.org/officeDocument/2006/relationships" xmlns:p="http://schemas.openxmlformats.org/presentationml/2006/main">
-  <p:cSld>
-    <p:spTree>
-      <p:nvGrpSpPr>
-        <p:cNvPr id="1" name=""/>
-        <p:cNvGrpSpPr/>
-        <p:nvPr/>
-      </p:nvGrpSpPr>
-      <p:grpSpPr>
-        <a:xfrm>
-          <a:off x="0" y="0"/>
-          <a:ext cx="0" cy="0"/>
-          <a:chOff x="0" y="0"/>
-          <a:chExt cx="0" cy="0"/>
-        </a:xfrm>
-      </p:grpSpPr>
-      <p:sp>
-        <p:nvSpPr>
-          <p:cNvPr id="2" name="Titel 1">
-            <a:extLst>
-              <a:ext uri="{FF2B5EF4-FFF2-40B4-BE49-F238E27FC236}">
-                <a16:creationId xmlns:a16="http://schemas.microsoft.com/office/drawing/2014/main" id="{3CE75202-6D96-418A-86BE-C0DD2E940939}"/>
-              </a:ext>
-            </a:extLst>
-          </p:cNvPr>
-          <p:cNvSpPr>
-            <a:spLocks noGrp="1"/>
-          </p:cNvSpPr>
-          <p:nvPr>
-            <p:ph type="title"/>
-          </p:nvPr>
-        </p:nvSpPr>
-        <p:spPr/>
-        <p:txBody>
-          <a:bodyPr/>
-          <a:lstStyle/>
-          <a:p>
-            <a:r>
-              <a:rPr lang="en-GB" dirty="0"/>
-              <a:t>Results</a:t>
-            </a:r>
-          </a:p>
-        </p:txBody>
-      </p:sp>
-      <p:sp>
-        <p:nvSpPr>
-          <p:cNvPr id="3" name="Inhaltsplatzhalter 2">
-            <a:extLst>
-              <a:ext uri="{FF2B5EF4-FFF2-40B4-BE49-F238E27FC236}">
-                <a16:creationId xmlns:a16="http://schemas.microsoft.com/office/drawing/2014/main" id="{8C7020D7-BCEA-46D6-BB2D-34A4F0ECE63C}"/>
-              </a:ext>
-            </a:extLst>
-          </p:cNvPr>
-          <p:cNvSpPr>
-            <a:spLocks noGrp="1"/>
-          </p:cNvSpPr>
-          <p:nvPr>
-            <p:ph idx="1"/>
-          </p:nvPr>
-        </p:nvSpPr>
-        <p:spPr/>
-        <p:txBody>
-          <a:bodyPr/>
-          <a:lstStyle/>
-          <a:p>
-            <a:pPr marL="0" indent="0">
-              <a:buNone/>
-            </a:pPr>
-            <a:endParaRPr lang="en-GB" b="1" dirty="0"/>
-          </a:p>
-        </p:txBody>
-      </p:sp>
-      <p:sp>
-        <p:nvSpPr>
-          <p:cNvPr id="4" name="Foliennummernplatzhalter 3">
-            <a:extLst>
-              <a:ext uri="{FF2B5EF4-FFF2-40B4-BE49-F238E27FC236}">
-                <a16:creationId xmlns:a16="http://schemas.microsoft.com/office/drawing/2014/main" id="{9542D3F0-5541-48C2-849B-067ED3D1115C}"/>
-              </a:ext>
-            </a:extLst>
-          </p:cNvPr>
-          <p:cNvSpPr>
-            <a:spLocks noGrp="1"/>
-          </p:cNvSpPr>
-          <p:nvPr>
-            <p:ph type="sldNum" sz="quarter" idx="12"/>
-          </p:nvPr>
-        </p:nvSpPr>
-        <p:spPr/>
-        <p:txBody>
-          <a:bodyPr/>
-          <a:lstStyle/>
-          <a:p>
-            <a:fld id="{D57F1E4F-1CFF-5643-939E-02111984F565}" type="slidenum">
-              <a:rPr lang="en-US" smtClean="0"/>
-              <a:t>13</a:t>
-            </a:fld>
-            <a:endParaRPr lang="en-US" dirty="0"/>
-          </a:p>
-        </p:txBody>
-      </p:sp>
-    </p:spTree>
-    <p:extLst>
-      <p:ext uri="{BB962C8B-B14F-4D97-AF65-F5344CB8AC3E}">
-        <p14:creationId xmlns:p14="http://schemas.microsoft.com/office/powerpoint/2010/main" val="828402826"/>
-      </p:ext>
-    </p:extLst>
-  </p:cSld>
-  <p:clrMapOvr>
-    <a:masterClrMapping/>
-  </p:clrMapOvr>
-</p:sld>
-</file>
-
 <file path=ppt/slides/slide14.xml><?xml version="1.0" encoding="utf-8"?>
 <p:sld xmlns:a="http://schemas.openxmlformats.org/drawingml/2006/main" xmlns:r="http://schemas.openxmlformats.org/officeDocument/2006/relationships" xmlns:p="http://schemas.openxmlformats.org/presentationml/2006/main">
   <p:cSld>
@@ -19407,16 +22399,641 @@
           </a:p>
         </p:txBody>
       </p:sp>
+      <p:pic>
+        <p:nvPicPr>
+          <p:cNvPr id="5" name="Grafik 4">
+            <a:extLst>
+              <a:ext uri="{FF2B5EF4-FFF2-40B4-BE49-F238E27FC236}">
+                <a16:creationId xmlns:a16="http://schemas.microsoft.com/office/drawing/2014/main" id="{9046B725-D14A-40F3-B9D0-EB1AC31051C7}"/>
+              </a:ext>
+            </a:extLst>
+          </p:cNvPr>
+          <p:cNvPicPr/>
+          <p:nvPr/>
+        </p:nvPicPr>
+        <p:blipFill>
+          <a:blip r:embed="rId3" cstate="print">
+            <a:extLst>
+              <a:ext uri="{BEBA8EAE-BF5A-486C-A8C5-ECC9F3942E4B}">
+                <a14:imgProps xmlns:a14="http://schemas.microsoft.com/office/drawing/2010/main">
+                  <a14:imgLayer r:embed="rId4">
+                    <a14:imgEffect>
+                      <a14:saturation sat="0"/>
+                    </a14:imgEffect>
+                  </a14:imgLayer>
+                </a14:imgProps>
+              </a:ext>
+              <a:ext uri="{28A0092B-C50C-407E-A947-70E740481C1C}">
+                <a14:useLocalDpi xmlns:a14="http://schemas.microsoft.com/office/drawing/2010/main" val="0"/>
+              </a:ext>
+            </a:extLst>
+          </a:blip>
+          <a:stretch>
+            <a:fillRect/>
+          </a:stretch>
+        </p:blipFill>
+        <p:spPr>
+          <a:xfrm>
+            <a:off x="3000435" y="1152983"/>
+            <a:ext cx="5397500" cy="5397500"/>
+          </a:xfrm>
+          <a:prstGeom prst="rect">
+            <a:avLst/>
+          </a:prstGeom>
+        </p:spPr>
+      </p:pic>
+      <p:sp>
+        <p:nvSpPr>
+          <p:cNvPr id="6" name="Rechteck 5">
+            <a:extLst>
+              <a:ext uri="{FF2B5EF4-FFF2-40B4-BE49-F238E27FC236}">
+                <a16:creationId xmlns:a16="http://schemas.microsoft.com/office/drawing/2014/main" id="{6CC0F914-CB4A-4FFC-9CFF-22F69234A5C4}"/>
+              </a:ext>
+            </a:extLst>
+          </p:cNvPr>
+          <p:cNvSpPr/>
+          <p:nvPr/>
+        </p:nvSpPr>
+        <p:spPr>
+          <a:xfrm>
+            <a:off x="3792279" y="6332193"/>
+            <a:ext cx="4605655" cy="369332"/>
+          </a:xfrm>
+          <a:prstGeom prst="rect">
+            <a:avLst/>
+          </a:prstGeom>
+          <a:solidFill>
+            <a:schemeClr val="tx1"/>
+          </a:solidFill>
+        </p:spPr>
+        <p:txBody>
+          <a:bodyPr wrap="square">
+            <a:spAutoFit/>
+          </a:bodyPr>
+          <a:lstStyle/>
+          <a:p>
+            <a:r>
+              <a:rPr lang="en-GB" b="1" dirty="0">
+                <a:solidFill>
+                  <a:schemeClr val="bg1"/>
+                </a:solidFill>
+                <a:latin typeface="+mj-lt"/>
+                <a:ea typeface="Calibri" panose="020F0502020204030204" pitchFamily="34" charset="0"/>
+              </a:rPr>
+              <a:t>nature – GIS technology/critic gradient </a:t>
+            </a:r>
+            <a:endParaRPr lang="en-GB" b="1" dirty="0">
+              <a:solidFill>
+                <a:schemeClr val="bg1"/>
+              </a:solidFill>
+              <a:latin typeface="+mj-lt"/>
+            </a:endParaRPr>
+          </a:p>
+        </p:txBody>
+      </p:sp>
+      <p:sp>
+        <p:nvSpPr>
+          <p:cNvPr id="7" name="Rechteck 6">
+            <a:extLst>
+              <a:ext uri="{FF2B5EF4-FFF2-40B4-BE49-F238E27FC236}">
+                <a16:creationId xmlns:a16="http://schemas.microsoft.com/office/drawing/2014/main" id="{C5BF8F9A-56BD-4C48-B343-2406642D13B1}"/>
+              </a:ext>
+            </a:extLst>
+          </p:cNvPr>
+          <p:cNvSpPr/>
+          <p:nvPr/>
+        </p:nvSpPr>
+        <p:spPr>
+          <a:xfrm rot="16200000">
+            <a:off x="898733" y="3849741"/>
+            <a:ext cx="4203404" cy="369332"/>
+          </a:xfrm>
+          <a:prstGeom prst="rect">
+            <a:avLst/>
+          </a:prstGeom>
+          <a:solidFill>
+            <a:schemeClr val="tx1"/>
+          </a:solidFill>
+        </p:spPr>
+        <p:txBody>
+          <a:bodyPr wrap="square">
+            <a:spAutoFit/>
+          </a:bodyPr>
+          <a:lstStyle/>
+          <a:p>
+            <a:r>
+              <a:rPr lang="en-GB" b="1" dirty="0">
+                <a:solidFill>
+                  <a:schemeClr val="bg1"/>
+                </a:solidFill>
+              </a:rPr>
+              <a:t>urban – participatory gradient </a:t>
+            </a:r>
+          </a:p>
+        </p:txBody>
+      </p:sp>
+      <p:cxnSp>
+        <p:nvCxnSpPr>
+          <p:cNvPr id="10" name="Gerader Verbinder 9">
+            <a:extLst>
+              <a:ext uri="{FF2B5EF4-FFF2-40B4-BE49-F238E27FC236}">
+                <a16:creationId xmlns:a16="http://schemas.microsoft.com/office/drawing/2014/main" id="{1912C52E-4C67-4EDD-9A2E-EB7EE8F88D97}"/>
+              </a:ext>
+            </a:extLst>
+          </p:cNvPr>
+          <p:cNvCxnSpPr>
+            <a:cxnSpLocks/>
+          </p:cNvCxnSpPr>
+          <p:nvPr/>
+        </p:nvCxnSpPr>
+        <p:spPr>
+          <a:xfrm flipV="1">
+            <a:off x="3414252" y="4291781"/>
+            <a:ext cx="4800600" cy="1"/>
+          </a:xfrm>
+          <a:prstGeom prst="line">
+            <a:avLst/>
+          </a:prstGeom>
+          <a:ln w="38100"/>
+        </p:spPr>
+        <p:style>
+          <a:lnRef idx="1">
+            <a:schemeClr val="accent1"/>
+          </a:lnRef>
+          <a:fillRef idx="0">
+            <a:schemeClr val="accent1"/>
+          </a:fillRef>
+          <a:effectRef idx="0">
+            <a:schemeClr val="accent1"/>
+          </a:effectRef>
+          <a:fontRef idx="minor">
+            <a:schemeClr val="tx1"/>
+          </a:fontRef>
+        </p:style>
+      </p:cxnSp>
+      <p:cxnSp>
+        <p:nvCxnSpPr>
+          <p:cNvPr id="13" name="Gerader Verbinder 12">
+            <a:extLst>
+              <a:ext uri="{FF2B5EF4-FFF2-40B4-BE49-F238E27FC236}">
+                <a16:creationId xmlns:a16="http://schemas.microsoft.com/office/drawing/2014/main" id="{1B168DAD-CDD1-4FFB-A54F-81171F9FF035}"/>
+              </a:ext>
+            </a:extLst>
+          </p:cNvPr>
+          <p:cNvCxnSpPr>
+            <a:cxnSpLocks/>
+          </p:cNvCxnSpPr>
+          <p:nvPr/>
+        </p:nvCxnSpPr>
+        <p:spPr>
+          <a:xfrm flipV="1">
+            <a:off x="5520813" y="1487129"/>
+            <a:ext cx="0" cy="4913672"/>
+          </a:xfrm>
+          <a:prstGeom prst="line">
+            <a:avLst/>
+          </a:prstGeom>
+          <a:ln w="38100"/>
+        </p:spPr>
+        <p:style>
+          <a:lnRef idx="1">
+            <a:schemeClr val="accent1"/>
+          </a:lnRef>
+          <a:fillRef idx="0">
+            <a:schemeClr val="accent1"/>
+          </a:fillRef>
+          <a:effectRef idx="0">
+            <a:schemeClr val="accent1"/>
+          </a:effectRef>
+          <a:fontRef idx="minor">
+            <a:schemeClr val="tx1"/>
+          </a:fontRef>
+        </p:style>
+      </p:cxnSp>
+      <p:sp>
+        <p:nvSpPr>
+          <p:cNvPr id="17" name="Rechteck 16">
+            <a:extLst>
+              <a:ext uri="{FF2B5EF4-FFF2-40B4-BE49-F238E27FC236}">
+                <a16:creationId xmlns:a16="http://schemas.microsoft.com/office/drawing/2014/main" id="{68CFF93E-8EE5-49B1-80AF-474EEE445F39}"/>
+              </a:ext>
+            </a:extLst>
+          </p:cNvPr>
+          <p:cNvSpPr/>
+          <p:nvPr/>
+        </p:nvSpPr>
+        <p:spPr>
+          <a:xfrm>
+            <a:off x="7841974" y="3200400"/>
+            <a:ext cx="477074" cy="1007572"/>
+          </a:xfrm>
+          <a:prstGeom prst="rect">
+            <a:avLst/>
+          </a:prstGeom>
+          <a:solidFill>
+            <a:schemeClr val="tx1"/>
+          </a:solidFill>
+          <a:ln>
+            <a:noFill/>
+          </a:ln>
+        </p:spPr>
+        <p:style>
+          <a:lnRef idx="2">
+            <a:schemeClr val="accent1">
+              <a:shade val="50000"/>
+            </a:schemeClr>
+          </a:lnRef>
+          <a:fillRef idx="1">
+            <a:schemeClr val="accent1"/>
+          </a:fillRef>
+          <a:effectRef idx="0">
+            <a:schemeClr val="accent1"/>
+          </a:effectRef>
+          <a:fontRef idx="minor">
+            <a:schemeClr val="lt1"/>
+          </a:fontRef>
+        </p:style>
+        <p:txBody>
+          <a:bodyPr rtlCol="0" anchor="ctr"/>
+          <a:lstStyle/>
+          <a:p>
+            <a:pPr algn="ctr"/>
+            <a:endParaRPr lang="en-GB"/>
+          </a:p>
+        </p:txBody>
+      </p:sp>
     </p:spTree>
     <p:extLst>
       <p:ext uri="{BB962C8B-B14F-4D97-AF65-F5344CB8AC3E}">
-        <p14:creationId xmlns:p14="http://schemas.microsoft.com/office/powerpoint/2010/main" val="219238144"/>
+        <p14:creationId xmlns:p14="http://schemas.microsoft.com/office/powerpoint/2010/main" val="828402826"/>
       </p:ext>
     </p:extLst>
   </p:cSld>
   <p:clrMapOvr>
     <a:masterClrMapping/>
   </p:clrMapOvr>
+  <p:timing>
+    <p:tnLst>
+      <p:par>
+        <p:cTn id="1" dur="indefinite" restart="never" nodeType="tmRoot">
+          <p:childTnLst>
+            <p:seq concurrent="1" nextAc="seek">
+              <p:cTn id="2" dur="indefinite" nodeType="mainSeq">
+                <p:childTnLst>
+                  <p:par>
+                    <p:cTn id="3" fill="hold">
+                      <p:stCondLst>
+                        <p:cond delay="indefinite"/>
+                      </p:stCondLst>
+                      <p:childTnLst>
+                        <p:par>
+                          <p:cTn id="4" fill="hold">
+                            <p:stCondLst>
+                              <p:cond delay="0"/>
+                            </p:stCondLst>
+                            <p:childTnLst>
+                              <p:par>
+                                <p:cTn id="5" presetID="2" presetClass="entr" presetSubtype="4" fill="hold" grpId="0" nodeType="clickEffect">
+                                  <p:stCondLst>
+                                    <p:cond delay="0"/>
+                                  </p:stCondLst>
+                                  <p:childTnLst>
+                                    <p:set>
+                                      <p:cBhvr>
+                                        <p:cTn id="6" dur="1" fill="hold">
+                                          <p:stCondLst>
+                                            <p:cond delay="0"/>
+                                          </p:stCondLst>
+                                        </p:cTn>
+                                        <p:tgtEl>
+                                          <p:spTgt spid="7"/>
+                                        </p:tgtEl>
+                                        <p:attrNameLst>
+                                          <p:attrName>style.visibility</p:attrName>
+                                        </p:attrNameLst>
+                                      </p:cBhvr>
+                                      <p:to>
+                                        <p:strVal val="visible"/>
+                                      </p:to>
+                                    </p:set>
+                                    <p:anim calcmode="lin" valueType="num">
+                                      <p:cBhvr additive="base">
+                                        <p:cTn id="7" dur="500" fill="hold"/>
+                                        <p:tgtEl>
+                                          <p:spTgt spid="7"/>
+                                        </p:tgtEl>
+                                        <p:attrNameLst>
+                                          <p:attrName>ppt_x</p:attrName>
+                                        </p:attrNameLst>
+                                      </p:cBhvr>
+                                      <p:tavLst>
+                                        <p:tav tm="0">
+                                          <p:val>
+                                            <p:strVal val="#ppt_x"/>
+                                          </p:val>
+                                        </p:tav>
+                                        <p:tav tm="100000">
+                                          <p:val>
+                                            <p:strVal val="#ppt_x"/>
+                                          </p:val>
+                                        </p:tav>
+                                      </p:tavLst>
+                                    </p:anim>
+                                    <p:anim calcmode="lin" valueType="num">
+                                      <p:cBhvr additive="base">
+                                        <p:cTn id="8" dur="500" fill="hold"/>
+                                        <p:tgtEl>
+                                          <p:spTgt spid="7"/>
+                                        </p:tgtEl>
+                                        <p:attrNameLst>
+                                          <p:attrName>ppt_y</p:attrName>
+                                        </p:attrNameLst>
+                                      </p:cBhvr>
+                                      <p:tavLst>
+                                        <p:tav tm="0">
+                                          <p:val>
+                                            <p:strVal val="1+#ppt_h/2"/>
+                                          </p:val>
+                                        </p:tav>
+                                        <p:tav tm="100000">
+                                          <p:val>
+                                            <p:strVal val="#ppt_y"/>
+                                          </p:val>
+                                        </p:tav>
+                                      </p:tavLst>
+                                    </p:anim>
+                                  </p:childTnLst>
+                                </p:cTn>
+                              </p:par>
+                              <p:par>
+                                <p:cTn id="9" presetID="2" presetClass="entr" presetSubtype="4" fill="hold" grpId="0" nodeType="withEffect">
+                                  <p:stCondLst>
+                                    <p:cond delay="0"/>
+                                  </p:stCondLst>
+                                  <p:childTnLst>
+                                    <p:set>
+                                      <p:cBhvr>
+                                        <p:cTn id="10" dur="1" fill="hold">
+                                          <p:stCondLst>
+                                            <p:cond delay="0"/>
+                                          </p:stCondLst>
+                                        </p:cTn>
+                                        <p:tgtEl>
+                                          <p:spTgt spid="6"/>
+                                        </p:tgtEl>
+                                        <p:attrNameLst>
+                                          <p:attrName>style.visibility</p:attrName>
+                                        </p:attrNameLst>
+                                      </p:cBhvr>
+                                      <p:to>
+                                        <p:strVal val="visible"/>
+                                      </p:to>
+                                    </p:set>
+                                    <p:anim calcmode="lin" valueType="num">
+                                      <p:cBhvr additive="base">
+                                        <p:cTn id="11" dur="500" fill="hold"/>
+                                        <p:tgtEl>
+                                          <p:spTgt spid="6"/>
+                                        </p:tgtEl>
+                                        <p:attrNameLst>
+                                          <p:attrName>ppt_x</p:attrName>
+                                        </p:attrNameLst>
+                                      </p:cBhvr>
+                                      <p:tavLst>
+                                        <p:tav tm="0">
+                                          <p:val>
+                                            <p:strVal val="#ppt_x"/>
+                                          </p:val>
+                                        </p:tav>
+                                        <p:tav tm="100000">
+                                          <p:val>
+                                            <p:strVal val="#ppt_x"/>
+                                          </p:val>
+                                        </p:tav>
+                                      </p:tavLst>
+                                    </p:anim>
+                                    <p:anim calcmode="lin" valueType="num">
+                                      <p:cBhvr additive="base">
+                                        <p:cTn id="12" dur="500" fill="hold"/>
+                                        <p:tgtEl>
+                                          <p:spTgt spid="6"/>
+                                        </p:tgtEl>
+                                        <p:attrNameLst>
+                                          <p:attrName>ppt_y</p:attrName>
+                                        </p:attrNameLst>
+                                      </p:cBhvr>
+                                      <p:tavLst>
+                                        <p:tav tm="0">
+                                          <p:val>
+                                            <p:strVal val="1+#ppt_h/2"/>
+                                          </p:val>
+                                        </p:tav>
+                                        <p:tav tm="100000">
+                                          <p:val>
+                                            <p:strVal val="#ppt_y"/>
+                                          </p:val>
+                                        </p:tav>
+                                      </p:tavLst>
+                                    </p:anim>
+                                  </p:childTnLst>
+                                </p:cTn>
+                              </p:par>
+                            </p:childTnLst>
+                          </p:cTn>
+                        </p:par>
+                      </p:childTnLst>
+                    </p:cTn>
+                  </p:par>
+                  <p:par>
+                    <p:cTn id="13" fill="hold">
+                      <p:stCondLst>
+                        <p:cond delay="indefinite"/>
+                      </p:stCondLst>
+                      <p:childTnLst>
+                        <p:par>
+                          <p:cTn id="14" fill="hold">
+                            <p:stCondLst>
+                              <p:cond delay="0"/>
+                            </p:stCondLst>
+                            <p:childTnLst>
+                              <p:par>
+                                <p:cTn id="15" presetID="2" presetClass="entr" presetSubtype="4" fill="hold" nodeType="clickEffect">
+                                  <p:stCondLst>
+                                    <p:cond delay="0"/>
+                                  </p:stCondLst>
+                                  <p:childTnLst>
+                                    <p:set>
+                                      <p:cBhvr>
+                                        <p:cTn id="16" dur="1" fill="hold">
+                                          <p:stCondLst>
+                                            <p:cond delay="0"/>
+                                          </p:stCondLst>
+                                        </p:cTn>
+                                        <p:tgtEl>
+                                          <p:spTgt spid="13"/>
+                                        </p:tgtEl>
+                                        <p:attrNameLst>
+                                          <p:attrName>style.visibility</p:attrName>
+                                        </p:attrNameLst>
+                                      </p:cBhvr>
+                                      <p:to>
+                                        <p:strVal val="visible"/>
+                                      </p:to>
+                                    </p:set>
+                                    <p:anim calcmode="lin" valueType="num">
+                                      <p:cBhvr additive="base">
+                                        <p:cTn id="17" dur="500" fill="hold"/>
+                                        <p:tgtEl>
+                                          <p:spTgt spid="13"/>
+                                        </p:tgtEl>
+                                        <p:attrNameLst>
+                                          <p:attrName>ppt_x</p:attrName>
+                                        </p:attrNameLst>
+                                      </p:cBhvr>
+                                      <p:tavLst>
+                                        <p:tav tm="0">
+                                          <p:val>
+                                            <p:strVal val="#ppt_x"/>
+                                          </p:val>
+                                        </p:tav>
+                                        <p:tav tm="100000">
+                                          <p:val>
+                                            <p:strVal val="#ppt_x"/>
+                                          </p:val>
+                                        </p:tav>
+                                      </p:tavLst>
+                                    </p:anim>
+                                    <p:anim calcmode="lin" valueType="num">
+                                      <p:cBhvr additive="base">
+                                        <p:cTn id="18" dur="500" fill="hold"/>
+                                        <p:tgtEl>
+                                          <p:spTgt spid="13"/>
+                                        </p:tgtEl>
+                                        <p:attrNameLst>
+                                          <p:attrName>ppt_y</p:attrName>
+                                        </p:attrNameLst>
+                                      </p:cBhvr>
+                                      <p:tavLst>
+                                        <p:tav tm="0">
+                                          <p:val>
+                                            <p:strVal val="1+#ppt_h/2"/>
+                                          </p:val>
+                                        </p:tav>
+                                        <p:tav tm="100000">
+                                          <p:val>
+                                            <p:strVal val="#ppt_y"/>
+                                          </p:val>
+                                        </p:tav>
+                                      </p:tavLst>
+                                    </p:anim>
+                                  </p:childTnLst>
+                                </p:cTn>
+                              </p:par>
+                              <p:par>
+                                <p:cTn id="19" presetID="2" presetClass="entr" presetSubtype="4" fill="hold" nodeType="withEffect">
+                                  <p:stCondLst>
+                                    <p:cond delay="0"/>
+                                  </p:stCondLst>
+                                  <p:childTnLst>
+                                    <p:set>
+                                      <p:cBhvr>
+                                        <p:cTn id="20" dur="1" fill="hold">
+                                          <p:stCondLst>
+                                            <p:cond delay="0"/>
+                                          </p:stCondLst>
+                                        </p:cTn>
+                                        <p:tgtEl>
+                                          <p:spTgt spid="10"/>
+                                        </p:tgtEl>
+                                        <p:attrNameLst>
+                                          <p:attrName>style.visibility</p:attrName>
+                                        </p:attrNameLst>
+                                      </p:cBhvr>
+                                      <p:to>
+                                        <p:strVal val="visible"/>
+                                      </p:to>
+                                    </p:set>
+                                    <p:anim calcmode="lin" valueType="num">
+                                      <p:cBhvr additive="base">
+                                        <p:cTn id="21" dur="500" fill="hold"/>
+                                        <p:tgtEl>
+                                          <p:spTgt spid="10"/>
+                                        </p:tgtEl>
+                                        <p:attrNameLst>
+                                          <p:attrName>ppt_x</p:attrName>
+                                        </p:attrNameLst>
+                                      </p:cBhvr>
+                                      <p:tavLst>
+                                        <p:tav tm="0">
+                                          <p:val>
+                                            <p:strVal val="#ppt_x"/>
+                                          </p:val>
+                                        </p:tav>
+                                        <p:tav tm="100000">
+                                          <p:val>
+                                            <p:strVal val="#ppt_x"/>
+                                          </p:val>
+                                        </p:tav>
+                                      </p:tavLst>
+                                    </p:anim>
+                                    <p:anim calcmode="lin" valueType="num">
+                                      <p:cBhvr additive="base">
+                                        <p:cTn id="22" dur="500" fill="hold"/>
+                                        <p:tgtEl>
+                                          <p:spTgt spid="10"/>
+                                        </p:tgtEl>
+                                        <p:attrNameLst>
+                                          <p:attrName>ppt_y</p:attrName>
+                                        </p:attrNameLst>
+                                      </p:cBhvr>
+                                      <p:tavLst>
+                                        <p:tav tm="0">
+                                          <p:val>
+                                            <p:strVal val="1+#ppt_h/2"/>
+                                          </p:val>
+                                        </p:tav>
+                                        <p:tav tm="100000">
+                                          <p:val>
+                                            <p:strVal val="#ppt_y"/>
+                                          </p:val>
+                                        </p:tav>
+                                      </p:tavLst>
+                                    </p:anim>
+                                  </p:childTnLst>
+                                </p:cTn>
+                              </p:par>
+                            </p:childTnLst>
+                          </p:cTn>
+                        </p:par>
+                      </p:childTnLst>
+                    </p:cTn>
+                  </p:par>
+                </p:childTnLst>
+              </p:cTn>
+              <p:prevCondLst>
+                <p:cond evt="onPrev" delay="0">
+                  <p:tgtEl>
+                    <p:sldTgt/>
+                  </p:tgtEl>
+                </p:cond>
+              </p:prevCondLst>
+              <p:nextCondLst>
+                <p:cond evt="onNext" delay="0">
+                  <p:tgtEl>
+                    <p:sldTgt/>
+                  </p:tgtEl>
+                </p:cond>
+              </p:nextCondLst>
+            </p:seq>
+          </p:childTnLst>
+        </p:cTn>
+      </p:par>
+    </p:tnLst>
+    <p:bldLst>
+      <p:bldP spid="6" grpId="0" animBg="1"/>
+      <p:bldP spid="7" grpId="0" animBg="1"/>
+    </p:bldLst>
+  </p:timing>
 </p:sld>
 </file>
 
@@ -19437,12 +23054,42 @@
           <a:chExt cx="0" cy="0"/>
         </a:xfrm>
       </p:grpSpPr>
+      <p:pic>
+        <p:nvPicPr>
+          <p:cNvPr id="6" name="Grafik 5">
+            <a:extLst>
+              <a:ext uri="{FF2B5EF4-FFF2-40B4-BE49-F238E27FC236}">
+                <a16:creationId xmlns:a16="http://schemas.microsoft.com/office/drawing/2014/main" id="{768748DF-F148-4CF1-87E7-487B2CE11B00}"/>
+              </a:ext>
+            </a:extLst>
+          </p:cNvPr>
+          <p:cNvPicPr>
+            <a:picLocks noChangeAspect="1"/>
+          </p:cNvPicPr>
+          <p:nvPr/>
+        </p:nvPicPr>
+        <p:blipFill>
+          <a:blip r:embed="rId3"/>
+          <a:stretch>
+            <a:fillRect/>
+          </a:stretch>
+        </p:blipFill>
+        <p:spPr>
+          <a:xfrm>
+            <a:off x="5993606" y="1335099"/>
+            <a:ext cx="5697764" cy="3988435"/>
+          </a:xfrm>
+          <a:prstGeom prst="rect">
+            <a:avLst/>
+          </a:prstGeom>
+        </p:spPr>
+      </p:pic>
       <p:sp>
         <p:nvSpPr>
           <p:cNvPr id="2" name="Titel 1">
             <a:extLst>
               <a:ext uri="{FF2B5EF4-FFF2-40B4-BE49-F238E27FC236}">
-                <a16:creationId xmlns:a16="http://schemas.microsoft.com/office/drawing/2014/main" id="{8FBB6104-C7B5-4F16-93D2-F17144E9E054}"/>
+                <a16:creationId xmlns:a16="http://schemas.microsoft.com/office/drawing/2014/main" id="{3CE75202-6D96-418A-86BE-C0DD2E940939}"/>
               </a:ext>
             </a:extLst>
           </p:cNvPr>
@@ -19460,7 +23107,7 @@
           <a:p>
             <a:r>
               <a:rPr lang="en-GB" dirty="0"/>
-              <a:t>Discussion</a:t>
+              <a:t>3 Methodology</a:t>
             </a:r>
           </a:p>
         </p:txBody>
@@ -19470,7 +23117,7 @@
           <p:cNvPr id="3" name="Inhaltsplatzhalter 2">
             <a:extLst>
               <a:ext uri="{FF2B5EF4-FFF2-40B4-BE49-F238E27FC236}">
-                <a16:creationId xmlns:a16="http://schemas.microsoft.com/office/drawing/2014/main" id="{9E9CE1B8-6BE1-4077-A8EF-DBF96BF4A845}"/>
+                <a16:creationId xmlns:a16="http://schemas.microsoft.com/office/drawing/2014/main" id="{8C7020D7-BCEA-46D6-BB2D-34A4F0ECE63C}"/>
               </a:ext>
             </a:extLst>
           </p:cNvPr>
@@ -19481,12 +23128,191 @@
             <p:ph idx="1"/>
           </p:nvPr>
         </p:nvSpPr>
-        <p:spPr/>
+        <p:spPr>
+          <a:xfrm>
+            <a:off x="646111" y="1534466"/>
+            <a:ext cx="11131361" cy="4195481"/>
+          </a:xfrm>
+        </p:spPr>
         <p:txBody>
           <a:bodyPr/>
           <a:lstStyle/>
           <a:p>
-            <a:endParaRPr lang="en-GB"/>
+            <a:pPr marL="0" indent="0">
+              <a:buNone/>
+            </a:pPr>
+            <a:r>
+              <a:rPr lang="de-DE" b="1" dirty="0"/>
+              <a:t>K-</a:t>
+            </a:r>
+            <a:r>
+              <a:rPr lang="de-DE" b="1" dirty="0" err="1"/>
+              <a:t>means</a:t>
+            </a:r>
+            <a:r>
+              <a:rPr lang="de-DE" b="1" dirty="0"/>
+              <a:t> </a:t>
+            </a:r>
+            <a:r>
+              <a:rPr lang="de-DE" b="1" dirty="0" err="1"/>
+              <a:t>clustering</a:t>
+            </a:r>
+            <a:endParaRPr lang="de-DE" b="1" dirty="0"/>
+          </a:p>
+          <a:p>
+            <a:r>
+              <a:rPr lang="de-DE" dirty="0" err="1"/>
+              <a:t>Unsupervised</a:t>
+            </a:r>
+            <a:r>
+              <a:rPr lang="de-DE" dirty="0"/>
+              <a:t> </a:t>
+            </a:r>
+            <a:r>
+              <a:rPr lang="de-DE" dirty="0" err="1"/>
+              <a:t>classification</a:t>
+            </a:r>
+            <a:endParaRPr lang="de-DE" dirty="0"/>
+          </a:p>
+          <a:p>
+            <a:r>
+              <a:rPr lang="de-DE" dirty="0" err="1"/>
+              <a:t>Number</a:t>
+            </a:r>
+            <a:r>
+              <a:rPr lang="de-DE" dirty="0"/>
+              <a:t> </a:t>
+            </a:r>
+            <a:r>
+              <a:rPr lang="de-DE" dirty="0" err="1"/>
+              <a:t>of</a:t>
+            </a:r>
+            <a:r>
+              <a:rPr lang="de-DE" dirty="0"/>
+              <a:t> </a:t>
+            </a:r>
+            <a:r>
+              <a:rPr lang="de-DE" dirty="0" err="1"/>
+              <a:t>clusters</a:t>
+            </a:r>
+            <a:r>
+              <a:rPr lang="de-DE" dirty="0"/>
+              <a:t>/</a:t>
+            </a:r>
+            <a:r>
+              <a:rPr lang="de-DE" dirty="0" err="1"/>
+              <a:t>classes</a:t>
+            </a:r>
+            <a:r>
+              <a:rPr lang="de-DE" dirty="0"/>
+              <a:t> </a:t>
+            </a:r>
+            <a:r>
+              <a:rPr lang="de-DE" dirty="0" err="1"/>
+              <a:t>is</a:t>
+            </a:r>
+            <a:r>
+              <a:rPr lang="de-DE" dirty="0"/>
+              <a:t> </a:t>
+            </a:r>
+            <a:r>
+              <a:rPr lang="de-DE" dirty="0" err="1"/>
+              <a:t>needed</a:t>
+            </a:r>
+            <a:r>
+              <a:rPr lang="de-DE" dirty="0"/>
+              <a:t> </a:t>
+            </a:r>
+            <a:endParaRPr lang="de-DE" b="1" dirty="0"/>
+          </a:p>
+          <a:p>
+            <a:pPr marL="0" indent="0">
+              <a:buNone/>
+            </a:pPr>
+            <a:endParaRPr lang="de-DE" b="1" dirty="0"/>
+          </a:p>
+          <a:p>
+            <a:pPr marL="0" indent="0">
+              <a:buNone/>
+            </a:pPr>
+            <a:r>
+              <a:rPr lang="de-DE" b="1" dirty="0" err="1"/>
+              <a:t>Aim</a:t>
+            </a:r>
+            <a:r>
+              <a:rPr lang="de-DE" b="1" dirty="0"/>
+              <a:t> </a:t>
+            </a:r>
+          </a:p>
+          <a:p>
+            <a:pPr marL="0" indent="0">
+              <a:buNone/>
+            </a:pPr>
+            <a:r>
+              <a:rPr lang="de-DE" b="1" dirty="0">
+                <a:sym typeface="Wingdings" panose="05000000000000000000" pitchFamily="2" charset="2"/>
+              </a:rPr>
+              <a:t>	 </a:t>
+            </a:r>
+            <a:r>
+              <a:rPr lang="de-DE" b="1" dirty="0" err="1">
+                <a:sym typeface="Wingdings" panose="05000000000000000000" pitchFamily="2" charset="2"/>
+              </a:rPr>
+              <a:t>minimize</a:t>
+            </a:r>
+            <a:r>
+              <a:rPr lang="de-DE" b="1" dirty="0">
+                <a:sym typeface="Wingdings" panose="05000000000000000000" pitchFamily="2" charset="2"/>
+              </a:rPr>
+              <a:t> </a:t>
+            </a:r>
+            <a:r>
+              <a:rPr lang="en-GB" dirty="0"/>
+              <a:t>within-cluster variation  - </a:t>
+            </a:r>
+          </a:p>
+          <a:p>
+            <a:pPr marL="0" indent="0">
+              <a:buNone/>
+            </a:pPr>
+            <a:r>
+              <a:rPr lang="en-GB" dirty="0"/>
+              <a:t>	find </a:t>
+            </a:r>
+            <a:r>
+              <a:rPr lang="en-GB" b="1" dirty="0"/>
+              <a:t>homogeneous word groups</a:t>
+            </a:r>
+          </a:p>
+          <a:p>
+            <a:pPr marL="0" indent="0">
+              <a:buNone/>
+            </a:pPr>
+            <a:r>
+              <a:rPr lang="en-GB" sz="1600" dirty="0"/>
+              <a:t>(James, Witten, Hastie, &amp; </a:t>
+            </a:r>
+            <a:r>
+              <a:rPr lang="en-GB" sz="1600" dirty="0" err="1"/>
+              <a:t>Tibshirani</a:t>
+            </a:r>
+            <a:r>
+              <a:rPr lang="en-GB" sz="1600" dirty="0"/>
+              <a:t>, 2013)</a:t>
+            </a:r>
+            <a:endParaRPr lang="en-GB" sz="1600" b="1" dirty="0"/>
+          </a:p>
+          <a:p>
+            <a:pPr marL="0" indent="0">
+              <a:buNone/>
+            </a:pPr>
+            <a:endParaRPr lang="de-DE" b="1" dirty="0"/>
+          </a:p>
+          <a:p>
+            <a:pPr marL="0" indent="0">
+              <a:buNone/>
+            </a:pPr>
+            <a:endParaRPr lang="en-GB" b="1" dirty="0"/>
           </a:p>
         </p:txBody>
       </p:sp>
@@ -19495,7 +23321,7 @@
           <p:cNvPr id="4" name="Foliennummernplatzhalter 3">
             <a:extLst>
               <a:ext uri="{FF2B5EF4-FFF2-40B4-BE49-F238E27FC236}">
-                <a16:creationId xmlns:a16="http://schemas.microsoft.com/office/drawing/2014/main" id="{C9552EEF-9399-40E9-87A8-ABD8BCAB9982}"/>
+                <a16:creationId xmlns:a16="http://schemas.microsoft.com/office/drawing/2014/main" id="{9542D3F0-5541-48C2-849B-067ED3D1115C}"/>
               </a:ext>
             </a:extLst>
           </p:cNvPr>
@@ -19519,16 +23345,573 @@
           </a:p>
         </p:txBody>
       </p:sp>
+      <p:sp>
+        <p:nvSpPr>
+          <p:cNvPr id="10" name="Textfeld 9">
+            <a:extLst>
+              <a:ext uri="{FF2B5EF4-FFF2-40B4-BE49-F238E27FC236}">
+                <a16:creationId xmlns:a16="http://schemas.microsoft.com/office/drawing/2014/main" id="{5ECA2FC9-D8C5-43A0-9C06-0CC454E77F99}"/>
+              </a:ext>
+            </a:extLst>
+          </p:cNvPr>
+          <p:cNvSpPr txBox="1"/>
+          <p:nvPr/>
+        </p:nvSpPr>
+        <p:spPr>
+          <a:xfrm>
+            <a:off x="9713173" y="5320984"/>
+            <a:ext cx="2116932" cy="369332"/>
+          </a:xfrm>
+          <a:prstGeom prst="rect">
+            <a:avLst/>
+          </a:prstGeom>
+          <a:noFill/>
+        </p:spPr>
+        <p:txBody>
+          <a:bodyPr wrap="square" rtlCol="0">
+            <a:spAutoFit/>
+          </a:bodyPr>
+          <a:lstStyle/>
+          <a:p>
+            <a:r>
+              <a:rPr lang="en-GB" dirty="0"/>
+              <a:t>(</a:t>
+            </a:r>
+            <a:r>
+              <a:rPr lang="en-GB" sz="1400" dirty="0" err="1"/>
+              <a:t>Mathworks</a:t>
+            </a:r>
+            <a:r>
+              <a:rPr lang="en-GB" sz="1400" dirty="0"/>
+              <a:t>, 2017)</a:t>
+            </a:r>
+          </a:p>
+        </p:txBody>
+      </p:sp>
+      <p:sp>
+        <p:nvSpPr>
+          <p:cNvPr id="9" name="Rechteck 8">
+            <a:extLst>
+              <a:ext uri="{FF2B5EF4-FFF2-40B4-BE49-F238E27FC236}">
+                <a16:creationId xmlns:a16="http://schemas.microsoft.com/office/drawing/2014/main" id="{32E06E7A-B04C-4863-B10B-F281A28C7749}"/>
+              </a:ext>
+            </a:extLst>
+          </p:cNvPr>
+          <p:cNvSpPr/>
+          <p:nvPr/>
+        </p:nvSpPr>
+        <p:spPr>
+          <a:xfrm>
+            <a:off x="0" y="-221657"/>
+            <a:ext cx="12380939" cy="7301313"/>
+          </a:xfrm>
+          <a:prstGeom prst="rect">
+            <a:avLst/>
+          </a:prstGeom>
+          <a:solidFill>
+            <a:schemeClr val="tx2">
+              <a:lumMod val="75000"/>
+              <a:alpha val="67000"/>
+            </a:schemeClr>
+          </a:solidFill>
+          <a:ln>
+            <a:noFill/>
+          </a:ln>
+        </p:spPr>
+        <p:style>
+          <a:lnRef idx="2">
+            <a:schemeClr val="accent1">
+              <a:shade val="50000"/>
+            </a:schemeClr>
+          </a:lnRef>
+          <a:fillRef idx="1">
+            <a:schemeClr val="accent1"/>
+          </a:fillRef>
+          <a:effectRef idx="0">
+            <a:schemeClr val="accent1"/>
+          </a:effectRef>
+          <a:fontRef idx="minor">
+            <a:schemeClr val="lt1"/>
+          </a:fontRef>
+        </p:style>
+        <p:txBody>
+          <a:bodyPr rtlCol="0" anchor="ctr"/>
+          <a:lstStyle/>
+          <a:p>
+            <a:pPr algn="ctr"/>
+            <a:endParaRPr lang="en-GB"/>
+          </a:p>
+        </p:txBody>
+      </p:sp>
+      <p:pic>
+        <p:nvPicPr>
+          <p:cNvPr id="8" name="Grafik 7">
+            <a:extLst>
+              <a:ext uri="{FF2B5EF4-FFF2-40B4-BE49-F238E27FC236}">
+                <a16:creationId xmlns:a16="http://schemas.microsoft.com/office/drawing/2014/main" id="{9FDBE2A5-903B-4F50-9DAC-C591E18C5E62}"/>
+              </a:ext>
+            </a:extLst>
+          </p:cNvPr>
+          <p:cNvPicPr>
+            <a:picLocks noChangeAspect="1"/>
+          </p:cNvPicPr>
+          <p:nvPr/>
+        </p:nvPicPr>
+        <p:blipFill rotWithShape="1">
+          <a:blip r:embed="rId4"/>
+          <a:srcRect l="42474" t="44952" r="5651" b="-44952"/>
+          <a:stretch/>
+        </p:blipFill>
+        <p:spPr>
+          <a:xfrm>
+            <a:off x="3957933" y="1152983"/>
+            <a:ext cx="3899141" cy="8020457"/>
+          </a:xfrm>
+          <a:prstGeom prst="rect">
+            <a:avLst/>
+          </a:prstGeom>
+        </p:spPr>
+      </p:pic>
     </p:spTree>
     <p:extLst>
       <p:ext uri="{BB962C8B-B14F-4D97-AF65-F5344CB8AC3E}">
-        <p14:creationId xmlns:p14="http://schemas.microsoft.com/office/powerpoint/2010/main" val="362698759"/>
+        <p14:creationId xmlns:p14="http://schemas.microsoft.com/office/powerpoint/2010/main" val="1813155647"/>
       </p:ext>
     </p:extLst>
   </p:cSld>
   <p:clrMapOvr>
     <a:masterClrMapping/>
   </p:clrMapOvr>
+  <p:timing>
+    <p:tnLst>
+      <p:par>
+        <p:cTn id="1" dur="indefinite" restart="never" nodeType="tmRoot">
+          <p:childTnLst>
+            <p:seq concurrent="1" nextAc="seek">
+              <p:cTn id="2" dur="indefinite" nodeType="mainSeq">
+                <p:childTnLst>
+                  <p:par>
+                    <p:cTn id="3" fill="hold">
+                      <p:stCondLst>
+                        <p:cond delay="indefinite"/>
+                      </p:stCondLst>
+                      <p:childTnLst>
+                        <p:par>
+                          <p:cTn id="4" fill="hold">
+                            <p:stCondLst>
+                              <p:cond delay="0"/>
+                            </p:stCondLst>
+                            <p:childTnLst>
+                              <p:par>
+                                <p:cTn id="5" presetID="22" presetClass="exit" presetSubtype="4" fill="hold" grpId="0" nodeType="clickEffect">
+                                  <p:stCondLst>
+                                    <p:cond delay="0"/>
+                                  </p:stCondLst>
+                                  <p:childTnLst>
+                                    <p:animEffect transition="out" filter="wipe(down)">
+                                      <p:cBhvr>
+                                        <p:cTn id="6" dur="500"/>
+                                        <p:tgtEl>
+                                          <p:spTgt spid="9"/>
+                                        </p:tgtEl>
+                                      </p:cBhvr>
+                                    </p:animEffect>
+                                    <p:set>
+                                      <p:cBhvr>
+                                        <p:cTn id="7" dur="1" fill="hold">
+                                          <p:stCondLst>
+                                            <p:cond delay="499"/>
+                                          </p:stCondLst>
+                                        </p:cTn>
+                                        <p:tgtEl>
+                                          <p:spTgt spid="9"/>
+                                        </p:tgtEl>
+                                        <p:attrNameLst>
+                                          <p:attrName>style.visibility</p:attrName>
+                                        </p:attrNameLst>
+                                      </p:cBhvr>
+                                      <p:to>
+                                        <p:strVal val="hidden"/>
+                                      </p:to>
+                                    </p:set>
+                                  </p:childTnLst>
+                                </p:cTn>
+                              </p:par>
+                              <p:par>
+                                <p:cTn id="8" presetID="22" presetClass="exit" presetSubtype="4" fill="hold" nodeType="withEffect">
+                                  <p:stCondLst>
+                                    <p:cond delay="0"/>
+                                  </p:stCondLst>
+                                  <p:childTnLst>
+                                    <p:animEffect transition="out" filter="wipe(down)">
+                                      <p:cBhvr>
+                                        <p:cTn id="9" dur="500"/>
+                                        <p:tgtEl>
+                                          <p:spTgt spid="8"/>
+                                        </p:tgtEl>
+                                      </p:cBhvr>
+                                    </p:animEffect>
+                                    <p:set>
+                                      <p:cBhvr>
+                                        <p:cTn id="10" dur="1" fill="hold">
+                                          <p:stCondLst>
+                                            <p:cond delay="499"/>
+                                          </p:stCondLst>
+                                        </p:cTn>
+                                        <p:tgtEl>
+                                          <p:spTgt spid="8"/>
+                                        </p:tgtEl>
+                                        <p:attrNameLst>
+                                          <p:attrName>style.visibility</p:attrName>
+                                        </p:attrNameLst>
+                                      </p:cBhvr>
+                                      <p:to>
+                                        <p:strVal val="hidden"/>
+                                      </p:to>
+                                    </p:set>
+                                  </p:childTnLst>
+                                </p:cTn>
+                              </p:par>
+                            </p:childTnLst>
+                          </p:cTn>
+                        </p:par>
+                      </p:childTnLst>
+                    </p:cTn>
+                  </p:par>
+                  <p:par>
+                    <p:cTn id="11" fill="hold">
+                      <p:stCondLst>
+                        <p:cond delay="indefinite"/>
+                      </p:stCondLst>
+                      <p:childTnLst>
+                        <p:par>
+                          <p:cTn id="12" fill="hold">
+                            <p:stCondLst>
+                              <p:cond delay="0"/>
+                            </p:stCondLst>
+                            <p:childTnLst>
+                              <p:par>
+                                <p:cTn id="13" presetID="2" presetClass="entr" presetSubtype="4" fill="hold" nodeType="clickEffect">
+                                  <p:stCondLst>
+                                    <p:cond delay="0"/>
+                                  </p:stCondLst>
+                                  <p:childTnLst>
+                                    <p:set>
+                                      <p:cBhvr>
+                                        <p:cTn id="14" dur="1" fill="hold">
+                                          <p:stCondLst>
+                                            <p:cond delay="0"/>
+                                          </p:stCondLst>
+                                        </p:cTn>
+                                        <p:tgtEl>
+                                          <p:spTgt spid="3">
+                                            <p:txEl>
+                                              <p:pRg st="5" end="5"/>
+                                            </p:txEl>
+                                          </p:spTgt>
+                                        </p:tgtEl>
+                                        <p:attrNameLst>
+                                          <p:attrName>style.visibility</p:attrName>
+                                        </p:attrNameLst>
+                                      </p:cBhvr>
+                                      <p:to>
+                                        <p:strVal val="visible"/>
+                                      </p:to>
+                                    </p:set>
+                                    <p:anim calcmode="lin" valueType="num">
+                                      <p:cBhvr additive="base">
+                                        <p:cTn id="15" dur="500" fill="hold"/>
+                                        <p:tgtEl>
+                                          <p:spTgt spid="3">
+                                            <p:txEl>
+                                              <p:pRg st="5" end="5"/>
+                                            </p:txEl>
+                                          </p:spTgt>
+                                        </p:tgtEl>
+                                        <p:attrNameLst>
+                                          <p:attrName>ppt_x</p:attrName>
+                                        </p:attrNameLst>
+                                      </p:cBhvr>
+                                      <p:tavLst>
+                                        <p:tav tm="0">
+                                          <p:val>
+                                            <p:strVal val="#ppt_x"/>
+                                          </p:val>
+                                        </p:tav>
+                                        <p:tav tm="100000">
+                                          <p:val>
+                                            <p:strVal val="#ppt_x"/>
+                                          </p:val>
+                                        </p:tav>
+                                      </p:tavLst>
+                                    </p:anim>
+                                    <p:anim calcmode="lin" valueType="num">
+                                      <p:cBhvr additive="base">
+                                        <p:cTn id="16" dur="500" fill="hold"/>
+                                        <p:tgtEl>
+                                          <p:spTgt spid="3">
+                                            <p:txEl>
+                                              <p:pRg st="5" end="5"/>
+                                            </p:txEl>
+                                          </p:spTgt>
+                                        </p:tgtEl>
+                                        <p:attrNameLst>
+                                          <p:attrName>ppt_y</p:attrName>
+                                        </p:attrNameLst>
+                                      </p:cBhvr>
+                                      <p:tavLst>
+                                        <p:tav tm="0">
+                                          <p:val>
+                                            <p:strVal val="1+#ppt_h/2"/>
+                                          </p:val>
+                                        </p:tav>
+                                        <p:tav tm="100000">
+                                          <p:val>
+                                            <p:strVal val="#ppt_y"/>
+                                          </p:val>
+                                        </p:tav>
+                                      </p:tavLst>
+                                    </p:anim>
+                                  </p:childTnLst>
+                                </p:cTn>
+                              </p:par>
+                            </p:childTnLst>
+                          </p:cTn>
+                        </p:par>
+                      </p:childTnLst>
+                    </p:cTn>
+                  </p:par>
+                  <p:par>
+                    <p:cTn id="17" fill="hold">
+                      <p:stCondLst>
+                        <p:cond delay="indefinite"/>
+                      </p:stCondLst>
+                      <p:childTnLst>
+                        <p:par>
+                          <p:cTn id="18" fill="hold">
+                            <p:stCondLst>
+                              <p:cond delay="0"/>
+                            </p:stCondLst>
+                            <p:childTnLst>
+                              <p:par>
+                                <p:cTn id="19" presetID="2" presetClass="entr" presetSubtype="4" fill="hold" nodeType="clickEffect">
+                                  <p:stCondLst>
+                                    <p:cond delay="0"/>
+                                  </p:stCondLst>
+                                  <p:childTnLst>
+                                    <p:set>
+                                      <p:cBhvr>
+                                        <p:cTn id="20" dur="1" fill="hold">
+                                          <p:stCondLst>
+                                            <p:cond delay="0"/>
+                                          </p:stCondLst>
+                                        </p:cTn>
+                                        <p:tgtEl>
+                                          <p:spTgt spid="3">
+                                            <p:txEl>
+                                              <p:pRg st="6" end="6"/>
+                                            </p:txEl>
+                                          </p:spTgt>
+                                        </p:tgtEl>
+                                        <p:attrNameLst>
+                                          <p:attrName>style.visibility</p:attrName>
+                                        </p:attrNameLst>
+                                      </p:cBhvr>
+                                      <p:to>
+                                        <p:strVal val="visible"/>
+                                      </p:to>
+                                    </p:set>
+                                    <p:anim calcmode="lin" valueType="num">
+                                      <p:cBhvr additive="base">
+                                        <p:cTn id="21" dur="500" fill="hold"/>
+                                        <p:tgtEl>
+                                          <p:spTgt spid="3">
+                                            <p:txEl>
+                                              <p:pRg st="6" end="6"/>
+                                            </p:txEl>
+                                          </p:spTgt>
+                                        </p:tgtEl>
+                                        <p:attrNameLst>
+                                          <p:attrName>ppt_x</p:attrName>
+                                        </p:attrNameLst>
+                                      </p:cBhvr>
+                                      <p:tavLst>
+                                        <p:tav tm="0">
+                                          <p:val>
+                                            <p:strVal val="#ppt_x"/>
+                                          </p:val>
+                                        </p:tav>
+                                        <p:tav tm="100000">
+                                          <p:val>
+                                            <p:strVal val="#ppt_x"/>
+                                          </p:val>
+                                        </p:tav>
+                                      </p:tavLst>
+                                    </p:anim>
+                                    <p:anim calcmode="lin" valueType="num">
+                                      <p:cBhvr additive="base">
+                                        <p:cTn id="22" dur="500" fill="hold"/>
+                                        <p:tgtEl>
+                                          <p:spTgt spid="3">
+                                            <p:txEl>
+                                              <p:pRg st="6" end="6"/>
+                                            </p:txEl>
+                                          </p:spTgt>
+                                        </p:tgtEl>
+                                        <p:attrNameLst>
+                                          <p:attrName>ppt_y</p:attrName>
+                                        </p:attrNameLst>
+                                      </p:cBhvr>
+                                      <p:tavLst>
+                                        <p:tav tm="0">
+                                          <p:val>
+                                            <p:strVal val="1+#ppt_h/2"/>
+                                          </p:val>
+                                        </p:tav>
+                                        <p:tav tm="100000">
+                                          <p:val>
+                                            <p:strVal val="#ppt_y"/>
+                                          </p:val>
+                                        </p:tav>
+                                      </p:tavLst>
+                                    </p:anim>
+                                  </p:childTnLst>
+                                </p:cTn>
+                              </p:par>
+                            </p:childTnLst>
+                          </p:cTn>
+                        </p:par>
+                      </p:childTnLst>
+                    </p:cTn>
+                  </p:par>
+                  <p:par>
+                    <p:cTn id="23" fill="hold">
+                      <p:stCondLst>
+                        <p:cond delay="indefinite"/>
+                      </p:stCondLst>
+                      <p:childTnLst>
+                        <p:par>
+                          <p:cTn id="24" fill="hold">
+                            <p:stCondLst>
+                              <p:cond delay="0"/>
+                            </p:stCondLst>
+                            <p:childTnLst>
+                              <p:par>
+                                <p:cTn id="25" presetID="2" presetClass="entr" presetSubtype="4" fill="hold" nodeType="clickEffect">
+                                  <p:stCondLst>
+                                    <p:cond delay="0"/>
+                                  </p:stCondLst>
+                                  <p:childTnLst>
+                                    <p:set>
+                                      <p:cBhvr>
+                                        <p:cTn id="26" dur="1" fill="hold">
+                                          <p:stCondLst>
+                                            <p:cond delay="0"/>
+                                          </p:stCondLst>
+                                        </p:cTn>
+                                        <p:tgtEl>
+                                          <p:spTgt spid="3">
+                                            <p:txEl>
+                                              <p:pRg st="7" end="7"/>
+                                            </p:txEl>
+                                          </p:spTgt>
+                                        </p:tgtEl>
+                                        <p:attrNameLst>
+                                          <p:attrName>style.visibility</p:attrName>
+                                        </p:attrNameLst>
+                                      </p:cBhvr>
+                                      <p:to>
+                                        <p:strVal val="visible"/>
+                                      </p:to>
+                                    </p:set>
+                                    <p:anim calcmode="lin" valueType="num">
+                                      <p:cBhvr additive="base">
+                                        <p:cTn id="27" dur="500" fill="hold"/>
+                                        <p:tgtEl>
+                                          <p:spTgt spid="3">
+                                            <p:txEl>
+                                              <p:pRg st="7" end="7"/>
+                                            </p:txEl>
+                                          </p:spTgt>
+                                        </p:tgtEl>
+                                        <p:attrNameLst>
+                                          <p:attrName>ppt_x</p:attrName>
+                                        </p:attrNameLst>
+                                      </p:cBhvr>
+                                      <p:tavLst>
+                                        <p:tav tm="0">
+                                          <p:val>
+                                            <p:strVal val="#ppt_x"/>
+                                          </p:val>
+                                        </p:tav>
+                                        <p:tav tm="100000">
+                                          <p:val>
+                                            <p:strVal val="#ppt_x"/>
+                                          </p:val>
+                                        </p:tav>
+                                      </p:tavLst>
+                                    </p:anim>
+                                    <p:anim calcmode="lin" valueType="num">
+                                      <p:cBhvr additive="base">
+                                        <p:cTn id="28" dur="500" fill="hold"/>
+                                        <p:tgtEl>
+                                          <p:spTgt spid="3">
+                                            <p:txEl>
+                                              <p:pRg st="7" end="7"/>
+                                            </p:txEl>
+                                          </p:spTgt>
+                                        </p:tgtEl>
+                                        <p:attrNameLst>
+                                          <p:attrName>ppt_y</p:attrName>
+                                        </p:attrNameLst>
+                                      </p:cBhvr>
+                                      <p:tavLst>
+                                        <p:tav tm="0">
+                                          <p:val>
+                                            <p:strVal val="1+#ppt_h/2"/>
+                                          </p:val>
+                                        </p:tav>
+                                        <p:tav tm="100000">
+                                          <p:val>
+                                            <p:strVal val="#ppt_y"/>
+                                          </p:val>
+                                        </p:tav>
+                                      </p:tavLst>
+                                    </p:anim>
+                                  </p:childTnLst>
+                                </p:cTn>
+                              </p:par>
+                            </p:childTnLst>
+                          </p:cTn>
+                        </p:par>
+                      </p:childTnLst>
+                    </p:cTn>
+                  </p:par>
+                </p:childTnLst>
+              </p:cTn>
+              <p:prevCondLst>
+                <p:cond evt="onPrev" delay="0">
+                  <p:tgtEl>
+                    <p:sldTgt/>
+                  </p:tgtEl>
+                </p:cond>
+              </p:prevCondLst>
+              <p:nextCondLst>
+                <p:cond evt="onNext" delay="0">
+                  <p:tgtEl>
+                    <p:sldTgt/>
+                  </p:tgtEl>
+                </p:cond>
+              </p:nextCondLst>
+            </p:seq>
+          </p:childTnLst>
+        </p:cTn>
+      </p:par>
+    </p:tnLst>
+    <p:bldLst>
+      <p:bldP spid="9" grpId="0" animBg="1"/>
+    </p:bldLst>
+  </p:timing>
 </p:sld>
 </file>
 
@@ -19554,7 +23937,7 @@
           <p:cNvPr id="2" name="Titel 1">
             <a:extLst>
               <a:ext uri="{FF2B5EF4-FFF2-40B4-BE49-F238E27FC236}">
-                <a16:creationId xmlns:a16="http://schemas.microsoft.com/office/drawing/2014/main" id="{8FBB6104-C7B5-4F16-93D2-F17144E9E054}"/>
+                <a16:creationId xmlns:a16="http://schemas.microsoft.com/office/drawing/2014/main" id="{3CE75202-6D96-418A-86BE-C0DD2E940939}"/>
               </a:ext>
             </a:extLst>
           </p:cNvPr>
@@ -19565,14 +23948,19 @@
             <p:ph type="title"/>
           </p:nvPr>
         </p:nvSpPr>
-        <p:spPr/>
+        <p:spPr>
+          <a:xfrm>
+            <a:off x="316927" y="157637"/>
+            <a:ext cx="9404723" cy="1400530"/>
+          </a:xfrm>
+        </p:spPr>
         <p:txBody>
           <a:bodyPr/>
           <a:lstStyle/>
           <a:p>
             <a:r>
               <a:rPr lang="en-GB" dirty="0"/>
-              <a:t>Discussion</a:t>
+              <a:t>Results</a:t>
             </a:r>
           </a:p>
         </p:txBody>
@@ -19582,7 +23970,7 @@
           <p:cNvPr id="3" name="Inhaltsplatzhalter 2">
             <a:extLst>
               <a:ext uri="{FF2B5EF4-FFF2-40B4-BE49-F238E27FC236}">
-                <a16:creationId xmlns:a16="http://schemas.microsoft.com/office/drawing/2014/main" id="{9E9CE1B8-6BE1-4077-A8EF-DBF96BF4A845}"/>
+                <a16:creationId xmlns:a16="http://schemas.microsoft.com/office/drawing/2014/main" id="{8C7020D7-BCEA-46D6-BB2D-34A4F0ECE63C}"/>
               </a:ext>
             </a:extLst>
           </p:cNvPr>
@@ -19598,7 +23986,10 @@
           <a:bodyPr/>
           <a:lstStyle/>
           <a:p>
-            <a:endParaRPr lang="en-GB"/>
+            <a:pPr marL="0" indent="0">
+              <a:buNone/>
+            </a:pPr>
+            <a:endParaRPr lang="en-GB" b="1" dirty="0"/>
           </a:p>
         </p:txBody>
       </p:sp>
@@ -19607,7 +23998,7 @@
           <p:cNvPr id="4" name="Foliennummernplatzhalter 3">
             <a:extLst>
               <a:ext uri="{FF2B5EF4-FFF2-40B4-BE49-F238E27FC236}">
-                <a16:creationId xmlns:a16="http://schemas.microsoft.com/office/drawing/2014/main" id="{C9552EEF-9399-40E9-87A8-ABD8BCAB9982}"/>
+                <a16:creationId xmlns:a16="http://schemas.microsoft.com/office/drawing/2014/main" id="{9542D3F0-5541-48C2-849B-067ED3D1115C}"/>
               </a:ext>
             </a:extLst>
           </p:cNvPr>
@@ -19631,10 +24022,210 @@
           </a:p>
         </p:txBody>
       </p:sp>
+      <p:pic>
+        <p:nvPicPr>
+          <p:cNvPr id="5" name="Grafik 4">
+            <a:extLst>
+              <a:ext uri="{FF2B5EF4-FFF2-40B4-BE49-F238E27FC236}">
+                <a16:creationId xmlns:a16="http://schemas.microsoft.com/office/drawing/2014/main" id="{172BBD3B-5027-442E-8C6A-64096C4EEC8F}"/>
+              </a:ext>
+            </a:extLst>
+          </p:cNvPr>
+          <p:cNvPicPr/>
+          <p:nvPr/>
+        </p:nvPicPr>
+        <p:blipFill>
+          <a:blip r:embed="rId3" cstate="print">
+            <a:extLst>
+              <a:ext uri="{BEBA8EAE-BF5A-486C-A8C5-ECC9F3942E4B}">
+                <a14:imgProps xmlns:a14="http://schemas.microsoft.com/office/drawing/2010/main">
+                  <a14:imgLayer r:embed="rId4">
+                    <a14:imgEffect>
+                      <a14:saturation sat="200000"/>
+                    </a14:imgEffect>
+                  </a14:imgLayer>
+                </a14:imgProps>
+              </a:ext>
+              <a:ext uri="{28A0092B-C50C-407E-A947-70E740481C1C}">
+                <a14:useLocalDpi xmlns:a14="http://schemas.microsoft.com/office/drawing/2010/main" val="0"/>
+              </a:ext>
+            </a:extLst>
+          </a:blip>
+          <a:stretch>
+            <a:fillRect/>
+          </a:stretch>
+        </p:blipFill>
+        <p:spPr>
+          <a:xfrm>
+            <a:off x="1756851" y="1063416"/>
+            <a:ext cx="5397500" cy="5397500"/>
+          </a:xfrm>
+          <a:prstGeom prst="rect">
+            <a:avLst/>
+          </a:prstGeom>
+        </p:spPr>
+      </p:pic>
+      <p:sp>
+        <p:nvSpPr>
+          <p:cNvPr id="6" name="Rechteck 5">
+            <a:extLst>
+              <a:ext uri="{FF2B5EF4-FFF2-40B4-BE49-F238E27FC236}">
+                <a16:creationId xmlns:a16="http://schemas.microsoft.com/office/drawing/2014/main" id="{9FDF0963-E816-435D-969A-18D433BDE840}"/>
+              </a:ext>
+            </a:extLst>
+          </p:cNvPr>
+          <p:cNvSpPr/>
+          <p:nvPr/>
+        </p:nvSpPr>
+        <p:spPr>
+          <a:xfrm>
+            <a:off x="2548695" y="6242626"/>
+            <a:ext cx="4605655" cy="369332"/>
+          </a:xfrm>
+          <a:prstGeom prst="rect">
+            <a:avLst/>
+          </a:prstGeom>
+          <a:solidFill>
+            <a:schemeClr val="tx1"/>
+          </a:solidFill>
+        </p:spPr>
+        <p:txBody>
+          <a:bodyPr wrap="square">
+            <a:spAutoFit/>
+          </a:bodyPr>
+          <a:lstStyle/>
+          <a:p>
+            <a:r>
+              <a:rPr lang="en-GB" b="1" dirty="0">
+                <a:solidFill>
+                  <a:schemeClr val="bg1"/>
+                </a:solidFill>
+                <a:latin typeface="+mj-lt"/>
+                <a:ea typeface="Calibri" panose="020F0502020204030204" pitchFamily="34" charset="0"/>
+              </a:rPr>
+              <a:t>nature – GIS technology/critic gradient </a:t>
+            </a:r>
+            <a:endParaRPr lang="en-GB" b="1" dirty="0">
+              <a:solidFill>
+                <a:schemeClr val="bg1"/>
+              </a:solidFill>
+              <a:latin typeface="+mj-lt"/>
+            </a:endParaRPr>
+          </a:p>
+        </p:txBody>
+      </p:sp>
+      <p:sp>
+        <p:nvSpPr>
+          <p:cNvPr id="7" name="Rechteck 6">
+            <a:extLst>
+              <a:ext uri="{FF2B5EF4-FFF2-40B4-BE49-F238E27FC236}">
+                <a16:creationId xmlns:a16="http://schemas.microsoft.com/office/drawing/2014/main" id="{317FBE5B-892B-4806-8026-18BF1BB93C45}"/>
+              </a:ext>
+            </a:extLst>
+          </p:cNvPr>
+          <p:cNvSpPr/>
+          <p:nvPr/>
+        </p:nvSpPr>
+        <p:spPr>
+          <a:xfrm rot="16200000">
+            <a:off x="-344851" y="3760174"/>
+            <a:ext cx="4203404" cy="369332"/>
+          </a:xfrm>
+          <a:prstGeom prst="rect">
+            <a:avLst/>
+          </a:prstGeom>
+          <a:solidFill>
+            <a:schemeClr val="tx1"/>
+          </a:solidFill>
+        </p:spPr>
+        <p:txBody>
+          <a:bodyPr wrap="square">
+            <a:spAutoFit/>
+          </a:bodyPr>
+          <a:lstStyle/>
+          <a:p>
+            <a:r>
+              <a:rPr lang="en-GB" b="1" dirty="0">
+                <a:solidFill>
+                  <a:schemeClr val="bg1"/>
+                </a:solidFill>
+              </a:rPr>
+              <a:t>urban – participatory gradient </a:t>
+            </a:r>
+          </a:p>
+        </p:txBody>
+      </p:sp>
+      <p:sp>
+        <p:nvSpPr>
+          <p:cNvPr id="9" name="Textfeld 8">
+            <a:extLst>
+              <a:ext uri="{FF2B5EF4-FFF2-40B4-BE49-F238E27FC236}">
+                <a16:creationId xmlns:a16="http://schemas.microsoft.com/office/drawing/2014/main" id="{6DB03A23-B9BF-463D-A572-2FE6A5D9BE53}"/>
+              </a:ext>
+            </a:extLst>
+          </p:cNvPr>
+          <p:cNvSpPr txBox="1"/>
+          <p:nvPr/>
+        </p:nvSpPr>
+        <p:spPr>
+          <a:xfrm>
+            <a:off x="7294621" y="2950329"/>
+            <a:ext cx="4195155" cy="1323439"/>
+          </a:xfrm>
+          <a:prstGeom prst="rect">
+            <a:avLst/>
+          </a:prstGeom>
+          <a:noFill/>
+        </p:spPr>
+        <p:txBody>
+          <a:bodyPr wrap="square" rtlCol="0">
+            <a:spAutoFit/>
+          </a:bodyPr>
+          <a:lstStyle/>
+          <a:p>
+            <a:pPr marL="342900" indent="-342900">
+              <a:buAutoNum type="arabicPeriod"/>
+            </a:pPr>
+            <a:r>
+              <a:rPr lang="en-GB" sz="2000" dirty="0"/>
+              <a:t>Media and technology</a:t>
+            </a:r>
+          </a:p>
+          <a:p>
+            <a:pPr marL="342900" indent="-342900">
+              <a:buAutoNum type="arabicPeriod"/>
+            </a:pPr>
+            <a:r>
+              <a:rPr lang="en-GB" sz="2000" dirty="0"/>
+              <a:t>Ecology and landscape</a:t>
+            </a:r>
+          </a:p>
+          <a:p>
+            <a:pPr marL="342900" indent="-342900">
+              <a:buAutoNum type="arabicPeriod"/>
+            </a:pPr>
+            <a:r>
+              <a:rPr lang="en-GB" sz="2000" dirty="0"/>
+              <a:t>Infrastructure research</a:t>
+            </a:r>
+            <a:r>
+              <a:rPr lang="de-DE" sz="2000" dirty="0"/>
+              <a:t> </a:t>
+            </a:r>
+            <a:endParaRPr lang="en-GB" sz="2000" dirty="0"/>
+          </a:p>
+          <a:p>
+            <a:r>
+              <a:rPr lang="en-GB" sz="2000" dirty="0"/>
+              <a:t>4. Participation and community</a:t>
+            </a:r>
+          </a:p>
+        </p:txBody>
+      </p:sp>
     </p:spTree>
     <p:extLst>
       <p:ext uri="{BB962C8B-B14F-4D97-AF65-F5344CB8AC3E}">
-        <p14:creationId xmlns:p14="http://schemas.microsoft.com/office/powerpoint/2010/main" val="1253709460"/>
+        <p14:creationId xmlns:p14="http://schemas.microsoft.com/office/powerpoint/2010/main" val="219238144"/>
       </p:ext>
     </p:extLst>
   </p:cSld>
@@ -19666,7 +24257,7 @@
           <p:cNvPr id="2" name="Titel 1">
             <a:extLst>
               <a:ext uri="{FF2B5EF4-FFF2-40B4-BE49-F238E27FC236}">
-                <a16:creationId xmlns:a16="http://schemas.microsoft.com/office/drawing/2014/main" id="{8FBB6104-C7B5-4F16-93D2-F17144E9E054}"/>
+                <a16:creationId xmlns:a16="http://schemas.microsoft.com/office/drawing/2014/main" id="{3CE75202-6D96-418A-86BE-C0DD2E940939}"/>
               </a:ext>
             </a:extLst>
           </p:cNvPr>
@@ -19684,7 +24275,7 @@
           <a:p>
             <a:r>
               <a:rPr lang="en-GB" dirty="0"/>
-              <a:t>Discussion</a:t>
+              <a:t>Results</a:t>
             </a:r>
           </a:p>
         </p:txBody>
@@ -19694,7 +24285,7 @@
           <p:cNvPr id="3" name="Inhaltsplatzhalter 2">
             <a:extLst>
               <a:ext uri="{FF2B5EF4-FFF2-40B4-BE49-F238E27FC236}">
-                <a16:creationId xmlns:a16="http://schemas.microsoft.com/office/drawing/2014/main" id="{9E9CE1B8-6BE1-4077-A8EF-DBF96BF4A845}"/>
+                <a16:creationId xmlns:a16="http://schemas.microsoft.com/office/drawing/2014/main" id="{8C7020D7-BCEA-46D6-BB2D-34A4F0ECE63C}"/>
               </a:ext>
             </a:extLst>
           </p:cNvPr>
@@ -19710,7 +24301,10 @@
           <a:bodyPr/>
           <a:lstStyle/>
           <a:p>
-            <a:endParaRPr lang="en-GB"/>
+            <a:pPr marL="0" indent="0">
+              <a:buNone/>
+            </a:pPr>
+            <a:endParaRPr lang="en-GB" b="1" dirty="0"/>
           </a:p>
         </p:txBody>
       </p:sp>
@@ -19719,7 +24313,7 @@
           <p:cNvPr id="4" name="Foliennummernplatzhalter 3">
             <a:extLst>
               <a:ext uri="{FF2B5EF4-FFF2-40B4-BE49-F238E27FC236}">
-                <a16:creationId xmlns:a16="http://schemas.microsoft.com/office/drawing/2014/main" id="{C9552EEF-9399-40E9-87A8-ABD8BCAB9982}"/>
+                <a16:creationId xmlns:a16="http://schemas.microsoft.com/office/drawing/2014/main" id="{9542D3F0-5541-48C2-849B-067ED3D1115C}"/>
               </a:ext>
             </a:extLst>
           </p:cNvPr>
@@ -19746,7 +24340,7 @@
     </p:spTree>
     <p:extLst>
       <p:ext uri="{BB962C8B-B14F-4D97-AF65-F5344CB8AC3E}">
-        <p14:creationId xmlns:p14="http://schemas.microsoft.com/office/powerpoint/2010/main" val="1286690985"/>
+        <p14:creationId xmlns:p14="http://schemas.microsoft.com/office/powerpoint/2010/main" val="4127131720"/>
       </p:ext>
     </p:extLst>
   </p:cSld>
@@ -19858,7 +24452,7 @@
     </p:spTree>
     <p:extLst>
       <p:ext uri="{BB962C8B-B14F-4D97-AF65-F5344CB8AC3E}">
-        <p14:creationId xmlns:p14="http://schemas.microsoft.com/office/powerpoint/2010/main" val="1914061052"/>
+        <p14:creationId xmlns:p14="http://schemas.microsoft.com/office/powerpoint/2010/main" val="362698759"/>
       </p:ext>
     </p:extLst>
   </p:cSld>
@@ -19970,7 +24564,7 @@
     </p:spTree>
     <p:extLst>
       <p:ext uri="{BB962C8B-B14F-4D97-AF65-F5344CB8AC3E}">
-        <p14:creationId xmlns:p14="http://schemas.microsoft.com/office/powerpoint/2010/main" val="3974241535"/>
+        <p14:creationId xmlns:p14="http://schemas.microsoft.com/office/powerpoint/2010/main" val="1253709460"/>
       </p:ext>
     </p:extLst>
   </p:cSld>
@@ -20201,7 +24795,7 @@
           <p:cNvPr id="2" name="Titel 1">
             <a:extLst>
               <a:ext uri="{FF2B5EF4-FFF2-40B4-BE49-F238E27FC236}">
-                <a16:creationId xmlns:a16="http://schemas.microsoft.com/office/drawing/2014/main" id="{B1E941B2-B2CE-4ACE-8B10-C80AC24415EB}"/>
+                <a16:creationId xmlns:a16="http://schemas.microsoft.com/office/drawing/2014/main" id="{8FBB6104-C7B5-4F16-93D2-F17144E9E054}"/>
               </a:ext>
             </a:extLst>
           </p:cNvPr>
@@ -20219,7 +24813,7 @@
           <a:p>
             <a:r>
               <a:rPr lang="en-GB" dirty="0"/>
-              <a:t>Conclusion</a:t>
+              <a:t>Discussion</a:t>
             </a:r>
           </a:p>
         </p:txBody>
@@ -20229,7 +24823,7 @@
           <p:cNvPr id="3" name="Inhaltsplatzhalter 2">
             <a:extLst>
               <a:ext uri="{FF2B5EF4-FFF2-40B4-BE49-F238E27FC236}">
-                <a16:creationId xmlns:a16="http://schemas.microsoft.com/office/drawing/2014/main" id="{2464A424-C641-47AD-A27F-F639A87C6EE5}"/>
+                <a16:creationId xmlns:a16="http://schemas.microsoft.com/office/drawing/2014/main" id="{9E9CE1B8-6BE1-4077-A8EF-DBF96BF4A845}"/>
               </a:ext>
             </a:extLst>
           </p:cNvPr>
@@ -20254,7 +24848,7 @@
           <p:cNvPr id="4" name="Foliennummernplatzhalter 3">
             <a:extLst>
               <a:ext uri="{FF2B5EF4-FFF2-40B4-BE49-F238E27FC236}">
-                <a16:creationId xmlns:a16="http://schemas.microsoft.com/office/drawing/2014/main" id="{6C28C100-AD5C-4CEF-A4F9-9CB41429D2DB}"/>
+                <a16:creationId xmlns:a16="http://schemas.microsoft.com/office/drawing/2014/main" id="{C9552EEF-9399-40E9-87A8-ABD8BCAB9982}"/>
               </a:ext>
             </a:extLst>
           </p:cNvPr>
@@ -20281,7 +24875,7 @@
     </p:spTree>
     <p:extLst>
       <p:ext uri="{BB962C8B-B14F-4D97-AF65-F5344CB8AC3E}">
-        <p14:creationId xmlns:p14="http://schemas.microsoft.com/office/powerpoint/2010/main" val="1491005497"/>
+        <p14:creationId xmlns:p14="http://schemas.microsoft.com/office/powerpoint/2010/main" val="1286690985"/>
       </p:ext>
     </p:extLst>
   </p:cSld>
@@ -20292,6 +24886,230 @@
 </file>
 
 <file path=ppt/slides/slide21.xml><?xml version="1.0" encoding="utf-8"?>
+<p:sld xmlns:a="http://schemas.openxmlformats.org/drawingml/2006/main" xmlns:r="http://schemas.openxmlformats.org/officeDocument/2006/relationships" xmlns:p="http://schemas.openxmlformats.org/presentationml/2006/main">
+  <p:cSld>
+    <p:spTree>
+      <p:nvGrpSpPr>
+        <p:cNvPr id="1" name=""/>
+        <p:cNvGrpSpPr/>
+        <p:nvPr/>
+      </p:nvGrpSpPr>
+      <p:grpSpPr>
+        <a:xfrm>
+          <a:off x="0" y="0"/>
+          <a:ext cx="0" cy="0"/>
+          <a:chOff x="0" y="0"/>
+          <a:chExt cx="0" cy="0"/>
+        </a:xfrm>
+      </p:grpSpPr>
+      <p:sp>
+        <p:nvSpPr>
+          <p:cNvPr id="2" name="Titel 1">
+            <a:extLst>
+              <a:ext uri="{FF2B5EF4-FFF2-40B4-BE49-F238E27FC236}">
+                <a16:creationId xmlns:a16="http://schemas.microsoft.com/office/drawing/2014/main" id="{8FBB6104-C7B5-4F16-93D2-F17144E9E054}"/>
+              </a:ext>
+            </a:extLst>
+          </p:cNvPr>
+          <p:cNvSpPr>
+            <a:spLocks noGrp="1"/>
+          </p:cNvSpPr>
+          <p:nvPr>
+            <p:ph type="title"/>
+          </p:nvPr>
+        </p:nvSpPr>
+        <p:spPr/>
+        <p:txBody>
+          <a:bodyPr/>
+          <a:lstStyle/>
+          <a:p>
+            <a:r>
+              <a:rPr lang="en-GB" dirty="0"/>
+              <a:t>Discussion</a:t>
+            </a:r>
+          </a:p>
+        </p:txBody>
+      </p:sp>
+      <p:sp>
+        <p:nvSpPr>
+          <p:cNvPr id="3" name="Inhaltsplatzhalter 2">
+            <a:extLst>
+              <a:ext uri="{FF2B5EF4-FFF2-40B4-BE49-F238E27FC236}">
+                <a16:creationId xmlns:a16="http://schemas.microsoft.com/office/drawing/2014/main" id="{9E9CE1B8-6BE1-4077-A8EF-DBF96BF4A845}"/>
+              </a:ext>
+            </a:extLst>
+          </p:cNvPr>
+          <p:cNvSpPr>
+            <a:spLocks noGrp="1"/>
+          </p:cNvSpPr>
+          <p:nvPr>
+            <p:ph idx="1"/>
+          </p:nvPr>
+        </p:nvSpPr>
+        <p:spPr/>
+        <p:txBody>
+          <a:bodyPr/>
+          <a:lstStyle/>
+          <a:p>
+            <a:endParaRPr lang="en-GB"/>
+          </a:p>
+        </p:txBody>
+      </p:sp>
+      <p:sp>
+        <p:nvSpPr>
+          <p:cNvPr id="4" name="Foliennummernplatzhalter 3">
+            <a:extLst>
+              <a:ext uri="{FF2B5EF4-FFF2-40B4-BE49-F238E27FC236}">
+                <a16:creationId xmlns:a16="http://schemas.microsoft.com/office/drawing/2014/main" id="{C9552EEF-9399-40E9-87A8-ABD8BCAB9982}"/>
+              </a:ext>
+            </a:extLst>
+          </p:cNvPr>
+          <p:cNvSpPr>
+            <a:spLocks noGrp="1"/>
+          </p:cNvSpPr>
+          <p:nvPr>
+            <p:ph type="sldNum" sz="quarter" idx="12"/>
+          </p:nvPr>
+        </p:nvSpPr>
+        <p:spPr/>
+        <p:txBody>
+          <a:bodyPr/>
+          <a:lstStyle/>
+          <a:p>
+            <a:fld id="{D57F1E4F-1CFF-5643-939E-02111984F565}" type="slidenum">
+              <a:rPr lang="en-US" smtClean="0"/>
+              <a:t>21</a:t>
+            </a:fld>
+            <a:endParaRPr lang="en-US" dirty="0"/>
+          </a:p>
+        </p:txBody>
+      </p:sp>
+    </p:spTree>
+    <p:extLst>
+      <p:ext uri="{BB962C8B-B14F-4D97-AF65-F5344CB8AC3E}">
+        <p14:creationId xmlns:p14="http://schemas.microsoft.com/office/powerpoint/2010/main" val="1914061052"/>
+      </p:ext>
+    </p:extLst>
+  </p:cSld>
+  <p:clrMapOvr>
+    <a:masterClrMapping/>
+  </p:clrMapOvr>
+</p:sld>
+</file>
+
+<file path=ppt/slides/slide22.xml><?xml version="1.0" encoding="utf-8"?>
+<p:sld xmlns:a="http://schemas.openxmlformats.org/drawingml/2006/main" xmlns:r="http://schemas.openxmlformats.org/officeDocument/2006/relationships" xmlns:p="http://schemas.openxmlformats.org/presentationml/2006/main">
+  <p:cSld>
+    <p:spTree>
+      <p:nvGrpSpPr>
+        <p:cNvPr id="1" name=""/>
+        <p:cNvGrpSpPr/>
+        <p:nvPr/>
+      </p:nvGrpSpPr>
+      <p:grpSpPr>
+        <a:xfrm>
+          <a:off x="0" y="0"/>
+          <a:ext cx="0" cy="0"/>
+          <a:chOff x="0" y="0"/>
+          <a:chExt cx="0" cy="0"/>
+        </a:xfrm>
+      </p:grpSpPr>
+      <p:sp>
+        <p:nvSpPr>
+          <p:cNvPr id="2" name="Titel 1">
+            <a:extLst>
+              <a:ext uri="{FF2B5EF4-FFF2-40B4-BE49-F238E27FC236}">
+                <a16:creationId xmlns:a16="http://schemas.microsoft.com/office/drawing/2014/main" id="{8FBB6104-C7B5-4F16-93D2-F17144E9E054}"/>
+              </a:ext>
+            </a:extLst>
+          </p:cNvPr>
+          <p:cNvSpPr>
+            <a:spLocks noGrp="1"/>
+          </p:cNvSpPr>
+          <p:nvPr>
+            <p:ph type="title"/>
+          </p:nvPr>
+        </p:nvSpPr>
+        <p:spPr/>
+        <p:txBody>
+          <a:bodyPr/>
+          <a:lstStyle/>
+          <a:p>
+            <a:r>
+              <a:rPr lang="en-GB" dirty="0"/>
+              <a:t>Discussion</a:t>
+            </a:r>
+          </a:p>
+        </p:txBody>
+      </p:sp>
+      <p:sp>
+        <p:nvSpPr>
+          <p:cNvPr id="3" name="Inhaltsplatzhalter 2">
+            <a:extLst>
+              <a:ext uri="{FF2B5EF4-FFF2-40B4-BE49-F238E27FC236}">
+                <a16:creationId xmlns:a16="http://schemas.microsoft.com/office/drawing/2014/main" id="{9E9CE1B8-6BE1-4077-A8EF-DBF96BF4A845}"/>
+              </a:ext>
+            </a:extLst>
+          </p:cNvPr>
+          <p:cNvSpPr>
+            <a:spLocks noGrp="1"/>
+          </p:cNvSpPr>
+          <p:nvPr>
+            <p:ph idx="1"/>
+          </p:nvPr>
+        </p:nvSpPr>
+        <p:spPr/>
+        <p:txBody>
+          <a:bodyPr/>
+          <a:lstStyle/>
+          <a:p>
+            <a:endParaRPr lang="en-GB"/>
+          </a:p>
+        </p:txBody>
+      </p:sp>
+      <p:sp>
+        <p:nvSpPr>
+          <p:cNvPr id="4" name="Foliennummernplatzhalter 3">
+            <a:extLst>
+              <a:ext uri="{FF2B5EF4-FFF2-40B4-BE49-F238E27FC236}">
+                <a16:creationId xmlns:a16="http://schemas.microsoft.com/office/drawing/2014/main" id="{C9552EEF-9399-40E9-87A8-ABD8BCAB9982}"/>
+              </a:ext>
+            </a:extLst>
+          </p:cNvPr>
+          <p:cNvSpPr>
+            <a:spLocks noGrp="1"/>
+          </p:cNvSpPr>
+          <p:nvPr>
+            <p:ph type="sldNum" sz="quarter" idx="12"/>
+          </p:nvPr>
+        </p:nvSpPr>
+        <p:spPr/>
+        <p:txBody>
+          <a:bodyPr/>
+          <a:lstStyle/>
+          <a:p>
+            <a:fld id="{D57F1E4F-1CFF-5643-939E-02111984F565}" type="slidenum">
+              <a:rPr lang="en-US" smtClean="0"/>
+              <a:t>22</a:t>
+            </a:fld>
+            <a:endParaRPr lang="en-US" dirty="0"/>
+          </a:p>
+        </p:txBody>
+      </p:sp>
+    </p:spTree>
+    <p:extLst>
+      <p:ext uri="{BB962C8B-B14F-4D97-AF65-F5344CB8AC3E}">
+        <p14:creationId xmlns:p14="http://schemas.microsoft.com/office/powerpoint/2010/main" val="3974241535"/>
+      </p:ext>
+    </p:extLst>
+  </p:cSld>
+  <p:clrMapOvr>
+    <a:masterClrMapping/>
+  </p:clrMapOvr>
+</p:sld>
+</file>
+
+<file path=ppt/slides/slide23.xml><?xml version="1.0" encoding="utf-8"?>
 <p:sld xmlns:a="http://schemas.openxmlformats.org/drawingml/2006/main" xmlns:r="http://schemas.openxmlformats.org/officeDocument/2006/relationships" xmlns:p="http://schemas.openxmlformats.org/presentationml/2006/main">
   <p:cSld>
     <p:spTree>
@@ -20331,7 +25149,7 @@
           <a:p>
             <a:r>
               <a:rPr lang="en-GB" dirty="0"/>
-              <a:t>Literature</a:t>
+              <a:t>Conclusion</a:t>
             </a:r>
           </a:p>
         </p:txBody>
@@ -20384,7 +25202,119 @@
           <a:p>
             <a:fld id="{D57F1E4F-1CFF-5643-939E-02111984F565}" type="slidenum">
               <a:rPr lang="en-US" smtClean="0"/>
-              <a:t>21</a:t>
+              <a:t>23</a:t>
+            </a:fld>
+            <a:endParaRPr lang="en-US" dirty="0"/>
+          </a:p>
+        </p:txBody>
+      </p:sp>
+    </p:spTree>
+    <p:extLst>
+      <p:ext uri="{BB962C8B-B14F-4D97-AF65-F5344CB8AC3E}">
+        <p14:creationId xmlns:p14="http://schemas.microsoft.com/office/powerpoint/2010/main" val="1491005497"/>
+      </p:ext>
+    </p:extLst>
+  </p:cSld>
+  <p:clrMapOvr>
+    <a:masterClrMapping/>
+  </p:clrMapOvr>
+</p:sld>
+</file>
+
+<file path=ppt/slides/slide24.xml><?xml version="1.0" encoding="utf-8"?>
+<p:sld xmlns:a="http://schemas.openxmlformats.org/drawingml/2006/main" xmlns:r="http://schemas.openxmlformats.org/officeDocument/2006/relationships" xmlns:p="http://schemas.openxmlformats.org/presentationml/2006/main">
+  <p:cSld>
+    <p:spTree>
+      <p:nvGrpSpPr>
+        <p:cNvPr id="1" name=""/>
+        <p:cNvGrpSpPr/>
+        <p:nvPr/>
+      </p:nvGrpSpPr>
+      <p:grpSpPr>
+        <a:xfrm>
+          <a:off x="0" y="0"/>
+          <a:ext cx="0" cy="0"/>
+          <a:chOff x="0" y="0"/>
+          <a:chExt cx="0" cy="0"/>
+        </a:xfrm>
+      </p:grpSpPr>
+      <p:sp>
+        <p:nvSpPr>
+          <p:cNvPr id="2" name="Titel 1">
+            <a:extLst>
+              <a:ext uri="{FF2B5EF4-FFF2-40B4-BE49-F238E27FC236}">
+                <a16:creationId xmlns:a16="http://schemas.microsoft.com/office/drawing/2014/main" id="{B1E941B2-B2CE-4ACE-8B10-C80AC24415EB}"/>
+              </a:ext>
+            </a:extLst>
+          </p:cNvPr>
+          <p:cNvSpPr>
+            <a:spLocks noGrp="1"/>
+          </p:cNvSpPr>
+          <p:nvPr>
+            <p:ph type="title"/>
+          </p:nvPr>
+        </p:nvSpPr>
+        <p:spPr/>
+        <p:txBody>
+          <a:bodyPr/>
+          <a:lstStyle/>
+          <a:p>
+            <a:r>
+              <a:rPr lang="en-GB" dirty="0"/>
+              <a:t>Literature</a:t>
+            </a:r>
+          </a:p>
+        </p:txBody>
+      </p:sp>
+      <p:sp>
+        <p:nvSpPr>
+          <p:cNvPr id="3" name="Inhaltsplatzhalter 2">
+            <a:extLst>
+              <a:ext uri="{FF2B5EF4-FFF2-40B4-BE49-F238E27FC236}">
+                <a16:creationId xmlns:a16="http://schemas.microsoft.com/office/drawing/2014/main" id="{2464A424-C641-47AD-A27F-F639A87C6EE5}"/>
+              </a:ext>
+            </a:extLst>
+          </p:cNvPr>
+          <p:cNvSpPr>
+            <a:spLocks noGrp="1"/>
+          </p:cNvSpPr>
+          <p:nvPr>
+            <p:ph idx="1"/>
+          </p:nvPr>
+        </p:nvSpPr>
+        <p:spPr/>
+        <p:txBody>
+          <a:bodyPr/>
+          <a:lstStyle/>
+          <a:p>
+            <a:endParaRPr lang="en-GB"/>
+          </a:p>
+        </p:txBody>
+      </p:sp>
+      <p:sp>
+        <p:nvSpPr>
+          <p:cNvPr id="4" name="Foliennummernplatzhalter 3">
+            <a:extLst>
+              <a:ext uri="{FF2B5EF4-FFF2-40B4-BE49-F238E27FC236}">
+                <a16:creationId xmlns:a16="http://schemas.microsoft.com/office/drawing/2014/main" id="{6C28C100-AD5C-4CEF-A4F9-9CB41429D2DB}"/>
+              </a:ext>
+            </a:extLst>
+          </p:cNvPr>
+          <p:cNvSpPr>
+            <a:spLocks noGrp="1"/>
+          </p:cNvSpPr>
+          <p:nvPr>
+            <p:ph type="sldNum" sz="quarter" idx="12"/>
+          </p:nvPr>
+        </p:nvSpPr>
+        <p:spPr/>
+        <p:txBody>
+          <a:bodyPr/>
+          <a:lstStyle/>
+          <a:p>
+            <a:fld id="{D57F1E4F-1CFF-5643-939E-02111984F565}" type="slidenum">
+              <a:rPr lang="en-US" smtClean="0"/>
+              <a:t>24</a:t>
             </a:fld>
             <a:endParaRPr lang="en-US" dirty="0"/>
           </a:p>
@@ -21931,16 +26861,23 @@
             <p:ph idx="1"/>
           </p:nvPr>
         </p:nvSpPr>
-        <p:spPr/>
+        <p:spPr>
+          <a:xfrm>
+            <a:off x="646111" y="2052918"/>
+            <a:ext cx="10326689" cy="4195481"/>
+          </a:xfrm>
+        </p:spPr>
         <p:txBody>
-          <a:bodyPr/>
+          <a:bodyPr>
+            <a:normAutofit/>
+          </a:bodyPr>
           <a:lstStyle/>
           <a:p>
             <a:pPr marL="0" indent="0">
               <a:buNone/>
             </a:pPr>
             <a:r>
-              <a:rPr lang="en-GB" b="1"/>
+              <a:rPr lang="en-GB" sz="2400" b="1" dirty="0"/>
               <a:t>Research Questions:</a:t>
             </a:r>
           </a:p>
@@ -21952,8 +26889,8 @@
               <a:buNone/>
             </a:pPr>
             <a:r>
-              <a:rPr lang="en-GB"/>
-              <a:t>1. What is the current state of qualitative GIS?</a:t>
+              <a:rPr lang="en-GB" sz="2400" dirty="0"/>
+              <a:t>1. What is the current state and relevance of qualitative GIS?</a:t>
             </a:r>
           </a:p>
           <a:p>
@@ -21964,8 +26901,8 @@
               <a:buNone/>
             </a:pPr>
             <a:r>
-              <a:rPr lang="en-GB"/>
-              <a:t>2. Is the field of qualitative GIS dominated by proprietary Software?</a:t>
+              <a:rPr lang="en-GB" sz="2400" dirty="0"/>
+              <a:t>2. Which software and qual. method has been most often applied? </a:t>
             </a:r>
           </a:p>
           <a:p>
@@ -21976,15 +26913,28 @@
               <a:buNone/>
             </a:pPr>
             <a:r>
-              <a:rPr lang="en-GB"/>
-              <a:t>3. Reproducible Approach to qualitative GIS.</a:t>
+              <a:rPr lang="en-GB" sz="2400" dirty="0"/>
+              <a:t>3. Identification of prominent research directions. </a:t>
             </a:r>
           </a:p>
           <a:p>
             <a:pPr marL="0" indent="0">
+              <a:lnSpc>
+                <a:spcPct val="200000"/>
+              </a:lnSpc>
               <a:buNone/>
             </a:pPr>
-            <a:endParaRPr lang="en-GB" b="1"/>
+            <a:r>
+              <a:rPr lang="en-GB" sz="2400" dirty="0">
+                <a:sym typeface="Wingdings" panose="05000000000000000000" pitchFamily="2" charset="2"/>
+              </a:rPr>
+              <a:t>	 </a:t>
+            </a:r>
+            <a:r>
+              <a:rPr lang="en-GB" sz="2400" dirty="0"/>
+              <a:t>as reproducible qual. GIS approach</a:t>
+            </a:r>
+            <a:endParaRPr lang="en-GB" sz="2400" b="1" dirty="0"/>
           </a:p>
         </p:txBody>
       </p:sp>
@@ -22027,239 +26977,287 @@
   <p:clrMapOvr>
     <a:masterClrMapping/>
   </p:clrMapOvr>
+  <p:timing>
+    <p:tnLst>
+      <p:par>
+        <p:cTn id="1" dur="indefinite" restart="never" nodeType="tmRoot">
+          <p:childTnLst>
+            <p:seq concurrent="1" nextAc="seek">
+              <p:cTn id="2" dur="indefinite" nodeType="mainSeq">
+                <p:childTnLst>
+                  <p:par>
+                    <p:cTn id="3" fill="hold">
+                      <p:stCondLst>
+                        <p:cond delay="indefinite"/>
+                      </p:stCondLst>
+                      <p:childTnLst>
+                        <p:par>
+                          <p:cTn id="4" fill="hold">
+                            <p:stCondLst>
+                              <p:cond delay="0"/>
+                            </p:stCondLst>
+                            <p:childTnLst>
+                              <p:par>
+                                <p:cTn id="5" presetID="16" presetClass="entr" presetSubtype="21" fill="hold" grpId="0" nodeType="clickEffect">
+                                  <p:stCondLst>
+                                    <p:cond delay="0"/>
+                                  </p:stCondLst>
+                                  <p:childTnLst>
+                                    <p:set>
+                                      <p:cBhvr>
+                                        <p:cTn id="6" dur="1" fill="hold">
+                                          <p:stCondLst>
+                                            <p:cond delay="0"/>
+                                          </p:stCondLst>
+                                        </p:cTn>
+                                        <p:tgtEl>
+                                          <p:spTgt spid="3">
+                                            <p:txEl>
+                                              <p:pRg st="1" end="1"/>
+                                            </p:txEl>
+                                          </p:spTgt>
+                                        </p:tgtEl>
+                                        <p:attrNameLst>
+                                          <p:attrName>style.visibility</p:attrName>
+                                        </p:attrNameLst>
+                                      </p:cBhvr>
+                                      <p:to>
+                                        <p:strVal val="visible"/>
+                                      </p:to>
+                                    </p:set>
+                                    <p:animEffect transition="in" filter="barn(inVertical)">
+                                      <p:cBhvr>
+                                        <p:cTn id="7" dur="500"/>
+                                        <p:tgtEl>
+                                          <p:spTgt spid="3">
+                                            <p:txEl>
+                                              <p:pRg st="1" end="1"/>
+                                            </p:txEl>
+                                          </p:spTgt>
+                                        </p:tgtEl>
+                                      </p:cBhvr>
+                                    </p:animEffect>
+                                  </p:childTnLst>
+                                </p:cTn>
+                              </p:par>
+                            </p:childTnLst>
+                          </p:cTn>
+                        </p:par>
+                      </p:childTnLst>
+                    </p:cTn>
+                  </p:par>
+                  <p:par>
+                    <p:cTn id="8" fill="hold">
+                      <p:stCondLst>
+                        <p:cond delay="indefinite"/>
+                      </p:stCondLst>
+                      <p:childTnLst>
+                        <p:par>
+                          <p:cTn id="9" fill="hold">
+                            <p:stCondLst>
+                              <p:cond delay="0"/>
+                            </p:stCondLst>
+                            <p:childTnLst>
+                              <p:par>
+                                <p:cTn id="10" presetID="16" presetClass="entr" presetSubtype="21" fill="hold" grpId="0" nodeType="clickEffect">
+                                  <p:stCondLst>
+                                    <p:cond delay="0"/>
+                                  </p:stCondLst>
+                                  <p:childTnLst>
+                                    <p:set>
+                                      <p:cBhvr>
+                                        <p:cTn id="11" dur="1" fill="hold">
+                                          <p:stCondLst>
+                                            <p:cond delay="0"/>
+                                          </p:stCondLst>
+                                        </p:cTn>
+                                        <p:tgtEl>
+                                          <p:spTgt spid="3">
+                                            <p:txEl>
+                                              <p:pRg st="2" end="2"/>
+                                            </p:txEl>
+                                          </p:spTgt>
+                                        </p:tgtEl>
+                                        <p:attrNameLst>
+                                          <p:attrName>style.visibility</p:attrName>
+                                        </p:attrNameLst>
+                                      </p:cBhvr>
+                                      <p:to>
+                                        <p:strVal val="visible"/>
+                                      </p:to>
+                                    </p:set>
+                                    <p:animEffect transition="in" filter="barn(inVertical)">
+                                      <p:cBhvr>
+                                        <p:cTn id="12" dur="500"/>
+                                        <p:tgtEl>
+                                          <p:spTgt spid="3">
+                                            <p:txEl>
+                                              <p:pRg st="2" end="2"/>
+                                            </p:txEl>
+                                          </p:spTgt>
+                                        </p:tgtEl>
+                                      </p:cBhvr>
+                                    </p:animEffect>
+                                  </p:childTnLst>
+                                </p:cTn>
+                              </p:par>
+                            </p:childTnLst>
+                          </p:cTn>
+                        </p:par>
+                      </p:childTnLst>
+                    </p:cTn>
+                  </p:par>
+                  <p:par>
+                    <p:cTn id="13" fill="hold">
+                      <p:stCondLst>
+                        <p:cond delay="indefinite"/>
+                      </p:stCondLst>
+                      <p:childTnLst>
+                        <p:par>
+                          <p:cTn id="14" fill="hold">
+                            <p:stCondLst>
+                              <p:cond delay="0"/>
+                            </p:stCondLst>
+                            <p:childTnLst>
+                              <p:par>
+                                <p:cTn id="15" presetID="16" presetClass="entr" presetSubtype="21" fill="hold" grpId="0" nodeType="clickEffect">
+                                  <p:stCondLst>
+                                    <p:cond delay="0"/>
+                                  </p:stCondLst>
+                                  <p:childTnLst>
+                                    <p:set>
+                                      <p:cBhvr>
+                                        <p:cTn id="16" dur="1" fill="hold">
+                                          <p:stCondLst>
+                                            <p:cond delay="0"/>
+                                          </p:stCondLst>
+                                        </p:cTn>
+                                        <p:tgtEl>
+                                          <p:spTgt spid="3">
+                                            <p:txEl>
+                                              <p:pRg st="3" end="3"/>
+                                            </p:txEl>
+                                          </p:spTgt>
+                                        </p:tgtEl>
+                                        <p:attrNameLst>
+                                          <p:attrName>style.visibility</p:attrName>
+                                        </p:attrNameLst>
+                                      </p:cBhvr>
+                                      <p:to>
+                                        <p:strVal val="visible"/>
+                                      </p:to>
+                                    </p:set>
+                                    <p:animEffect transition="in" filter="barn(inVertical)">
+                                      <p:cBhvr>
+                                        <p:cTn id="17" dur="500"/>
+                                        <p:tgtEl>
+                                          <p:spTgt spid="3">
+                                            <p:txEl>
+                                              <p:pRg st="3" end="3"/>
+                                            </p:txEl>
+                                          </p:spTgt>
+                                        </p:tgtEl>
+                                      </p:cBhvr>
+                                    </p:animEffect>
+                                  </p:childTnLst>
+                                </p:cTn>
+                              </p:par>
+                            </p:childTnLst>
+                          </p:cTn>
+                        </p:par>
+                      </p:childTnLst>
+                    </p:cTn>
+                  </p:par>
+                  <p:par>
+                    <p:cTn id="18" fill="hold">
+                      <p:stCondLst>
+                        <p:cond delay="indefinite"/>
+                      </p:stCondLst>
+                      <p:childTnLst>
+                        <p:par>
+                          <p:cTn id="19" fill="hold">
+                            <p:stCondLst>
+                              <p:cond delay="0"/>
+                            </p:stCondLst>
+                            <p:childTnLst>
+                              <p:par>
+                                <p:cTn id="20" presetID="16" presetClass="entr" presetSubtype="21" fill="hold" grpId="0" nodeType="clickEffect">
+                                  <p:stCondLst>
+                                    <p:cond delay="0"/>
+                                  </p:stCondLst>
+                                  <p:childTnLst>
+                                    <p:set>
+                                      <p:cBhvr>
+                                        <p:cTn id="21" dur="1" fill="hold">
+                                          <p:stCondLst>
+                                            <p:cond delay="0"/>
+                                          </p:stCondLst>
+                                        </p:cTn>
+                                        <p:tgtEl>
+                                          <p:spTgt spid="3">
+                                            <p:txEl>
+                                              <p:pRg st="4" end="4"/>
+                                            </p:txEl>
+                                          </p:spTgt>
+                                        </p:tgtEl>
+                                        <p:attrNameLst>
+                                          <p:attrName>style.visibility</p:attrName>
+                                        </p:attrNameLst>
+                                      </p:cBhvr>
+                                      <p:to>
+                                        <p:strVal val="visible"/>
+                                      </p:to>
+                                    </p:set>
+                                    <p:animEffect transition="in" filter="barn(inVertical)">
+                                      <p:cBhvr>
+                                        <p:cTn id="22" dur="500"/>
+                                        <p:tgtEl>
+                                          <p:spTgt spid="3">
+                                            <p:txEl>
+                                              <p:pRg st="4" end="4"/>
+                                            </p:txEl>
+                                          </p:spTgt>
+                                        </p:tgtEl>
+                                      </p:cBhvr>
+                                    </p:animEffect>
+                                  </p:childTnLst>
+                                </p:cTn>
+                              </p:par>
+                            </p:childTnLst>
+                          </p:cTn>
+                        </p:par>
+                      </p:childTnLst>
+                    </p:cTn>
+                  </p:par>
+                </p:childTnLst>
+              </p:cTn>
+              <p:prevCondLst>
+                <p:cond evt="onPrev" delay="0">
+                  <p:tgtEl>
+                    <p:sldTgt/>
+                  </p:tgtEl>
+                </p:cond>
+              </p:prevCondLst>
+              <p:nextCondLst>
+                <p:cond evt="onNext" delay="0">
+                  <p:tgtEl>
+                    <p:sldTgt/>
+                  </p:tgtEl>
+                </p:cond>
+              </p:nextCondLst>
+            </p:seq>
+          </p:childTnLst>
+        </p:cTn>
+      </p:par>
+    </p:tnLst>
+    <p:bldLst>
+      <p:bldP spid="3" grpId="0" uiExpand="1" build="p"/>
+    </p:bldLst>
+  </p:timing>
 </p:sld>
 </file>
 
 <file path=ppt/slides/slide7.xml><?xml version="1.0" encoding="utf-8"?>
-<p:sld xmlns:a="http://schemas.openxmlformats.org/drawingml/2006/main" xmlns:r="http://schemas.openxmlformats.org/officeDocument/2006/relationships" xmlns:p="http://schemas.openxmlformats.org/presentationml/2006/main" show="0">
-  <p:cSld>
-    <p:spTree>
-      <p:nvGrpSpPr>
-        <p:cNvPr id="1" name=""/>
-        <p:cNvGrpSpPr/>
-        <p:nvPr/>
-      </p:nvGrpSpPr>
-      <p:grpSpPr>
-        <a:xfrm>
-          <a:off x="0" y="0"/>
-          <a:ext cx="0" cy="0"/>
-          <a:chOff x="0" y="0"/>
-          <a:chExt cx="0" cy="0"/>
-        </a:xfrm>
-      </p:grpSpPr>
-      <p:sp>
-        <p:nvSpPr>
-          <p:cNvPr id="2" name="Titel 1">
-            <a:extLst>
-              <a:ext uri="{FF2B5EF4-FFF2-40B4-BE49-F238E27FC236}">
-                <a16:creationId xmlns:a16="http://schemas.microsoft.com/office/drawing/2014/main" id="{66952CEE-4B7F-4C15-A073-C7C42D4FF637}"/>
-              </a:ext>
-            </a:extLst>
-          </p:cNvPr>
-          <p:cNvSpPr>
-            <a:spLocks noGrp="1"/>
-          </p:cNvSpPr>
-          <p:nvPr>
-            <p:ph type="title"/>
-          </p:nvPr>
-        </p:nvSpPr>
-        <p:spPr/>
-        <p:txBody>
-          <a:bodyPr/>
-          <a:lstStyle/>
-          <a:p>
-            <a:r>
-              <a:rPr lang="de-DE" dirty="0"/>
-              <a:t>2 </a:t>
-            </a:r>
-            <a:r>
-              <a:rPr lang="de-DE" dirty="0" err="1"/>
-              <a:t>Filling</a:t>
-            </a:r>
-            <a:r>
-              <a:rPr lang="de-DE" dirty="0"/>
-              <a:t> </a:t>
-            </a:r>
-            <a:r>
-              <a:rPr lang="de-DE" dirty="0" err="1"/>
-              <a:t>the</a:t>
-            </a:r>
-            <a:r>
-              <a:rPr lang="de-DE" dirty="0"/>
-              <a:t> Gap</a:t>
-            </a:r>
-          </a:p>
-        </p:txBody>
-      </p:sp>
-      <p:sp>
-        <p:nvSpPr>
-          <p:cNvPr id="3" name="Inhaltsplatzhalter 2">
-            <a:extLst>
-              <a:ext uri="{FF2B5EF4-FFF2-40B4-BE49-F238E27FC236}">
-                <a16:creationId xmlns:a16="http://schemas.microsoft.com/office/drawing/2014/main" id="{ADCCCDD8-C67A-45BD-9DDB-7B02F245AAC8}"/>
-              </a:ext>
-            </a:extLst>
-          </p:cNvPr>
-          <p:cNvSpPr>
-            <a:spLocks noGrp="1"/>
-          </p:cNvSpPr>
-          <p:nvPr>
-            <p:ph idx="1"/>
-          </p:nvPr>
-        </p:nvSpPr>
-        <p:spPr>
-          <a:xfrm>
-            <a:off x="876300" y="1575753"/>
-            <a:ext cx="9174534" cy="4829529"/>
-          </a:xfrm>
-        </p:spPr>
-        <p:txBody>
-          <a:bodyPr>
-            <a:normAutofit/>
-          </a:bodyPr>
-          <a:lstStyle/>
-          <a:p>
-            <a:pPr marL="0" indent="0">
-              <a:buNone/>
-            </a:pPr>
-            <a:r>
-              <a:rPr lang="en-GB" sz="2400" b="1" dirty="0"/>
-              <a:t>Challenges:</a:t>
-            </a:r>
-          </a:p>
-          <a:p>
-            <a:r>
-              <a:rPr lang="en-GB" sz="2400" dirty="0"/>
-              <a:t>Lack of clear information about used Methodology</a:t>
-            </a:r>
-          </a:p>
-          <a:p>
-            <a:r>
-              <a:rPr lang="en-GB" sz="2400" dirty="0"/>
-              <a:t>Dominant use of proprietary software </a:t>
-            </a:r>
-          </a:p>
-          <a:p>
-            <a:pPr marL="457200" lvl="1" indent="0">
-              <a:buNone/>
-            </a:pPr>
-            <a:r>
-              <a:rPr lang="en-GB" sz="2400" dirty="0">
-                <a:sym typeface="Wingdings" panose="05000000000000000000" pitchFamily="2" charset="2"/>
-              </a:rPr>
-              <a:t> Accessibility Limitations: </a:t>
-            </a:r>
-            <a:r>
-              <a:rPr lang="en-GB" sz="2400" b="1" dirty="0">
-                <a:sym typeface="Wingdings" panose="05000000000000000000" pitchFamily="2" charset="2"/>
-              </a:rPr>
-              <a:t>Data, Methodology &amp; Software </a:t>
-            </a:r>
-            <a:endParaRPr lang="en-GB" sz="2400" dirty="0"/>
-          </a:p>
-          <a:p>
-            <a:pPr marL="0" indent="0">
-              <a:buNone/>
-            </a:pPr>
-            <a:r>
-              <a:rPr lang="en-GB" sz="1800" dirty="0"/>
-              <a:t>(Dennis 2006)</a:t>
-            </a:r>
-          </a:p>
-          <a:p>
-            <a:pPr marL="0" indent="0">
-              <a:buNone/>
-            </a:pPr>
-            <a:endParaRPr lang="en-GB" sz="2400" dirty="0"/>
-          </a:p>
-          <a:p>
-            <a:pPr marL="0" indent="0">
-              <a:buNone/>
-            </a:pPr>
-            <a:r>
-              <a:rPr lang="en-GB" sz="2400" b="1" dirty="0"/>
-              <a:t>Aims: </a:t>
-            </a:r>
-          </a:p>
-          <a:p>
-            <a:r>
-              <a:rPr lang="en-GB" sz="2400" dirty="0"/>
-              <a:t>Portray the current status of qualitative GIS</a:t>
-            </a:r>
-          </a:p>
-          <a:p>
-            <a:r>
-              <a:rPr lang="en-GB" sz="2400" dirty="0"/>
-              <a:t>reproducible approach</a:t>
-            </a:r>
-          </a:p>
-          <a:p>
-            <a:pPr marL="457200" lvl="1" indent="0">
-              <a:buNone/>
-            </a:pPr>
-            <a:r>
-              <a:rPr lang="en-GB" sz="2400" dirty="0"/>
-              <a:t> </a:t>
-            </a:r>
-            <a:r>
-              <a:rPr lang="en-GB" sz="2400" dirty="0">
-                <a:sym typeface="Wingdings" panose="05000000000000000000" pitchFamily="2" charset="2"/>
-              </a:rPr>
-              <a:t> public accessible data, open-source software  </a:t>
-            </a:r>
-            <a:endParaRPr lang="en-GB" sz="2400" dirty="0"/>
-          </a:p>
-          <a:p>
-            <a:endParaRPr lang="en-GB" sz="2400" dirty="0"/>
-          </a:p>
-          <a:p>
-            <a:endParaRPr lang="en-GB" dirty="0"/>
-          </a:p>
-        </p:txBody>
-      </p:sp>
-      <p:sp>
-        <p:nvSpPr>
-          <p:cNvPr id="4" name="Foliennummernplatzhalter 3">
-            <a:extLst>
-              <a:ext uri="{FF2B5EF4-FFF2-40B4-BE49-F238E27FC236}">
-                <a16:creationId xmlns:a16="http://schemas.microsoft.com/office/drawing/2014/main" id="{6EC855E8-54D3-47C4-AFA6-B962512995EE}"/>
-              </a:ext>
-            </a:extLst>
-          </p:cNvPr>
-          <p:cNvSpPr>
-            <a:spLocks noGrp="1"/>
-          </p:cNvSpPr>
-          <p:nvPr>
-            <p:ph type="sldNum" sz="quarter" idx="12"/>
-          </p:nvPr>
-        </p:nvSpPr>
-        <p:spPr/>
-        <p:txBody>
-          <a:bodyPr/>
-          <a:lstStyle/>
-          <a:p>
-            <a:fld id="{D57F1E4F-1CFF-5643-939E-02111984F565}" type="slidenum">
-              <a:rPr lang="en-US" smtClean="0"/>
-              <a:t>7</a:t>
-            </a:fld>
-            <a:endParaRPr lang="en-US" dirty="0"/>
-          </a:p>
-        </p:txBody>
-      </p:sp>
-    </p:spTree>
-    <p:extLst>
-      <p:ext uri="{BB962C8B-B14F-4D97-AF65-F5344CB8AC3E}">
-        <p14:creationId xmlns:p14="http://schemas.microsoft.com/office/powerpoint/2010/main" val="1995463250"/>
-      </p:ext>
-    </p:extLst>
-  </p:cSld>
-  <p:clrMapOvr>
-    <a:masterClrMapping/>
-  </p:clrMapOvr>
-</p:sld>
-</file>
-
-<file path=ppt/slides/slide8.xml><?xml version="1.0" encoding="utf-8"?>
 <p:sld xmlns:a="http://schemas.openxmlformats.org/drawingml/2006/main" xmlns:r="http://schemas.openxmlformats.org/officeDocument/2006/relationships" xmlns:p="http://schemas.openxmlformats.org/presentationml/2006/main">
   <p:cSld>
     <p:spTree>
@@ -22350,7 +27348,7 @@
           <a:p>
             <a:fld id="{D57F1E4F-1CFF-5643-939E-02111984F565}" type="slidenum">
               <a:rPr lang="en-US" smtClean="0"/>
-              <a:t>8</a:t>
+              <a:t>7</a:t>
             </a:fld>
             <a:endParaRPr lang="en-US" dirty="0"/>
           </a:p>
@@ -22379,7 +27377,7 @@
         <p:spPr>
           <a:xfrm>
             <a:off x="2407031" y="83748"/>
-            <a:ext cx="6270011" cy="6690504"/>
+            <a:ext cx="6270011" cy="6690503"/>
           </a:xfrm>
           <a:prstGeom prst="rect">
             <a:avLst/>
@@ -22407,7 +27405,7 @@
           <a:bodyPr/>
           <a:lstStyle/>
           <a:p>
-            <a:endParaRPr lang="en-GB"/>
+            <a:endParaRPr lang="en-GB" dirty="0"/>
           </a:p>
         </p:txBody>
       </p:sp>
@@ -22425,7 +27423,7 @@
         </p:nvSpPr>
         <p:spPr>
           <a:xfrm>
-            <a:off x="2139350" y="0"/>
+            <a:off x="2139349" y="-11340"/>
             <a:ext cx="7246189" cy="1864586"/>
           </a:xfrm>
           <a:prstGeom prst="rect">
@@ -22888,7 +27886,7 @@
 </p:sld>
 </file>
 
-<file path=ppt/slides/slide9.xml><?xml version="1.0" encoding="utf-8"?>
+<file path=ppt/slides/slide8.xml><?xml version="1.0" encoding="utf-8"?>
 <p:sld xmlns:a="http://schemas.openxmlformats.org/drawingml/2006/main" xmlns:r="http://schemas.openxmlformats.org/officeDocument/2006/relationships" xmlns:p="http://schemas.openxmlformats.org/presentationml/2006/main">
   <p:cSld>
     <p:spTree>
@@ -23047,7 +28045,7 @@
           <a:p>
             <a:fld id="{D57F1E4F-1CFF-5643-939E-02111984F565}" type="slidenum">
               <a:rPr lang="en-US" smtClean="0"/>
-              <a:t>9</a:t>
+              <a:t>8</a:t>
             </a:fld>
             <a:endParaRPr lang="en-US" dirty="0"/>
           </a:p>
@@ -23338,6 +28336,846 @@
         </p:cTn>
       </p:par>
     </p:tnLst>
+  </p:timing>
+</p:sld>
+</file>
+
+<file path=ppt/slides/slide9.xml><?xml version="1.0" encoding="utf-8"?>
+<p:sld xmlns:a="http://schemas.openxmlformats.org/drawingml/2006/main" xmlns:r="http://schemas.openxmlformats.org/officeDocument/2006/relationships" xmlns:p="http://schemas.openxmlformats.org/presentationml/2006/main">
+  <p:cSld>
+    <p:spTree>
+      <p:nvGrpSpPr>
+        <p:cNvPr id="1" name=""/>
+        <p:cNvGrpSpPr/>
+        <p:nvPr/>
+      </p:nvGrpSpPr>
+      <p:grpSpPr>
+        <a:xfrm>
+          <a:off x="0" y="0"/>
+          <a:ext cx="0" cy="0"/>
+          <a:chOff x="0" y="0"/>
+          <a:chExt cx="0" cy="0"/>
+        </a:xfrm>
+      </p:grpSpPr>
+      <p:sp>
+        <p:nvSpPr>
+          <p:cNvPr id="2" name="Titel 1">
+            <a:extLst>
+              <a:ext uri="{FF2B5EF4-FFF2-40B4-BE49-F238E27FC236}">
+                <a16:creationId xmlns:a16="http://schemas.microsoft.com/office/drawing/2014/main" id="{D5CB1A31-FB8B-44D2-9390-68C0B25718AA}"/>
+              </a:ext>
+            </a:extLst>
+          </p:cNvPr>
+          <p:cNvSpPr>
+            <a:spLocks noGrp="1"/>
+          </p:cNvSpPr>
+          <p:nvPr>
+            <p:ph type="title"/>
+          </p:nvPr>
+        </p:nvSpPr>
+        <p:spPr/>
+        <p:txBody>
+          <a:bodyPr/>
+          <a:lstStyle/>
+          <a:p>
+            <a:r>
+              <a:rPr lang="en-GB" dirty="0"/>
+              <a:t>3 Methodology </a:t>
+            </a:r>
+            <a:br>
+              <a:rPr lang="en-GB" dirty="0"/>
+            </a:br>
+            <a:endParaRPr lang="en-GB" dirty="0"/>
+          </a:p>
+        </p:txBody>
+      </p:sp>
+      <p:sp>
+        <p:nvSpPr>
+          <p:cNvPr id="3" name="Inhaltsplatzhalter 2">
+            <a:extLst>
+              <a:ext uri="{FF2B5EF4-FFF2-40B4-BE49-F238E27FC236}">
+                <a16:creationId xmlns:a16="http://schemas.microsoft.com/office/drawing/2014/main" id="{D71640E1-0812-4F63-BAF7-60E519003AD0}"/>
+              </a:ext>
+            </a:extLst>
+          </p:cNvPr>
+          <p:cNvSpPr>
+            <a:spLocks noGrp="1"/>
+          </p:cNvSpPr>
+          <p:nvPr>
+            <p:ph idx="1"/>
+          </p:nvPr>
+        </p:nvSpPr>
+        <p:spPr>
+          <a:xfrm>
+            <a:off x="673680" y="1673774"/>
+            <a:ext cx="8946541" cy="4195481"/>
+          </a:xfrm>
+        </p:spPr>
+        <p:txBody>
+          <a:bodyPr/>
+          <a:lstStyle/>
+          <a:p>
+            <a:pPr marL="0" indent="0">
+              <a:buNone/>
+            </a:pPr>
+            <a:r>
+              <a:rPr lang="de-DE" b="1" dirty="0"/>
+              <a:t>Review Analysis</a:t>
+            </a:r>
+            <a:endParaRPr lang="en-GB" b="1" dirty="0"/>
+          </a:p>
+        </p:txBody>
+      </p:sp>
+      <p:sp>
+        <p:nvSpPr>
+          <p:cNvPr id="4" name="Foliennummernplatzhalter 3">
+            <a:extLst>
+              <a:ext uri="{FF2B5EF4-FFF2-40B4-BE49-F238E27FC236}">
+                <a16:creationId xmlns:a16="http://schemas.microsoft.com/office/drawing/2014/main" id="{CF3F38D1-BB11-4B0E-9817-ED2E4C68CB1A}"/>
+              </a:ext>
+            </a:extLst>
+          </p:cNvPr>
+          <p:cNvSpPr>
+            <a:spLocks noGrp="1"/>
+          </p:cNvSpPr>
+          <p:nvPr>
+            <p:ph type="sldNum" sz="quarter" idx="12"/>
+          </p:nvPr>
+        </p:nvSpPr>
+        <p:spPr/>
+        <p:txBody>
+          <a:bodyPr/>
+          <a:lstStyle/>
+          <a:p>
+            <a:fld id="{D57F1E4F-1CFF-5643-939E-02111984F565}" type="slidenum">
+              <a:rPr lang="en-US" smtClean="0"/>
+              <a:t>9</a:t>
+            </a:fld>
+            <a:endParaRPr lang="en-US" dirty="0"/>
+          </a:p>
+        </p:txBody>
+      </p:sp>
+      <p:graphicFrame>
+        <p:nvGraphicFramePr>
+          <p:cNvPr id="5" name="Diagramm 4">
+            <a:extLst>
+              <a:ext uri="{FF2B5EF4-FFF2-40B4-BE49-F238E27FC236}">
+                <a16:creationId xmlns:a16="http://schemas.microsoft.com/office/drawing/2014/main" id="{1EC14FD2-8AEF-4B16-A0BB-AE0DBA5802A4}"/>
+              </a:ext>
+            </a:extLst>
+          </p:cNvPr>
+          <p:cNvGraphicFramePr/>
+          <p:nvPr>
+            <p:extLst>
+              <p:ext uri="{D42A27DB-BD31-4B8C-83A1-F6EECF244321}">
+                <p14:modId xmlns:p14="http://schemas.microsoft.com/office/powerpoint/2010/main" val="3707270145"/>
+              </p:ext>
+            </p:extLst>
+          </p:nvPr>
+        </p:nvGraphicFramePr>
+        <p:xfrm>
+          <a:off x="1172615" y="1138879"/>
+          <a:ext cx="10139120" cy="5685616"/>
+        </p:xfrm>
+        <a:graphic>
+          <a:graphicData uri="http://schemas.openxmlformats.org/drawingml/2006/diagram">
+            <dgm:relIds xmlns:dgm="http://schemas.openxmlformats.org/drawingml/2006/diagram" xmlns:r="http://schemas.openxmlformats.org/officeDocument/2006/relationships" r:dm="rId3" r:lo="rId4" r:qs="rId5" r:cs="rId6"/>
+          </a:graphicData>
+        </a:graphic>
+      </p:graphicFrame>
+      <p:pic>
+        <p:nvPicPr>
+          <p:cNvPr id="6" name="Grafik 5">
+            <a:extLst>
+              <a:ext uri="{FF2B5EF4-FFF2-40B4-BE49-F238E27FC236}">
+                <a16:creationId xmlns:a16="http://schemas.microsoft.com/office/drawing/2014/main" id="{512D0F52-BA99-471E-8D91-590D0901150F}"/>
+              </a:ext>
+            </a:extLst>
+          </p:cNvPr>
+          <p:cNvPicPr>
+            <a:picLocks noChangeAspect="1"/>
+          </p:cNvPicPr>
+          <p:nvPr/>
+        </p:nvPicPr>
+        <p:blipFill>
+          <a:blip r:embed="rId8"/>
+          <a:stretch>
+            <a:fillRect/>
+          </a:stretch>
+        </p:blipFill>
+        <p:spPr>
+          <a:xfrm>
+            <a:off x="1172615" y="2305682"/>
+            <a:ext cx="2853466" cy="4099600"/>
+          </a:xfrm>
+          <a:prstGeom prst="rect">
+            <a:avLst/>
+          </a:prstGeom>
+        </p:spPr>
+      </p:pic>
+      <p:pic>
+        <p:nvPicPr>
+          <p:cNvPr id="8" name="Grafik 7">
+            <a:extLst>
+              <a:ext uri="{FF2B5EF4-FFF2-40B4-BE49-F238E27FC236}">
+                <a16:creationId xmlns:a16="http://schemas.microsoft.com/office/drawing/2014/main" id="{1E40633E-6024-4133-B2B1-48CFDCC2B0C2}"/>
+              </a:ext>
+            </a:extLst>
+          </p:cNvPr>
+          <p:cNvPicPr>
+            <a:picLocks noChangeAspect="1"/>
+          </p:cNvPicPr>
+          <p:nvPr/>
+        </p:nvPicPr>
+        <p:blipFill>
+          <a:blip r:embed="rId9"/>
+          <a:stretch>
+            <a:fillRect/>
+          </a:stretch>
+        </p:blipFill>
+        <p:spPr>
+          <a:xfrm>
+            <a:off x="9117904" y="2982032"/>
+            <a:ext cx="1969813" cy="1967477"/>
+          </a:xfrm>
+          <a:prstGeom prst="rect">
+            <a:avLst/>
+          </a:prstGeom>
+        </p:spPr>
+      </p:pic>
+      <p:pic>
+        <p:nvPicPr>
+          <p:cNvPr id="10" name="Grafik 9">
+            <a:extLst>
+              <a:ext uri="{FF2B5EF4-FFF2-40B4-BE49-F238E27FC236}">
+                <a16:creationId xmlns:a16="http://schemas.microsoft.com/office/drawing/2014/main" id="{AAED2F77-E83C-423A-AF1C-7FA8E319DD81}"/>
+              </a:ext>
+            </a:extLst>
+          </p:cNvPr>
+          <p:cNvPicPr>
+            <a:picLocks noChangeAspect="1"/>
+          </p:cNvPicPr>
+          <p:nvPr/>
+        </p:nvPicPr>
+        <p:blipFill>
+          <a:blip r:embed="rId10"/>
+          <a:stretch>
+            <a:fillRect/>
+          </a:stretch>
+        </p:blipFill>
+        <p:spPr>
+          <a:xfrm>
+            <a:off x="10260889" y="4146098"/>
+            <a:ext cx="1494615" cy="1494615"/>
+          </a:xfrm>
+          <a:prstGeom prst="rect">
+            <a:avLst/>
+          </a:prstGeom>
+        </p:spPr>
+      </p:pic>
+      <p:pic>
+        <p:nvPicPr>
+          <p:cNvPr id="12" name="Grafik 11">
+            <a:extLst>
+              <a:ext uri="{FF2B5EF4-FFF2-40B4-BE49-F238E27FC236}">
+                <a16:creationId xmlns:a16="http://schemas.microsoft.com/office/drawing/2014/main" id="{71A5FEAB-A0AB-40AA-A0E1-3698F0524145}"/>
+              </a:ext>
+            </a:extLst>
+          </p:cNvPr>
+          <p:cNvPicPr>
+            <a:picLocks noChangeAspect="1"/>
+          </p:cNvPicPr>
+          <p:nvPr/>
+        </p:nvPicPr>
+        <p:blipFill>
+          <a:blip r:embed="rId11"/>
+          <a:stretch>
+            <a:fillRect/>
+          </a:stretch>
+        </p:blipFill>
+        <p:spPr>
+          <a:xfrm>
+            <a:off x="7692862" y="1709601"/>
+            <a:ext cx="2615930" cy="1825834"/>
+          </a:xfrm>
+          <a:prstGeom prst="rect">
+            <a:avLst/>
+          </a:prstGeom>
+        </p:spPr>
+      </p:pic>
+      <p:pic>
+        <p:nvPicPr>
+          <p:cNvPr id="15" name="Grafik 14">
+            <a:extLst>
+              <a:ext uri="{FF2B5EF4-FFF2-40B4-BE49-F238E27FC236}">
+                <a16:creationId xmlns:a16="http://schemas.microsoft.com/office/drawing/2014/main" id="{0BBDF0EF-8E78-4C62-8669-DFA197D2CE67}"/>
+              </a:ext>
+            </a:extLst>
+          </p:cNvPr>
+          <p:cNvPicPr>
+            <a:picLocks noChangeAspect="1"/>
+          </p:cNvPicPr>
+          <p:nvPr/>
+        </p:nvPicPr>
+        <p:blipFill rotWithShape="1">
+          <a:blip r:embed="rId12"/>
+          <a:srcRect b="21097"/>
+          <a:stretch/>
+        </p:blipFill>
+        <p:spPr>
+          <a:xfrm>
+            <a:off x="3090689" y="1291144"/>
+            <a:ext cx="6391275" cy="5381086"/>
+          </a:xfrm>
+          <a:prstGeom prst="rect">
+            <a:avLst/>
+          </a:prstGeom>
+        </p:spPr>
+      </p:pic>
+      <p:sp>
+        <p:nvSpPr>
+          <p:cNvPr id="16" name="Rechteck 15">
+            <a:extLst>
+              <a:ext uri="{FF2B5EF4-FFF2-40B4-BE49-F238E27FC236}">
+                <a16:creationId xmlns:a16="http://schemas.microsoft.com/office/drawing/2014/main" id="{FF989C48-2B74-4E24-AE17-0B8807AAC71F}"/>
+              </a:ext>
+            </a:extLst>
+          </p:cNvPr>
+          <p:cNvSpPr/>
+          <p:nvPr/>
+        </p:nvSpPr>
+        <p:spPr>
+          <a:xfrm>
+            <a:off x="5710001" y="4664219"/>
+            <a:ext cx="3820630" cy="2110031"/>
+          </a:xfrm>
+          <a:prstGeom prst="rect">
+            <a:avLst/>
+          </a:prstGeom>
+          <a:solidFill>
+            <a:schemeClr val="accent5">
+              <a:lumMod val="50000"/>
+            </a:schemeClr>
+          </a:solidFill>
+          <a:ln>
+            <a:noFill/>
+          </a:ln>
+        </p:spPr>
+        <p:style>
+          <a:lnRef idx="2">
+            <a:schemeClr val="accent1">
+              <a:shade val="50000"/>
+            </a:schemeClr>
+          </a:lnRef>
+          <a:fillRef idx="1">
+            <a:schemeClr val="accent1"/>
+          </a:fillRef>
+          <a:effectRef idx="0">
+            <a:schemeClr val="accent1"/>
+          </a:effectRef>
+          <a:fontRef idx="minor">
+            <a:schemeClr val="lt1"/>
+          </a:fontRef>
+        </p:style>
+        <p:txBody>
+          <a:bodyPr rtlCol="0" anchor="ctr"/>
+          <a:lstStyle/>
+          <a:p>
+            <a:pPr algn="ctr"/>
+            <a:endParaRPr lang="en-GB"/>
+          </a:p>
+        </p:txBody>
+      </p:sp>
+    </p:spTree>
+    <p:extLst>
+      <p:ext uri="{BB962C8B-B14F-4D97-AF65-F5344CB8AC3E}">
+        <p14:creationId xmlns:p14="http://schemas.microsoft.com/office/powerpoint/2010/main" val="1784036281"/>
+      </p:ext>
+    </p:extLst>
+  </p:cSld>
+  <p:clrMapOvr>
+    <a:masterClrMapping/>
+  </p:clrMapOvr>
+  <p:timing>
+    <p:tnLst>
+      <p:par>
+        <p:cTn id="1" dur="indefinite" restart="never" nodeType="tmRoot">
+          <p:childTnLst>
+            <p:seq concurrent="1" nextAc="seek">
+              <p:cTn id="2" dur="indefinite" nodeType="mainSeq">
+                <p:childTnLst>
+                  <p:par>
+                    <p:cTn id="3" fill="hold">
+                      <p:stCondLst>
+                        <p:cond delay="indefinite"/>
+                      </p:stCondLst>
+                      <p:childTnLst>
+                        <p:par>
+                          <p:cTn id="4" fill="hold">
+                            <p:stCondLst>
+                              <p:cond delay="0"/>
+                            </p:stCondLst>
+                            <p:childTnLst>
+                              <p:par>
+                                <p:cTn id="5" presetID="10" presetClass="exit" presetSubtype="0" fill="hold" grpId="0" nodeType="clickEffect">
+                                  <p:stCondLst>
+                                    <p:cond delay="0"/>
+                                  </p:stCondLst>
+                                  <p:childTnLst>
+                                    <p:animEffect transition="out" filter="fade">
+                                      <p:cBhvr>
+                                        <p:cTn id="6" dur="500"/>
+                                        <p:tgtEl>
+                                          <p:spTgt spid="16"/>
+                                        </p:tgtEl>
+                                      </p:cBhvr>
+                                    </p:animEffect>
+                                    <p:set>
+                                      <p:cBhvr>
+                                        <p:cTn id="7" dur="1" fill="hold">
+                                          <p:stCondLst>
+                                            <p:cond delay="499"/>
+                                          </p:stCondLst>
+                                        </p:cTn>
+                                        <p:tgtEl>
+                                          <p:spTgt spid="16"/>
+                                        </p:tgtEl>
+                                        <p:attrNameLst>
+                                          <p:attrName>style.visibility</p:attrName>
+                                        </p:attrNameLst>
+                                      </p:cBhvr>
+                                      <p:to>
+                                        <p:strVal val="hidden"/>
+                                      </p:to>
+                                    </p:set>
+                                  </p:childTnLst>
+                                </p:cTn>
+                              </p:par>
+                              <p:par>
+                                <p:cTn id="8" presetID="10" presetClass="exit" presetSubtype="0" fill="hold" nodeType="withEffect">
+                                  <p:stCondLst>
+                                    <p:cond delay="0"/>
+                                  </p:stCondLst>
+                                  <p:childTnLst>
+                                    <p:animEffect transition="out" filter="fade">
+                                      <p:cBhvr>
+                                        <p:cTn id="9" dur="500"/>
+                                        <p:tgtEl>
+                                          <p:spTgt spid="15"/>
+                                        </p:tgtEl>
+                                      </p:cBhvr>
+                                    </p:animEffect>
+                                    <p:set>
+                                      <p:cBhvr>
+                                        <p:cTn id="10" dur="1" fill="hold">
+                                          <p:stCondLst>
+                                            <p:cond delay="499"/>
+                                          </p:stCondLst>
+                                        </p:cTn>
+                                        <p:tgtEl>
+                                          <p:spTgt spid="15"/>
+                                        </p:tgtEl>
+                                        <p:attrNameLst>
+                                          <p:attrName>style.visibility</p:attrName>
+                                        </p:attrNameLst>
+                                      </p:cBhvr>
+                                      <p:to>
+                                        <p:strVal val="hidden"/>
+                                      </p:to>
+                                    </p:set>
+                                  </p:childTnLst>
+                                </p:cTn>
+                              </p:par>
+                            </p:childTnLst>
+                          </p:cTn>
+                        </p:par>
+                      </p:childTnLst>
+                    </p:cTn>
+                  </p:par>
+                  <p:par>
+                    <p:cTn id="11" fill="hold">
+                      <p:stCondLst>
+                        <p:cond delay="indefinite"/>
+                      </p:stCondLst>
+                      <p:childTnLst>
+                        <p:par>
+                          <p:cTn id="12" fill="hold">
+                            <p:stCondLst>
+                              <p:cond delay="0"/>
+                            </p:stCondLst>
+                            <p:childTnLst>
+                              <p:par>
+                                <p:cTn id="13" presetID="42" presetClass="entr" presetSubtype="0" fill="hold" nodeType="clickEffect">
+                                  <p:stCondLst>
+                                    <p:cond delay="0"/>
+                                  </p:stCondLst>
+                                  <p:childTnLst>
+                                    <p:set>
+                                      <p:cBhvr>
+                                        <p:cTn id="14" dur="1" fill="hold">
+                                          <p:stCondLst>
+                                            <p:cond delay="0"/>
+                                          </p:stCondLst>
+                                        </p:cTn>
+                                        <p:tgtEl>
+                                          <p:spTgt spid="6"/>
+                                        </p:tgtEl>
+                                        <p:attrNameLst>
+                                          <p:attrName>style.visibility</p:attrName>
+                                        </p:attrNameLst>
+                                      </p:cBhvr>
+                                      <p:to>
+                                        <p:strVal val="visible"/>
+                                      </p:to>
+                                    </p:set>
+                                    <p:animEffect transition="in" filter="fade">
+                                      <p:cBhvr>
+                                        <p:cTn id="15" dur="1000"/>
+                                        <p:tgtEl>
+                                          <p:spTgt spid="6"/>
+                                        </p:tgtEl>
+                                      </p:cBhvr>
+                                    </p:animEffect>
+                                    <p:anim calcmode="lin" valueType="num">
+                                      <p:cBhvr>
+                                        <p:cTn id="16" dur="1000" fill="hold"/>
+                                        <p:tgtEl>
+                                          <p:spTgt spid="6"/>
+                                        </p:tgtEl>
+                                        <p:attrNameLst>
+                                          <p:attrName>ppt_x</p:attrName>
+                                        </p:attrNameLst>
+                                      </p:cBhvr>
+                                      <p:tavLst>
+                                        <p:tav tm="0">
+                                          <p:val>
+                                            <p:strVal val="#ppt_x"/>
+                                          </p:val>
+                                        </p:tav>
+                                        <p:tav tm="100000">
+                                          <p:val>
+                                            <p:strVal val="#ppt_x"/>
+                                          </p:val>
+                                        </p:tav>
+                                      </p:tavLst>
+                                    </p:anim>
+                                    <p:anim calcmode="lin" valueType="num">
+                                      <p:cBhvr>
+                                        <p:cTn id="17" dur="1000" fill="hold"/>
+                                        <p:tgtEl>
+                                          <p:spTgt spid="6"/>
+                                        </p:tgtEl>
+                                        <p:attrNameLst>
+                                          <p:attrName>ppt_y</p:attrName>
+                                        </p:attrNameLst>
+                                      </p:cBhvr>
+                                      <p:tavLst>
+                                        <p:tav tm="0">
+                                          <p:val>
+                                            <p:strVal val="#ppt_y+.1"/>
+                                          </p:val>
+                                        </p:tav>
+                                        <p:tav tm="100000">
+                                          <p:val>
+                                            <p:strVal val="#ppt_y"/>
+                                          </p:val>
+                                        </p:tav>
+                                      </p:tavLst>
+                                    </p:anim>
+                                  </p:childTnLst>
+                                </p:cTn>
+                              </p:par>
+                            </p:childTnLst>
+                          </p:cTn>
+                        </p:par>
+                      </p:childTnLst>
+                    </p:cTn>
+                  </p:par>
+                  <p:par>
+                    <p:cTn id="18" fill="hold">
+                      <p:stCondLst>
+                        <p:cond delay="indefinite"/>
+                      </p:stCondLst>
+                      <p:childTnLst>
+                        <p:par>
+                          <p:cTn id="19" fill="hold">
+                            <p:stCondLst>
+                              <p:cond delay="0"/>
+                            </p:stCondLst>
+                            <p:childTnLst>
+                              <p:par>
+                                <p:cTn id="20" presetID="42" presetClass="entr" presetSubtype="0" fill="hold" nodeType="clickEffect">
+                                  <p:stCondLst>
+                                    <p:cond delay="0"/>
+                                  </p:stCondLst>
+                                  <p:childTnLst>
+                                    <p:set>
+                                      <p:cBhvr>
+                                        <p:cTn id="21" dur="1" fill="hold">
+                                          <p:stCondLst>
+                                            <p:cond delay="0"/>
+                                          </p:stCondLst>
+                                        </p:cTn>
+                                        <p:tgtEl>
+                                          <p:spTgt spid="10"/>
+                                        </p:tgtEl>
+                                        <p:attrNameLst>
+                                          <p:attrName>style.visibility</p:attrName>
+                                        </p:attrNameLst>
+                                      </p:cBhvr>
+                                      <p:to>
+                                        <p:strVal val="visible"/>
+                                      </p:to>
+                                    </p:set>
+                                    <p:animEffect transition="in" filter="fade">
+                                      <p:cBhvr>
+                                        <p:cTn id="22" dur="1000"/>
+                                        <p:tgtEl>
+                                          <p:spTgt spid="10"/>
+                                        </p:tgtEl>
+                                      </p:cBhvr>
+                                    </p:animEffect>
+                                    <p:anim calcmode="lin" valueType="num">
+                                      <p:cBhvr>
+                                        <p:cTn id="23" dur="1000" fill="hold"/>
+                                        <p:tgtEl>
+                                          <p:spTgt spid="10"/>
+                                        </p:tgtEl>
+                                        <p:attrNameLst>
+                                          <p:attrName>ppt_x</p:attrName>
+                                        </p:attrNameLst>
+                                      </p:cBhvr>
+                                      <p:tavLst>
+                                        <p:tav tm="0">
+                                          <p:val>
+                                            <p:strVal val="#ppt_x"/>
+                                          </p:val>
+                                        </p:tav>
+                                        <p:tav tm="100000">
+                                          <p:val>
+                                            <p:strVal val="#ppt_x"/>
+                                          </p:val>
+                                        </p:tav>
+                                      </p:tavLst>
+                                    </p:anim>
+                                    <p:anim calcmode="lin" valueType="num">
+                                      <p:cBhvr>
+                                        <p:cTn id="24" dur="1000" fill="hold"/>
+                                        <p:tgtEl>
+                                          <p:spTgt spid="10"/>
+                                        </p:tgtEl>
+                                        <p:attrNameLst>
+                                          <p:attrName>ppt_y</p:attrName>
+                                        </p:attrNameLst>
+                                      </p:cBhvr>
+                                      <p:tavLst>
+                                        <p:tav tm="0">
+                                          <p:val>
+                                            <p:strVal val="#ppt_y+.1"/>
+                                          </p:val>
+                                        </p:tav>
+                                        <p:tav tm="100000">
+                                          <p:val>
+                                            <p:strVal val="#ppt_y"/>
+                                          </p:val>
+                                        </p:tav>
+                                      </p:tavLst>
+                                    </p:anim>
+                                  </p:childTnLst>
+                                </p:cTn>
+                              </p:par>
+                              <p:par>
+                                <p:cTn id="25" presetID="42" presetClass="entr" presetSubtype="0" fill="hold" nodeType="withEffect">
+                                  <p:stCondLst>
+                                    <p:cond delay="0"/>
+                                  </p:stCondLst>
+                                  <p:childTnLst>
+                                    <p:set>
+                                      <p:cBhvr>
+                                        <p:cTn id="26" dur="1" fill="hold">
+                                          <p:stCondLst>
+                                            <p:cond delay="0"/>
+                                          </p:stCondLst>
+                                        </p:cTn>
+                                        <p:tgtEl>
+                                          <p:spTgt spid="8"/>
+                                        </p:tgtEl>
+                                        <p:attrNameLst>
+                                          <p:attrName>style.visibility</p:attrName>
+                                        </p:attrNameLst>
+                                      </p:cBhvr>
+                                      <p:to>
+                                        <p:strVal val="visible"/>
+                                      </p:to>
+                                    </p:set>
+                                    <p:animEffect transition="in" filter="fade">
+                                      <p:cBhvr>
+                                        <p:cTn id="27" dur="1000"/>
+                                        <p:tgtEl>
+                                          <p:spTgt spid="8"/>
+                                        </p:tgtEl>
+                                      </p:cBhvr>
+                                    </p:animEffect>
+                                    <p:anim calcmode="lin" valueType="num">
+                                      <p:cBhvr>
+                                        <p:cTn id="28" dur="1000" fill="hold"/>
+                                        <p:tgtEl>
+                                          <p:spTgt spid="8"/>
+                                        </p:tgtEl>
+                                        <p:attrNameLst>
+                                          <p:attrName>ppt_x</p:attrName>
+                                        </p:attrNameLst>
+                                      </p:cBhvr>
+                                      <p:tavLst>
+                                        <p:tav tm="0">
+                                          <p:val>
+                                            <p:strVal val="#ppt_x"/>
+                                          </p:val>
+                                        </p:tav>
+                                        <p:tav tm="100000">
+                                          <p:val>
+                                            <p:strVal val="#ppt_x"/>
+                                          </p:val>
+                                        </p:tav>
+                                      </p:tavLst>
+                                    </p:anim>
+                                    <p:anim calcmode="lin" valueType="num">
+                                      <p:cBhvr>
+                                        <p:cTn id="29" dur="1000" fill="hold"/>
+                                        <p:tgtEl>
+                                          <p:spTgt spid="8"/>
+                                        </p:tgtEl>
+                                        <p:attrNameLst>
+                                          <p:attrName>ppt_y</p:attrName>
+                                        </p:attrNameLst>
+                                      </p:cBhvr>
+                                      <p:tavLst>
+                                        <p:tav tm="0">
+                                          <p:val>
+                                            <p:strVal val="#ppt_y+.1"/>
+                                          </p:val>
+                                        </p:tav>
+                                        <p:tav tm="100000">
+                                          <p:val>
+                                            <p:strVal val="#ppt_y"/>
+                                          </p:val>
+                                        </p:tav>
+                                      </p:tavLst>
+                                    </p:anim>
+                                  </p:childTnLst>
+                                </p:cTn>
+                              </p:par>
+                              <p:par>
+                                <p:cTn id="30" presetID="42" presetClass="entr" presetSubtype="0" fill="hold" nodeType="withEffect">
+                                  <p:stCondLst>
+                                    <p:cond delay="0"/>
+                                  </p:stCondLst>
+                                  <p:childTnLst>
+                                    <p:set>
+                                      <p:cBhvr>
+                                        <p:cTn id="31" dur="1" fill="hold">
+                                          <p:stCondLst>
+                                            <p:cond delay="0"/>
+                                          </p:stCondLst>
+                                        </p:cTn>
+                                        <p:tgtEl>
+                                          <p:spTgt spid="12"/>
+                                        </p:tgtEl>
+                                        <p:attrNameLst>
+                                          <p:attrName>style.visibility</p:attrName>
+                                        </p:attrNameLst>
+                                      </p:cBhvr>
+                                      <p:to>
+                                        <p:strVal val="visible"/>
+                                      </p:to>
+                                    </p:set>
+                                    <p:animEffect transition="in" filter="fade">
+                                      <p:cBhvr>
+                                        <p:cTn id="32" dur="1000"/>
+                                        <p:tgtEl>
+                                          <p:spTgt spid="12"/>
+                                        </p:tgtEl>
+                                      </p:cBhvr>
+                                    </p:animEffect>
+                                    <p:anim calcmode="lin" valueType="num">
+                                      <p:cBhvr>
+                                        <p:cTn id="33" dur="1000" fill="hold"/>
+                                        <p:tgtEl>
+                                          <p:spTgt spid="12"/>
+                                        </p:tgtEl>
+                                        <p:attrNameLst>
+                                          <p:attrName>ppt_x</p:attrName>
+                                        </p:attrNameLst>
+                                      </p:cBhvr>
+                                      <p:tavLst>
+                                        <p:tav tm="0">
+                                          <p:val>
+                                            <p:strVal val="#ppt_x"/>
+                                          </p:val>
+                                        </p:tav>
+                                        <p:tav tm="100000">
+                                          <p:val>
+                                            <p:strVal val="#ppt_x"/>
+                                          </p:val>
+                                        </p:tav>
+                                      </p:tavLst>
+                                    </p:anim>
+                                    <p:anim calcmode="lin" valueType="num">
+                                      <p:cBhvr>
+                                        <p:cTn id="34" dur="1000" fill="hold"/>
+                                        <p:tgtEl>
+                                          <p:spTgt spid="12"/>
+                                        </p:tgtEl>
+                                        <p:attrNameLst>
+                                          <p:attrName>ppt_y</p:attrName>
+                                        </p:attrNameLst>
+                                      </p:cBhvr>
+                                      <p:tavLst>
+                                        <p:tav tm="0">
+                                          <p:val>
+                                            <p:strVal val="#ppt_y+.1"/>
+                                          </p:val>
+                                        </p:tav>
+                                        <p:tav tm="100000">
+                                          <p:val>
+                                            <p:strVal val="#ppt_y"/>
+                                          </p:val>
+                                        </p:tav>
+                                      </p:tavLst>
+                                    </p:anim>
+                                  </p:childTnLst>
+                                </p:cTn>
+                              </p:par>
+                            </p:childTnLst>
+                          </p:cTn>
+                        </p:par>
+                      </p:childTnLst>
+                    </p:cTn>
+                  </p:par>
+                </p:childTnLst>
+              </p:cTn>
+              <p:prevCondLst>
+                <p:cond evt="onPrev" delay="0">
+                  <p:tgtEl>
+                    <p:sldTgt/>
+                  </p:tgtEl>
+                </p:cond>
+              </p:prevCondLst>
+              <p:nextCondLst>
+                <p:cond evt="onNext" delay="0">
+                  <p:tgtEl>
+                    <p:sldTgt/>
+                  </p:tgtEl>
+                </p:cond>
+              </p:nextCondLst>
+            </p:seq>
+          </p:childTnLst>
+        </p:cTn>
+      </p:par>
+    </p:tnLst>
+    <p:bldLst>
+      <p:bldP spid="16" grpId="0" animBg="1"/>
+    </p:bldLst>
   </p:timing>
 </p:sld>
 </file>
